--- a/figures/!figs.pptx
+++ b/figures/!figs.pptx
@@ -7,6 +7,10 @@
   <p:sldIdLst>
     <p:sldId id="256" r:id="rId2"/>
     <p:sldId id="257" r:id="rId3"/>
+    <p:sldId id="258" r:id="rId4"/>
+    <p:sldId id="259" r:id="rId5"/>
+    <p:sldId id="260" r:id="rId6"/>
+    <p:sldId id="261" r:id="rId7"/>
   </p:sldIdLst>
   <p:sldSz cx="12192000" cy="6858000"/>
   <p:notesSz cx="6858000" cy="9144000"/>
@@ -105,6 +109,11 @@
       </a:defRPr>
     </a:lvl9pPr>
   </p:defaultTextStyle>
+  <p:extLst>
+    <p:ext uri="{EFAFB233-063F-42B5-8137-9DF3F51BA10A}">
+      <p15:sldGuideLst xmlns:p15="http://schemas.microsoft.com/office/powerpoint/2012/main"/>
+    </p:ext>
+  </p:extLst>
 </p:presentation>
 </file>
 
@@ -239,7 +248,7 @@
           <a:p>
             <a:fld id="{B77274E5-FC3A-4BE9-80CA-C6B6470116DF}" type="datetimeFigureOut">
               <a:rPr lang="de-DE" smtClean="0"/>
-              <a:t>26.04.2021</a:t>
+              <a:t>27.04.2021</a:t>
             </a:fld>
             <a:endParaRPr lang="de-DE"/>
           </a:p>
@@ -409,7 +418,7 @@
           <a:p>
             <a:fld id="{B77274E5-FC3A-4BE9-80CA-C6B6470116DF}" type="datetimeFigureOut">
               <a:rPr lang="de-DE" smtClean="0"/>
-              <a:t>26.04.2021</a:t>
+              <a:t>27.04.2021</a:t>
             </a:fld>
             <a:endParaRPr lang="de-DE"/>
           </a:p>
@@ -589,7 +598,7 @@
           <a:p>
             <a:fld id="{B77274E5-FC3A-4BE9-80CA-C6B6470116DF}" type="datetimeFigureOut">
               <a:rPr lang="de-DE" smtClean="0"/>
-              <a:t>26.04.2021</a:t>
+              <a:t>27.04.2021</a:t>
             </a:fld>
             <a:endParaRPr lang="de-DE"/>
           </a:p>
@@ -759,7 +768,7 @@
           <a:p>
             <a:fld id="{B77274E5-FC3A-4BE9-80CA-C6B6470116DF}" type="datetimeFigureOut">
               <a:rPr lang="de-DE" smtClean="0"/>
-              <a:t>26.04.2021</a:t>
+              <a:t>27.04.2021</a:t>
             </a:fld>
             <a:endParaRPr lang="de-DE"/>
           </a:p>
@@ -1005,7 +1014,7 @@
           <a:p>
             <a:fld id="{B77274E5-FC3A-4BE9-80CA-C6B6470116DF}" type="datetimeFigureOut">
               <a:rPr lang="de-DE" smtClean="0"/>
-              <a:t>26.04.2021</a:t>
+              <a:t>27.04.2021</a:t>
             </a:fld>
             <a:endParaRPr lang="de-DE"/>
           </a:p>
@@ -1237,7 +1246,7 @@
           <a:p>
             <a:fld id="{B77274E5-FC3A-4BE9-80CA-C6B6470116DF}" type="datetimeFigureOut">
               <a:rPr lang="de-DE" smtClean="0"/>
-              <a:t>26.04.2021</a:t>
+              <a:t>27.04.2021</a:t>
             </a:fld>
             <a:endParaRPr lang="de-DE"/>
           </a:p>
@@ -1604,7 +1613,7 @@
           <a:p>
             <a:fld id="{B77274E5-FC3A-4BE9-80CA-C6B6470116DF}" type="datetimeFigureOut">
               <a:rPr lang="de-DE" smtClean="0"/>
-              <a:t>26.04.2021</a:t>
+              <a:t>27.04.2021</a:t>
             </a:fld>
             <a:endParaRPr lang="de-DE"/>
           </a:p>
@@ -1722,7 +1731,7 @@
           <a:p>
             <a:fld id="{B77274E5-FC3A-4BE9-80CA-C6B6470116DF}" type="datetimeFigureOut">
               <a:rPr lang="de-DE" smtClean="0"/>
-              <a:t>26.04.2021</a:t>
+              <a:t>27.04.2021</a:t>
             </a:fld>
             <a:endParaRPr lang="de-DE"/>
           </a:p>
@@ -1817,7 +1826,7 @@
           <a:p>
             <a:fld id="{B77274E5-FC3A-4BE9-80CA-C6B6470116DF}" type="datetimeFigureOut">
               <a:rPr lang="de-DE" smtClean="0"/>
-              <a:t>26.04.2021</a:t>
+              <a:t>27.04.2021</a:t>
             </a:fld>
             <a:endParaRPr lang="de-DE"/>
           </a:p>
@@ -2094,7 +2103,7 @@
           <a:p>
             <a:fld id="{B77274E5-FC3A-4BE9-80CA-C6B6470116DF}" type="datetimeFigureOut">
               <a:rPr lang="de-DE" smtClean="0"/>
-              <a:t>26.04.2021</a:t>
+              <a:t>27.04.2021</a:t>
             </a:fld>
             <a:endParaRPr lang="de-DE"/>
           </a:p>
@@ -2347,7 +2356,7 @@
           <a:p>
             <a:fld id="{B77274E5-FC3A-4BE9-80CA-C6B6470116DF}" type="datetimeFigureOut">
               <a:rPr lang="de-DE" smtClean="0"/>
-              <a:t>26.04.2021</a:t>
+              <a:t>27.04.2021</a:t>
             </a:fld>
             <a:endParaRPr lang="de-DE"/>
           </a:p>
@@ -2560,7 +2569,7 @@
           <a:p>
             <a:fld id="{B77274E5-FC3A-4BE9-80CA-C6B6470116DF}" type="datetimeFigureOut">
               <a:rPr lang="de-DE" smtClean="0"/>
-              <a:t>26.04.2021</a:t>
+              <a:t>27.04.2021</a:t>
             </a:fld>
             <a:endParaRPr lang="de-DE"/>
           </a:p>
@@ -3633,6 +3642,5610 @@
 </p:sld>
 </file>
 
+<file path=ppt/slides/slide3.xml><?xml version="1.0" encoding="utf-8"?>
+<p:sld xmlns:a="http://schemas.openxmlformats.org/drawingml/2006/main" xmlns:r="http://schemas.openxmlformats.org/officeDocument/2006/relationships" xmlns:p="http://schemas.openxmlformats.org/presentationml/2006/main">
+  <p:cSld>
+    <p:spTree>
+      <p:nvGrpSpPr>
+        <p:cNvPr id="1" name=""/>
+        <p:cNvGrpSpPr/>
+        <p:nvPr/>
+      </p:nvGrpSpPr>
+      <p:grpSpPr>
+        <a:xfrm>
+          <a:off x="0" y="0"/>
+          <a:ext cx="0" cy="0"/>
+          <a:chOff x="0" y="0"/>
+          <a:chExt cx="0" cy="0"/>
+        </a:xfrm>
+      </p:grpSpPr>
+      <p:pic>
+        <p:nvPicPr>
+          <p:cNvPr id="9" name="Grafik 8"/>
+          <p:cNvPicPr>
+            <a:picLocks noChangeAspect="1"/>
+          </p:cNvPicPr>
+          <p:nvPr/>
+        </p:nvPicPr>
+        <p:blipFill rotWithShape="1">
+          <a:blip r:embed="rId2"/>
+          <a:srcRect l="2998" t="13971" r="4878" b="6377"/>
+          <a:stretch/>
+        </p:blipFill>
+        <p:spPr>
+          <a:xfrm>
+            <a:off x="769287" y="178904"/>
+            <a:ext cx="5784574" cy="5462546"/>
+          </a:xfrm>
+          <a:prstGeom prst="rect">
+            <a:avLst/>
+          </a:prstGeom>
+        </p:spPr>
+      </p:pic>
+      <p:pic>
+        <p:nvPicPr>
+          <p:cNvPr id="8" name="Grafik 7"/>
+          <p:cNvPicPr>
+            <a:picLocks noChangeAspect="1"/>
+          </p:cNvPicPr>
+          <p:nvPr/>
+        </p:nvPicPr>
+        <p:blipFill rotWithShape="1">
+          <a:blip r:embed="rId3"/>
+          <a:srcRect l="3838" t="6319" r="22663" b="24638"/>
+          <a:stretch/>
+        </p:blipFill>
+        <p:spPr>
+          <a:xfrm>
+            <a:off x="6325261" y="365761"/>
+            <a:ext cx="5287618" cy="4735002"/>
+          </a:xfrm>
+          <a:prstGeom prst="rect">
+            <a:avLst/>
+          </a:prstGeom>
+        </p:spPr>
+      </p:pic>
+      <p:pic>
+        <p:nvPicPr>
+          <p:cNvPr id="7" name="Grafik 6"/>
+          <p:cNvPicPr>
+            <a:picLocks noChangeAspect="1"/>
+          </p:cNvPicPr>
+          <p:nvPr/>
+        </p:nvPicPr>
+        <p:blipFill rotWithShape="1">
+          <a:blip r:embed="rId4"/>
+          <a:srcRect l="23956" t="47247" r="2091" b="1159"/>
+          <a:stretch/>
+        </p:blipFill>
+        <p:spPr>
+          <a:xfrm>
+            <a:off x="-115295" y="2007703"/>
+            <a:ext cx="4643561" cy="3538331"/>
+          </a:xfrm>
+          <a:prstGeom prst="rect">
+            <a:avLst/>
+          </a:prstGeom>
+        </p:spPr>
+      </p:pic>
+    </p:spTree>
+    <p:extLst>
+      <p:ext uri="{BB962C8B-B14F-4D97-AF65-F5344CB8AC3E}">
+        <p14:creationId xmlns:p14="http://schemas.microsoft.com/office/powerpoint/2010/main" val="2545174"/>
+      </p:ext>
+    </p:extLst>
+  </p:cSld>
+  <p:clrMapOvr>
+    <a:masterClrMapping/>
+  </p:clrMapOvr>
+</p:sld>
+</file>
+
+<file path=ppt/slides/slide4.xml><?xml version="1.0" encoding="utf-8"?>
+<p:sld xmlns:a="http://schemas.openxmlformats.org/drawingml/2006/main" xmlns:r="http://schemas.openxmlformats.org/officeDocument/2006/relationships" xmlns:p="http://schemas.openxmlformats.org/presentationml/2006/main">
+  <p:cSld>
+    <p:spTree>
+      <p:nvGrpSpPr>
+        <p:cNvPr id="1" name=""/>
+        <p:cNvGrpSpPr/>
+        <p:nvPr/>
+      </p:nvGrpSpPr>
+      <p:grpSpPr>
+        <a:xfrm>
+          <a:off x="0" y="0"/>
+          <a:ext cx="0" cy="0"/>
+          <a:chOff x="0" y="0"/>
+          <a:chExt cx="0" cy="0"/>
+        </a:xfrm>
+      </p:grpSpPr>
+      <p:sp>
+        <p:nvSpPr>
+          <p:cNvPr id="4" name="Flussdiagramm: Verbindungsstelle zu einer anderen Seite 3"/>
+          <p:cNvSpPr/>
+          <p:nvPr/>
+        </p:nvSpPr>
+        <p:spPr>
+          <a:xfrm rot="16200000">
+            <a:off x="1736436" y="406579"/>
+            <a:ext cx="691764" cy="1019615"/>
+          </a:xfrm>
+          <a:prstGeom prst="flowChartOffpageConnector">
+            <a:avLst/>
+          </a:prstGeom>
+        </p:spPr>
+        <p:style>
+          <a:lnRef idx="2">
+            <a:schemeClr val="accent1">
+              <a:shade val="50000"/>
+            </a:schemeClr>
+          </a:lnRef>
+          <a:fillRef idx="1">
+            <a:schemeClr val="accent1"/>
+          </a:fillRef>
+          <a:effectRef idx="0">
+            <a:schemeClr val="accent1"/>
+          </a:effectRef>
+          <a:fontRef idx="minor">
+            <a:schemeClr val="lt1"/>
+          </a:fontRef>
+        </p:style>
+        <p:txBody>
+          <a:bodyPr vert="vert" rtlCol="0" anchor="ctr"/>
+          <a:lstStyle/>
+          <a:p>
+            <a:pPr algn="ctr"/>
+            <a:r>
+              <a:rPr lang="de-DE" dirty="0" smtClean="0"/>
+              <a:t>Quelle</a:t>
+            </a:r>
+            <a:endParaRPr lang="de-DE" dirty="0"/>
+          </a:p>
+        </p:txBody>
+      </p:sp>
+      <p:sp>
+        <p:nvSpPr>
+          <p:cNvPr id="6" name="Flussdiagramm: Verzögerung 5"/>
+          <p:cNvSpPr/>
+          <p:nvPr/>
+        </p:nvSpPr>
+        <p:spPr>
+          <a:xfrm>
+            <a:off x="4021243" y="570504"/>
+            <a:ext cx="887133" cy="691765"/>
+          </a:xfrm>
+          <a:prstGeom prst="flowChartDelay">
+            <a:avLst/>
+          </a:prstGeom>
+        </p:spPr>
+        <p:style>
+          <a:lnRef idx="2">
+            <a:schemeClr val="accent1">
+              <a:shade val="50000"/>
+            </a:schemeClr>
+          </a:lnRef>
+          <a:fillRef idx="1">
+            <a:schemeClr val="accent1"/>
+          </a:fillRef>
+          <a:effectRef idx="0">
+            <a:schemeClr val="accent1"/>
+          </a:effectRef>
+          <a:fontRef idx="minor">
+            <a:schemeClr val="lt1"/>
+          </a:fontRef>
+        </p:style>
+        <p:txBody>
+          <a:bodyPr lIns="0" rIns="0" rtlCol="0" anchor="ctr"/>
+          <a:lstStyle/>
+          <a:p>
+            <a:pPr algn="ctr"/>
+            <a:r>
+              <a:rPr lang="de-DE" dirty="0" smtClean="0"/>
+              <a:t>Senke</a:t>
+            </a:r>
+            <a:endParaRPr lang="de-DE" dirty="0"/>
+          </a:p>
+        </p:txBody>
+      </p:sp>
+      <p:cxnSp>
+        <p:nvCxnSpPr>
+          <p:cNvPr id="7" name="Gerade Verbindung mit Pfeil 6"/>
+          <p:cNvCxnSpPr>
+            <a:stCxn id="4" idx="2"/>
+            <a:endCxn id="6" idx="1"/>
+          </p:cNvCxnSpPr>
+          <p:nvPr/>
+        </p:nvCxnSpPr>
+        <p:spPr>
+          <a:xfrm>
+            <a:off x="2592126" y="916386"/>
+            <a:ext cx="1429117" cy="1"/>
+          </a:xfrm>
+          <a:prstGeom prst="straightConnector1">
+            <a:avLst/>
+          </a:prstGeom>
+          <a:ln w="50800">
+            <a:tailEnd type="stealth" w="lg" len="lg"/>
+          </a:ln>
+        </p:spPr>
+        <p:style>
+          <a:lnRef idx="1">
+            <a:schemeClr val="accent1"/>
+          </a:lnRef>
+          <a:fillRef idx="0">
+            <a:schemeClr val="accent1"/>
+          </a:fillRef>
+          <a:effectRef idx="0">
+            <a:schemeClr val="accent1"/>
+          </a:effectRef>
+          <a:fontRef idx="minor">
+            <a:schemeClr val="tx1"/>
+          </a:fontRef>
+        </p:style>
+      </p:cxnSp>
+      <p:sp>
+        <p:nvSpPr>
+          <p:cNvPr id="10" name="Textfeld 9"/>
+          <p:cNvSpPr txBox="1"/>
+          <p:nvPr/>
+        </p:nvSpPr>
+        <p:spPr>
+          <a:xfrm>
+            <a:off x="1632005" y="201172"/>
+            <a:ext cx="684803" cy="369332"/>
+          </a:xfrm>
+          <a:prstGeom prst="rect">
+            <a:avLst/>
+          </a:prstGeom>
+          <a:noFill/>
+        </p:spPr>
+        <p:txBody>
+          <a:bodyPr wrap="none" rtlCol="0">
+            <a:spAutoFit/>
+          </a:bodyPr>
+          <a:lstStyle/>
+          <a:p>
+            <a:r>
+              <a:rPr lang="de-DE" dirty="0" smtClean="0"/>
+              <a:t>Input</a:t>
+            </a:r>
+            <a:endParaRPr lang="de-DE" dirty="0"/>
+          </a:p>
+        </p:txBody>
+      </p:sp>
+      <p:sp>
+        <p:nvSpPr>
+          <p:cNvPr id="11" name="Textfeld 10"/>
+          <p:cNvSpPr txBox="1"/>
+          <p:nvPr/>
+        </p:nvSpPr>
+        <p:spPr>
+          <a:xfrm>
+            <a:off x="4052052" y="201172"/>
+            <a:ext cx="856325" cy="369332"/>
+          </a:xfrm>
+          <a:prstGeom prst="rect">
+            <a:avLst/>
+          </a:prstGeom>
+          <a:noFill/>
+        </p:spPr>
+        <p:txBody>
+          <a:bodyPr wrap="none" rtlCol="0">
+            <a:spAutoFit/>
+          </a:bodyPr>
+          <a:lstStyle/>
+          <a:p>
+            <a:r>
+              <a:rPr lang="de-DE" dirty="0" smtClean="0"/>
+              <a:t>Output</a:t>
+            </a:r>
+            <a:endParaRPr lang="de-DE" dirty="0"/>
+          </a:p>
+        </p:txBody>
+      </p:sp>
+      <p:sp>
+        <p:nvSpPr>
+          <p:cNvPr id="12" name="Flussdiagramm: Verbindungsstelle zu einer anderen Seite 11"/>
+          <p:cNvSpPr/>
+          <p:nvPr/>
+        </p:nvSpPr>
+        <p:spPr>
+          <a:xfrm rot="16200000">
+            <a:off x="1721547" y="1693512"/>
+            <a:ext cx="691764" cy="1019615"/>
+          </a:xfrm>
+          <a:prstGeom prst="flowChartOffpageConnector">
+            <a:avLst/>
+          </a:prstGeom>
+        </p:spPr>
+        <p:style>
+          <a:lnRef idx="2">
+            <a:schemeClr val="accent1">
+              <a:shade val="50000"/>
+            </a:schemeClr>
+          </a:lnRef>
+          <a:fillRef idx="1">
+            <a:schemeClr val="accent1"/>
+          </a:fillRef>
+          <a:effectRef idx="0">
+            <a:schemeClr val="accent1"/>
+          </a:effectRef>
+          <a:fontRef idx="minor">
+            <a:schemeClr val="lt1"/>
+          </a:fontRef>
+        </p:style>
+        <p:txBody>
+          <a:bodyPr vert="vert" lIns="0" tIns="0" rIns="0" bIns="0" rtlCol="0" anchor="ctr"/>
+          <a:lstStyle/>
+          <a:p>
+            <a:pPr algn="ctr"/>
+            <a:r>
+              <a:rPr lang="de-DE" dirty="0" smtClean="0"/>
+              <a:t>Quelle 1</a:t>
+            </a:r>
+            <a:endParaRPr lang="de-DE" dirty="0"/>
+          </a:p>
+        </p:txBody>
+      </p:sp>
+      <p:sp>
+        <p:nvSpPr>
+          <p:cNvPr id="13" name="Flussdiagramm: Verzögerung 12"/>
+          <p:cNvSpPr/>
+          <p:nvPr/>
+        </p:nvSpPr>
+        <p:spPr>
+          <a:xfrm>
+            <a:off x="4006354" y="1857437"/>
+            <a:ext cx="902022" cy="691765"/>
+          </a:xfrm>
+          <a:prstGeom prst="flowChartDelay">
+            <a:avLst/>
+          </a:prstGeom>
+        </p:spPr>
+        <p:style>
+          <a:lnRef idx="2">
+            <a:schemeClr val="accent1">
+              <a:shade val="50000"/>
+            </a:schemeClr>
+          </a:lnRef>
+          <a:fillRef idx="1">
+            <a:schemeClr val="accent1"/>
+          </a:fillRef>
+          <a:effectRef idx="0">
+            <a:schemeClr val="accent1"/>
+          </a:effectRef>
+          <a:fontRef idx="minor">
+            <a:schemeClr val="lt1"/>
+          </a:fontRef>
+        </p:style>
+        <p:txBody>
+          <a:bodyPr lIns="0" rIns="0" rtlCol="0" anchor="ctr"/>
+          <a:lstStyle/>
+          <a:p>
+            <a:pPr algn="ctr"/>
+            <a:r>
+              <a:rPr lang="de-DE" dirty="0" smtClean="0"/>
+              <a:t>Senke 1</a:t>
+            </a:r>
+            <a:endParaRPr lang="de-DE" dirty="0"/>
+          </a:p>
+        </p:txBody>
+      </p:sp>
+      <p:cxnSp>
+        <p:nvCxnSpPr>
+          <p:cNvPr id="14" name="Gerade Verbindung mit Pfeil 13"/>
+          <p:cNvCxnSpPr>
+            <a:stCxn id="12" idx="2"/>
+            <a:endCxn id="13" idx="1"/>
+          </p:cNvCxnSpPr>
+          <p:nvPr/>
+        </p:nvCxnSpPr>
+        <p:spPr>
+          <a:xfrm>
+            <a:off x="2577237" y="2203320"/>
+            <a:ext cx="1429117" cy="0"/>
+          </a:xfrm>
+          <a:prstGeom prst="straightConnector1">
+            <a:avLst/>
+          </a:prstGeom>
+          <a:ln w="50800">
+            <a:tailEnd type="stealth" w="lg" len="lg"/>
+          </a:ln>
+        </p:spPr>
+        <p:style>
+          <a:lnRef idx="1">
+            <a:schemeClr val="accent1"/>
+          </a:lnRef>
+          <a:fillRef idx="0">
+            <a:schemeClr val="accent1"/>
+          </a:fillRef>
+          <a:effectRef idx="0">
+            <a:schemeClr val="accent1"/>
+          </a:effectRef>
+          <a:fontRef idx="minor">
+            <a:schemeClr val="tx1"/>
+          </a:fontRef>
+        </p:style>
+      </p:cxnSp>
+      <p:sp>
+        <p:nvSpPr>
+          <p:cNvPr id="15" name="Textfeld 14"/>
+          <p:cNvSpPr txBox="1"/>
+          <p:nvPr/>
+        </p:nvSpPr>
+        <p:spPr>
+          <a:xfrm>
+            <a:off x="1617116" y="1488105"/>
+            <a:ext cx="684803" cy="369332"/>
+          </a:xfrm>
+          <a:prstGeom prst="rect">
+            <a:avLst/>
+          </a:prstGeom>
+          <a:noFill/>
+        </p:spPr>
+        <p:txBody>
+          <a:bodyPr wrap="none" rtlCol="0">
+            <a:spAutoFit/>
+          </a:bodyPr>
+          <a:lstStyle/>
+          <a:p>
+            <a:r>
+              <a:rPr lang="de-DE" dirty="0" smtClean="0"/>
+              <a:t>Input</a:t>
+            </a:r>
+            <a:endParaRPr lang="de-DE" dirty="0"/>
+          </a:p>
+        </p:txBody>
+      </p:sp>
+      <p:sp>
+        <p:nvSpPr>
+          <p:cNvPr id="16" name="Textfeld 15"/>
+          <p:cNvSpPr txBox="1"/>
+          <p:nvPr/>
+        </p:nvSpPr>
+        <p:spPr>
+          <a:xfrm>
+            <a:off x="4037163" y="1488105"/>
+            <a:ext cx="856325" cy="369332"/>
+          </a:xfrm>
+          <a:prstGeom prst="rect">
+            <a:avLst/>
+          </a:prstGeom>
+          <a:noFill/>
+        </p:spPr>
+        <p:txBody>
+          <a:bodyPr wrap="none" rtlCol="0">
+            <a:spAutoFit/>
+          </a:bodyPr>
+          <a:lstStyle/>
+          <a:p>
+            <a:r>
+              <a:rPr lang="de-DE" dirty="0" smtClean="0"/>
+              <a:t>Output</a:t>
+            </a:r>
+            <a:endParaRPr lang="de-DE" dirty="0"/>
+          </a:p>
+        </p:txBody>
+      </p:sp>
+      <p:sp>
+        <p:nvSpPr>
+          <p:cNvPr id="17" name="Flussdiagramm: Verbindungsstelle zu einer anderen Seite 16"/>
+          <p:cNvSpPr/>
+          <p:nvPr/>
+        </p:nvSpPr>
+        <p:spPr>
+          <a:xfrm rot="16200000">
+            <a:off x="1721547" y="2641779"/>
+            <a:ext cx="691764" cy="1019615"/>
+          </a:xfrm>
+          <a:prstGeom prst="flowChartOffpageConnector">
+            <a:avLst/>
+          </a:prstGeom>
+        </p:spPr>
+        <p:style>
+          <a:lnRef idx="2">
+            <a:schemeClr val="accent1">
+              <a:shade val="50000"/>
+            </a:schemeClr>
+          </a:lnRef>
+          <a:fillRef idx="1">
+            <a:schemeClr val="accent1"/>
+          </a:fillRef>
+          <a:effectRef idx="0">
+            <a:schemeClr val="accent1"/>
+          </a:effectRef>
+          <a:fontRef idx="minor">
+            <a:schemeClr val="lt1"/>
+          </a:fontRef>
+        </p:style>
+        <p:txBody>
+          <a:bodyPr vert="vert" lIns="0" tIns="0" rIns="0" bIns="0" rtlCol="0" anchor="ctr"/>
+          <a:lstStyle/>
+          <a:p>
+            <a:pPr algn="ctr"/>
+            <a:r>
+              <a:rPr lang="de-DE" dirty="0" smtClean="0"/>
+              <a:t>Quelle 2</a:t>
+            </a:r>
+            <a:endParaRPr lang="de-DE" dirty="0"/>
+          </a:p>
+        </p:txBody>
+      </p:sp>
+      <p:sp>
+        <p:nvSpPr>
+          <p:cNvPr id="24" name="Flussdiagramm: Verzögerung 23"/>
+          <p:cNvSpPr/>
+          <p:nvPr/>
+        </p:nvSpPr>
+        <p:spPr>
+          <a:xfrm>
+            <a:off x="3991466" y="2805703"/>
+            <a:ext cx="902022" cy="691765"/>
+          </a:xfrm>
+          <a:prstGeom prst="flowChartDelay">
+            <a:avLst/>
+          </a:prstGeom>
+        </p:spPr>
+        <p:style>
+          <a:lnRef idx="2">
+            <a:schemeClr val="accent1">
+              <a:shade val="50000"/>
+            </a:schemeClr>
+          </a:lnRef>
+          <a:fillRef idx="1">
+            <a:schemeClr val="accent1"/>
+          </a:fillRef>
+          <a:effectRef idx="0">
+            <a:schemeClr val="accent1"/>
+          </a:effectRef>
+          <a:fontRef idx="minor">
+            <a:schemeClr val="lt1"/>
+          </a:fontRef>
+        </p:style>
+        <p:txBody>
+          <a:bodyPr lIns="0" rIns="0" rtlCol="0" anchor="ctr"/>
+          <a:lstStyle/>
+          <a:p>
+            <a:pPr algn="ctr"/>
+            <a:r>
+              <a:rPr lang="de-DE" dirty="0" smtClean="0"/>
+              <a:t>Senke 2</a:t>
+            </a:r>
+            <a:endParaRPr lang="de-DE" dirty="0"/>
+          </a:p>
+        </p:txBody>
+      </p:sp>
+      <p:cxnSp>
+        <p:nvCxnSpPr>
+          <p:cNvPr id="25" name="Gerade Verbindung mit Pfeil 24"/>
+          <p:cNvCxnSpPr>
+            <a:stCxn id="12" idx="2"/>
+            <a:endCxn id="24" idx="1"/>
+          </p:cNvCxnSpPr>
+          <p:nvPr/>
+        </p:nvCxnSpPr>
+        <p:spPr>
+          <a:xfrm>
+            <a:off x="2577237" y="2203320"/>
+            <a:ext cx="1414229" cy="948266"/>
+          </a:xfrm>
+          <a:prstGeom prst="straightConnector1">
+            <a:avLst/>
+          </a:prstGeom>
+          <a:ln w="50800">
+            <a:tailEnd type="stealth" w="lg" len="lg"/>
+          </a:ln>
+        </p:spPr>
+        <p:style>
+          <a:lnRef idx="1">
+            <a:schemeClr val="accent1"/>
+          </a:lnRef>
+          <a:fillRef idx="0">
+            <a:schemeClr val="accent1"/>
+          </a:fillRef>
+          <a:effectRef idx="0">
+            <a:schemeClr val="accent1"/>
+          </a:effectRef>
+          <a:fontRef idx="minor">
+            <a:schemeClr val="tx1"/>
+          </a:fontRef>
+        </p:style>
+      </p:cxnSp>
+      <p:cxnSp>
+        <p:nvCxnSpPr>
+          <p:cNvPr id="28" name="Gerade Verbindung mit Pfeil 27"/>
+          <p:cNvCxnSpPr>
+            <a:stCxn id="17" idx="2"/>
+            <a:endCxn id="24" idx="1"/>
+          </p:cNvCxnSpPr>
+          <p:nvPr/>
+        </p:nvCxnSpPr>
+        <p:spPr>
+          <a:xfrm flipV="1">
+            <a:off x="2577237" y="3151586"/>
+            <a:ext cx="1414229" cy="1"/>
+          </a:xfrm>
+          <a:prstGeom prst="straightConnector1">
+            <a:avLst/>
+          </a:prstGeom>
+          <a:ln w="50800">
+            <a:tailEnd type="stealth" w="lg" len="lg"/>
+          </a:ln>
+        </p:spPr>
+        <p:style>
+          <a:lnRef idx="1">
+            <a:schemeClr val="accent1"/>
+          </a:lnRef>
+          <a:fillRef idx="0">
+            <a:schemeClr val="accent1"/>
+          </a:fillRef>
+          <a:effectRef idx="0">
+            <a:schemeClr val="accent1"/>
+          </a:effectRef>
+          <a:fontRef idx="minor">
+            <a:schemeClr val="tx1"/>
+          </a:fontRef>
+        </p:style>
+      </p:cxnSp>
+      <p:sp>
+        <p:nvSpPr>
+          <p:cNvPr id="40" name="Flussdiagramm: Verbindungsstelle zu einer anderen Seite 39"/>
+          <p:cNvSpPr/>
+          <p:nvPr/>
+        </p:nvSpPr>
+        <p:spPr>
+          <a:xfrm rot="16200000">
+            <a:off x="776316" y="4737793"/>
+            <a:ext cx="691764" cy="1019615"/>
+          </a:xfrm>
+          <a:prstGeom prst="flowChartOffpageConnector">
+            <a:avLst/>
+          </a:prstGeom>
+        </p:spPr>
+        <p:style>
+          <a:lnRef idx="2">
+            <a:schemeClr val="accent1">
+              <a:shade val="50000"/>
+            </a:schemeClr>
+          </a:lnRef>
+          <a:fillRef idx="1">
+            <a:schemeClr val="accent1"/>
+          </a:fillRef>
+          <a:effectRef idx="0">
+            <a:schemeClr val="accent1"/>
+          </a:effectRef>
+          <a:fontRef idx="minor">
+            <a:schemeClr val="lt1"/>
+          </a:fontRef>
+        </p:style>
+        <p:txBody>
+          <a:bodyPr vert="vert" lIns="0" tIns="0" rIns="0" bIns="0" rtlCol="0" anchor="ctr"/>
+          <a:lstStyle/>
+          <a:p>
+            <a:pPr algn="ctr"/>
+            <a:r>
+              <a:rPr lang="de-DE" dirty="0" smtClean="0"/>
+              <a:t>Quelle 1</a:t>
+            </a:r>
+            <a:endParaRPr lang="de-DE" dirty="0"/>
+          </a:p>
+        </p:txBody>
+      </p:sp>
+      <p:sp>
+        <p:nvSpPr>
+          <p:cNvPr id="41" name="Flussdiagramm: Verzögerung 40"/>
+          <p:cNvSpPr/>
+          <p:nvPr/>
+        </p:nvSpPr>
+        <p:spPr>
+          <a:xfrm>
+            <a:off x="3991466" y="4444517"/>
+            <a:ext cx="902022" cy="691765"/>
+          </a:xfrm>
+          <a:prstGeom prst="flowChartDelay">
+            <a:avLst/>
+          </a:prstGeom>
+        </p:spPr>
+        <p:style>
+          <a:lnRef idx="2">
+            <a:schemeClr val="accent1">
+              <a:shade val="50000"/>
+            </a:schemeClr>
+          </a:lnRef>
+          <a:fillRef idx="1">
+            <a:schemeClr val="accent1"/>
+          </a:fillRef>
+          <a:effectRef idx="0">
+            <a:schemeClr val="accent1"/>
+          </a:effectRef>
+          <a:fontRef idx="minor">
+            <a:schemeClr val="lt1"/>
+          </a:fontRef>
+        </p:style>
+        <p:txBody>
+          <a:bodyPr lIns="0" rIns="0" rtlCol="0" anchor="ctr"/>
+          <a:lstStyle/>
+          <a:p>
+            <a:pPr algn="ctr"/>
+            <a:r>
+              <a:rPr lang="de-DE" dirty="0" smtClean="0"/>
+              <a:t>Senke 1</a:t>
+            </a:r>
+            <a:endParaRPr lang="de-DE" dirty="0"/>
+          </a:p>
+        </p:txBody>
+      </p:sp>
+      <p:cxnSp>
+        <p:nvCxnSpPr>
+          <p:cNvPr id="42" name="Gerade Verbindung mit Pfeil 41"/>
+          <p:cNvCxnSpPr>
+            <a:stCxn id="51" idx="3"/>
+            <a:endCxn id="41" idx="1"/>
+          </p:cNvCxnSpPr>
+          <p:nvPr/>
+        </p:nvCxnSpPr>
+        <p:spPr>
+          <a:xfrm flipV="1">
+            <a:off x="3206189" y="4790400"/>
+            <a:ext cx="785277" cy="459941"/>
+          </a:xfrm>
+          <a:prstGeom prst="straightConnector1">
+            <a:avLst/>
+          </a:prstGeom>
+          <a:ln w="50800">
+            <a:tailEnd type="stealth" w="lg" len="lg"/>
+          </a:ln>
+        </p:spPr>
+        <p:style>
+          <a:lnRef idx="1">
+            <a:schemeClr val="accent1"/>
+          </a:lnRef>
+          <a:fillRef idx="0">
+            <a:schemeClr val="accent1"/>
+          </a:fillRef>
+          <a:effectRef idx="0">
+            <a:schemeClr val="accent1"/>
+          </a:effectRef>
+          <a:fontRef idx="minor">
+            <a:schemeClr val="tx1"/>
+          </a:fontRef>
+        </p:style>
+      </p:cxnSp>
+      <p:sp>
+        <p:nvSpPr>
+          <p:cNvPr id="43" name="Textfeld 42"/>
+          <p:cNvSpPr txBox="1"/>
+          <p:nvPr/>
+        </p:nvSpPr>
+        <p:spPr>
+          <a:xfrm>
+            <a:off x="2187962" y="4075185"/>
+            <a:ext cx="1018227" cy="369332"/>
+          </a:xfrm>
+          <a:prstGeom prst="rect">
+            <a:avLst/>
+          </a:prstGeom>
+          <a:noFill/>
+        </p:spPr>
+        <p:txBody>
+          <a:bodyPr wrap="none" rtlCol="0">
+            <a:spAutoFit/>
+          </a:bodyPr>
+          <a:lstStyle/>
+          <a:p>
+            <a:r>
+              <a:rPr lang="de-DE" dirty="0" smtClean="0"/>
+              <a:t>Sammler</a:t>
+            </a:r>
+            <a:endParaRPr lang="de-DE" dirty="0"/>
+          </a:p>
+        </p:txBody>
+      </p:sp>
+      <p:sp>
+        <p:nvSpPr>
+          <p:cNvPr id="44" name="Textfeld 43"/>
+          <p:cNvSpPr txBox="1"/>
+          <p:nvPr/>
+        </p:nvSpPr>
+        <p:spPr>
+          <a:xfrm>
+            <a:off x="4022275" y="4075185"/>
+            <a:ext cx="856325" cy="369332"/>
+          </a:xfrm>
+          <a:prstGeom prst="rect">
+            <a:avLst/>
+          </a:prstGeom>
+          <a:noFill/>
+        </p:spPr>
+        <p:txBody>
+          <a:bodyPr wrap="none" rtlCol="0">
+            <a:spAutoFit/>
+          </a:bodyPr>
+          <a:lstStyle/>
+          <a:p>
+            <a:r>
+              <a:rPr lang="de-DE" dirty="0" smtClean="0"/>
+              <a:t>Output</a:t>
+            </a:r>
+            <a:endParaRPr lang="de-DE" dirty="0"/>
+          </a:p>
+        </p:txBody>
+      </p:sp>
+      <p:sp>
+        <p:nvSpPr>
+          <p:cNvPr id="46" name="Flussdiagramm: Verzögerung 45"/>
+          <p:cNvSpPr/>
+          <p:nvPr/>
+        </p:nvSpPr>
+        <p:spPr>
+          <a:xfrm>
+            <a:off x="3976578" y="5392783"/>
+            <a:ext cx="902022" cy="691765"/>
+          </a:xfrm>
+          <a:prstGeom prst="flowChartDelay">
+            <a:avLst/>
+          </a:prstGeom>
+        </p:spPr>
+        <p:style>
+          <a:lnRef idx="2">
+            <a:schemeClr val="accent1">
+              <a:shade val="50000"/>
+            </a:schemeClr>
+          </a:lnRef>
+          <a:fillRef idx="1">
+            <a:schemeClr val="accent1"/>
+          </a:fillRef>
+          <a:effectRef idx="0">
+            <a:schemeClr val="accent1"/>
+          </a:effectRef>
+          <a:fontRef idx="minor">
+            <a:schemeClr val="lt1"/>
+          </a:fontRef>
+        </p:style>
+        <p:txBody>
+          <a:bodyPr lIns="0" rIns="0" rtlCol="0" anchor="ctr"/>
+          <a:lstStyle/>
+          <a:p>
+            <a:pPr algn="ctr"/>
+            <a:r>
+              <a:rPr lang="de-DE" dirty="0" smtClean="0"/>
+              <a:t>Senke 2</a:t>
+            </a:r>
+            <a:endParaRPr lang="de-DE" dirty="0"/>
+          </a:p>
+        </p:txBody>
+      </p:sp>
+      <p:cxnSp>
+        <p:nvCxnSpPr>
+          <p:cNvPr id="47" name="Gerade Verbindung mit Pfeil 46"/>
+          <p:cNvCxnSpPr>
+            <a:stCxn id="51" idx="3"/>
+            <a:endCxn id="46" idx="1"/>
+          </p:cNvCxnSpPr>
+          <p:nvPr/>
+        </p:nvCxnSpPr>
+        <p:spPr>
+          <a:xfrm>
+            <a:off x="3206189" y="5250341"/>
+            <a:ext cx="770389" cy="488325"/>
+          </a:xfrm>
+          <a:prstGeom prst="straightConnector1">
+            <a:avLst/>
+          </a:prstGeom>
+          <a:ln w="50800">
+            <a:tailEnd type="stealth" w="lg" len="lg"/>
+          </a:ln>
+        </p:spPr>
+        <p:style>
+          <a:lnRef idx="1">
+            <a:schemeClr val="accent1"/>
+          </a:lnRef>
+          <a:fillRef idx="0">
+            <a:schemeClr val="accent1"/>
+          </a:fillRef>
+          <a:effectRef idx="0">
+            <a:schemeClr val="accent1"/>
+          </a:effectRef>
+          <a:fontRef idx="minor">
+            <a:schemeClr val="tx1"/>
+          </a:fontRef>
+        </p:style>
+      </p:cxnSp>
+      <p:sp>
+        <p:nvSpPr>
+          <p:cNvPr id="51" name="Flussdiagramm: Anzeige 50"/>
+          <p:cNvSpPr/>
+          <p:nvPr/>
+        </p:nvSpPr>
+        <p:spPr>
+          <a:xfrm>
+            <a:off x="2097055" y="4907199"/>
+            <a:ext cx="1109134" cy="686284"/>
+          </a:xfrm>
+          <a:prstGeom prst="flowChartDisplay">
+            <a:avLst/>
+          </a:prstGeom>
+        </p:spPr>
+        <p:style>
+          <a:lnRef idx="2">
+            <a:schemeClr val="accent1">
+              <a:shade val="50000"/>
+            </a:schemeClr>
+          </a:lnRef>
+          <a:fillRef idx="1">
+            <a:schemeClr val="accent1"/>
+          </a:fillRef>
+          <a:effectRef idx="0">
+            <a:schemeClr val="accent1"/>
+          </a:effectRef>
+          <a:fontRef idx="minor">
+            <a:schemeClr val="lt1"/>
+          </a:fontRef>
+        </p:style>
+        <p:txBody>
+          <a:bodyPr lIns="0" rIns="0" rtlCol="0" anchor="ctr"/>
+          <a:lstStyle/>
+          <a:p>
+            <a:pPr algn="ctr"/>
+            <a:r>
+              <a:rPr lang="de-DE" dirty="0" smtClean="0"/>
+              <a:t>Reaktor</a:t>
+            </a:r>
+            <a:endParaRPr lang="de-DE" dirty="0"/>
+          </a:p>
+        </p:txBody>
+      </p:sp>
+      <p:cxnSp>
+        <p:nvCxnSpPr>
+          <p:cNvPr id="56" name="Gerade Verbindung mit Pfeil 55"/>
+          <p:cNvCxnSpPr>
+            <a:stCxn id="40" idx="2"/>
+            <a:endCxn id="51" idx="1"/>
+          </p:cNvCxnSpPr>
+          <p:nvPr/>
+        </p:nvCxnSpPr>
+        <p:spPr>
+          <a:xfrm>
+            <a:off x="1632006" y="5247601"/>
+            <a:ext cx="465049" cy="2740"/>
+          </a:xfrm>
+          <a:prstGeom prst="straightConnector1">
+            <a:avLst/>
+          </a:prstGeom>
+          <a:ln w="50800">
+            <a:tailEnd type="stealth" w="lg" len="lg"/>
+          </a:ln>
+        </p:spPr>
+        <p:style>
+          <a:lnRef idx="1">
+            <a:schemeClr val="accent1"/>
+          </a:lnRef>
+          <a:fillRef idx="0">
+            <a:schemeClr val="accent1"/>
+          </a:fillRef>
+          <a:effectRef idx="0">
+            <a:schemeClr val="accent1"/>
+          </a:effectRef>
+          <a:fontRef idx="minor">
+            <a:schemeClr val="tx1"/>
+          </a:fontRef>
+        </p:style>
+      </p:cxnSp>
+      <p:sp>
+        <p:nvSpPr>
+          <p:cNvPr id="59" name="Textfeld 58"/>
+          <p:cNvSpPr txBox="1"/>
+          <p:nvPr/>
+        </p:nvSpPr>
+        <p:spPr>
+          <a:xfrm>
+            <a:off x="717882" y="4075185"/>
+            <a:ext cx="684803" cy="369332"/>
+          </a:xfrm>
+          <a:prstGeom prst="rect">
+            <a:avLst/>
+          </a:prstGeom>
+          <a:noFill/>
+        </p:spPr>
+        <p:txBody>
+          <a:bodyPr wrap="none" rtlCol="0">
+            <a:spAutoFit/>
+          </a:bodyPr>
+          <a:lstStyle/>
+          <a:p>
+            <a:r>
+              <a:rPr lang="de-DE" dirty="0" smtClean="0"/>
+              <a:t>Input</a:t>
+            </a:r>
+            <a:endParaRPr lang="de-DE" dirty="0"/>
+          </a:p>
+        </p:txBody>
+      </p:sp>
+      <p:sp>
+        <p:nvSpPr>
+          <p:cNvPr id="34" name="Flussdiagramm: Verbindungsstelle zu einer anderen Seite 33"/>
+          <p:cNvSpPr/>
+          <p:nvPr/>
+        </p:nvSpPr>
+        <p:spPr>
+          <a:xfrm rot="16200000">
+            <a:off x="6467454" y="1570339"/>
+            <a:ext cx="691764" cy="1019615"/>
+          </a:xfrm>
+          <a:prstGeom prst="flowChartOffpageConnector">
+            <a:avLst/>
+          </a:prstGeom>
+        </p:spPr>
+        <p:style>
+          <a:lnRef idx="2">
+            <a:schemeClr val="accent1">
+              <a:shade val="50000"/>
+            </a:schemeClr>
+          </a:lnRef>
+          <a:fillRef idx="1">
+            <a:schemeClr val="accent1"/>
+          </a:fillRef>
+          <a:effectRef idx="0">
+            <a:schemeClr val="accent1"/>
+          </a:effectRef>
+          <a:fontRef idx="minor">
+            <a:schemeClr val="lt1"/>
+          </a:fontRef>
+        </p:style>
+        <p:txBody>
+          <a:bodyPr vert="vert" lIns="0" tIns="0" rIns="0" bIns="0" rtlCol="0" anchor="ctr"/>
+          <a:lstStyle/>
+          <a:p>
+            <a:pPr algn="ctr"/>
+            <a:r>
+              <a:rPr lang="de-DE" dirty="0" smtClean="0"/>
+              <a:t>Quelle 1</a:t>
+            </a:r>
+            <a:endParaRPr lang="de-DE" dirty="0"/>
+          </a:p>
+        </p:txBody>
+      </p:sp>
+      <p:sp>
+        <p:nvSpPr>
+          <p:cNvPr id="35" name="Flussdiagramm: Verzögerung 34"/>
+          <p:cNvSpPr/>
+          <p:nvPr/>
+        </p:nvSpPr>
+        <p:spPr>
+          <a:xfrm>
+            <a:off x="8815277" y="2203319"/>
+            <a:ext cx="902022" cy="691765"/>
+          </a:xfrm>
+          <a:prstGeom prst="flowChartDelay">
+            <a:avLst/>
+          </a:prstGeom>
+        </p:spPr>
+        <p:style>
+          <a:lnRef idx="2">
+            <a:schemeClr val="accent1">
+              <a:shade val="50000"/>
+            </a:schemeClr>
+          </a:lnRef>
+          <a:fillRef idx="1">
+            <a:schemeClr val="accent1"/>
+          </a:fillRef>
+          <a:effectRef idx="0">
+            <a:schemeClr val="accent1"/>
+          </a:effectRef>
+          <a:fontRef idx="minor">
+            <a:schemeClr val="lt1"/>
+          </a:fontRef>
+        </p:style>
+        <p:txBody>
+          <a:bodyPr lIns="0" rIns="0" rtlCol="0" anchor="ctr"/>
+          <a:lstStyle/>
+          <a:p>
+            <a:pPr algn="ctr"/>
+            <a:r>
+              <a:rPr lang="de-DE" dirty="0" smtClean="0"/>
+              <a:t>Senke </a:t>
+            </a:r>
+            <a:endParaRPr lang="de-DE" dirty="0"/>
+          </a:p>
+        </p:txBody>
+      </p:sp>
+      <p:cxnSp>
+        <p:nvCxnSpPr>
+          <p:cNvPr id="36" name="Gerade Verbindung mit Pfeil 35"/>
+          <p:cNvCxnSpPr>
+            <a:stCxn id="34" idx="2"/>
+            <a:endCxn id="35" idx="1"/>
+          </p:cNvCxnSpPr>
+          <p:nvPr/>
+        </p:nvCxnSpPr>
+        <p:spPr>
+          <a:xfrm>
+            <a:off x="7323144" y="2080146"/>
+            <a:ext cx="1492133" cy="469056"/>
+          </a:xfrm>
+          <a:prstGeom prst="straightConnector1">
+            <a:avLst/>
+          </a:prstGeom>
+          <a:ln w="50800">
+            <a:prstDash val="dash"/>
+            <a:tailEnd type="none" w="lg" len="lg"/>
+          </a:ln>
+        </p:spPr>
+        <p:style>
+          <a:lnRef idx="1">
+            <a:schemeClr val="accent1"/>
+          </a:lnRef>
+          <a:fillRef idx="0">
+            <a:schemeClr val="accent1"/>
+          </a:fillRef>
+          <a:effectRef idx="0">
+            <a:schemeClr val="accent1"/>
+          </a:effectRef>
+          <a:fontRef idx="minor">
+            <a:schemeClr val="tx1"/>
+          </a:fontRef>
+        </p:style>
+      </p:cxnSp>
+      <p:sp>
+        <p:nvSpPr>
+          <p:cNvPr id="37" name="Flussdiagramm: Verbindungsstelle zu einer anderen Seite 36"/>
+          <p:cNvSpPr/>
+          <p:nvPr/>
+        </p:nvSpPr>
+        <p:spPr>
+          <a:xfrm rot="16200000">
+            <a:off x="6467454" y="2518606"/>
+            <a:ext cx="691764" cy="1019615"/>
+          </a:xfrm>
+          <a:prstGeom prst="flowChartOffpageConnector">
+            <a:avLst/>
+          </a:prstGeom>
+        </p:spPr>
+        <p:style>
+          <a:lnRef idx="2">
+            <a:schemeClr val="accent1">
+              <a:shade val="50000"/>
+            </a:schemeClr>
+          </a:lnRef>
+          <a:fillRef idx="1">
+            <a:schemeClr val="accent1"/>
+          </a:fillRef>
+          <a:effectRef idx="0">
+            <a:schemeClr val="accent1"/>
+          </a:effectRef>
+          <a:fontRef idx="minor">
+            <a:schemeClr val="lt1"/>
+          </a:fontRef>
+        </p:style>
+        <p:txBody>
+          <a:bodyPr vert="vert" lIns="0" tIns="0" rIns="0" bIns="0" rtlCol="0" anchor="ctr"/>
+          <a:lstStyle/>
+          <a:p>
+            <a:pPr algn="ctr"/>
+            <a:r>
+              <a:rPr lang="de-DE" dirty="0" smtClean="0"/>
+              <a:t>Quelle 2</a:t>
+            </a:r>
+            <a:endParaRPr lang="de-DE" dirty="0"/>
+          </a:p>
+        </p:txBody>
+      </p:sp>
+      <p:cxnSp>
+        <p:nvCxnSpPr>
+          <p:cNvPr id="45" name="Gerade Verbindung mit Pfeil 44"/>
+          <p:cNvCxnSpPr>
+            <a:stCxn id="37" idx="2"/>
+            <a:endCxn id="35" idx="1"/>
+          </p:cNvCxnSpPr>
+          <p:nvPr/>
+        </p:nvCxnSpPr>
+        <p:spPr>
+          <a:xfrm flipV="1">
+            <a:off x="7323144" y="2549202"/>
+            <a:ext cx="1492133" cy="479212"/>
+          </a:xfrm>
+          <a:prstGeom prst="straightConnector1">
+            <a:avLst/>
+          </a:prstGeom>
+          <a:ln w="50800">
+            <a:tailEnd type="stealth" w="lg" len="lg"/>
+          </a:ln>
+        </p:spPr>
+        <p:style>
+          <a:lnRef idx="1">
+            <a:schemeClr val="accent1"/>
+          </a:lnRef>
+          <a:fillRef idx="0">
+            <a:schemeClr val="accent1"/>
+          </a:fillRef>
+          <a:effectRef idx="0">
+            <a:schemeClr val="accent1"/>
+          </a:effectRef>
+          <a:fontRef idx="minor">
+            <a:schemeClr val="tx1"/>
+          </a:fontRef>
+        </p:style>
+      </p:cxnSp>
+      <p:sp>
+        <p:nvSpPr>
+          <p:cNvPr id="50" name="Textfeld 49"/>
+          <p:cNvSpPr txBox="1"/>
+          <p:nvPr/>
+        </p:nvSpPr>
+        <p:spPr>
+          <a:xfrm>
+            <a:off x="6303528" y="1376657"/>
+            <a:ext cx="684803" cy="369332"/>
+          </a:xfrm>
+          <a:prstGeom prst="rect">
+            <a:avLst/>
+          </a:prstGeom>
+          <a:noFill/>
+        </p:spPr>
+        <p:txBody>
+          <a:bodyPr wrap="none" rtlCol="0">
+            <a:spAutoFit/>
+          </a:bodyPr>
+          <a:lstStyle/>
+          <a:p>
+            <a:r>
+              <a:rPr lang="de-DE" dirty="0" smtClean="0"/>
+              <a:t>Input</a:t>
+            </a:r>
+            <a:endParaRPr lang="de-DE" dirty="0"/>
+          </a:p>
+        </p:txBody>
+      </p:sp>
+      <p:sp>
+        <p:nvSpPr>
+          <p:cNvPr id="52" name="Textfeld 51"/>
+          <p:cNvSpPr txBox="1"/>
+          <p:nvPr/>
+        </p:nvSpPr>
+        <p:spPr>
+          <a:xfrm>
+            <a:off x="8820556" y="1376657"/>
+            <a:ext cx="856325" cy="369332"/>
+          </a:xfrm>
+          <a:prstGeom prst="rect">
+            <a:avLst/>
+          </a:prstGeom>
+          <a:noFill/>
+        </p:spPr>
+        <p:txBody>
+          <a:bodyPr wrap="none" rtlCol="0">
+            <a:spAutoFit/>
+          </a:bodyPr>
+          <a:lstStyle/>
+          <a:p>
+            <a:r>
+              <a:rPr lang="de-DE" dirty="0" smtClean="0"/>
+              <a:t>Output</a:t>
+            </a:r>
+            <a:endParaRPr lang="de-DE" dirty="0"/>
+          </a:p>
+        </p:txBody>
+      </p:sp>
+    </p:spTree>
+    <p:extLst>
+      <p:ext uri="{BB962C8B-B14F-4D97-AF65-F5344CB8AC3E}">
+        <p14:creationId xmlns:p14="http://schemas.microsoft.com/office/powerpoint/2010/main" val="319784993"/>
+      </p:ext>
+    </p:extLst>
+  </p:cSld>
+  <p:clrMapOvr>
+    <a:masterClrMapping/>
+  </p:clrMapOvr>
+</p:sld>
+</file>
+
+<file path=ppt/slides/slide5.xml><?xml version="1.0" encoding="utf-8"?>
+<p:sld xmlns:a="http://schemas.openxmlformats.org/drawingml/2006/main" xmlns:r="http://schemas.openxmlformats.org/officeDocument/2006/relationships" xmlns:p="http://schemas.openxmlformats.org/presentationml/2006/main">
+  <p:cSld>
+    <p:spTree>
+      <p:nvGrpSpPr>
+        <p:cNvPr id="1" name=""/>
+        <p:cNvGrpSpPr/>
+        <p:nvPr/>
+      </p:nvGrpSpPr>
+      <p:grpSpPr>
+        <a:xfrm>
+          <a:off x="0" y="0"/>
+          <a:ext cx="0" cy="0"/>
+          <a:chOff x="0" y="0"/>
+          <a:chExt cx="0" cy="0"/>
+        </a:xfrm>
+      </p:grpSpPr>
+      <p:sp>
+        <p:nvSpPr>
+          <p:cNvPr id="32" name="Textfeld 31"/>
+          <p:cNvSpPr txBox="1"/>
+          <p:nvPr/>
+        </p:nvSpPr>
+        <p:spPr>
+          <a:xfrm>
+            <a:off x="5104102" y="379822"/>
+            <a:ext cx="814262" cy="369332"/>
+          </a:xfrm>
+          <a:prstGeom prst="rect">
+            <a:avLst/>
+          </a:prstGeom>
+          <a:noFill/>
+        </p:spPr>
+        <p:txBody>
+          <a:bodyPr wrap="none" rtlCol="0">
+            <a:spAutoFit/>
+          </a:bodyPr>
+          <a:lstStyle/>
+          <a:p>
+            <a:r>
+              <a:rPr lang="de-DE" dirty="0" smtClean="0"/>
+              <a:t>Nutzer</a:t>
+            </a:r>
+            <a:endParaRPr lang="de-DE" dirty="0"/>
+          </a:p>
+        </p:txBody>
+      </p:sp>
+      <p:sp>
+        <p:nvSpPr>
+          <p:cNvPr id="33" name="Textfeld 32"/>
+          <p:cNvSpPr txBox="1"/>
+          <p:nvPr/>
+        </p:nvSpPr>
+        <p:spPr>
+          <a:xfrm>
+            <a:off x="565659" y="385969"/>
+            <a:ext cx="747512" cy="369332"/>
+          </a:xfrm>
+          <a:prstGeom prst="rect">
+            <a:avLst/>
+          </a:prstGeom>
+          <a:noFill/>
+        </p:spPr>
+        <p:txBody>
+          <a:bodyPr wrap="none" rtlCol="0">
+            <a:spAutoFit/>
+          </a:bodyPr>
+          <a:lstStyle/>
+          <a:p>
+            <a:r>
+              <a:rPr lang="de-DE" dirty="0" smtClean="0"/>
+              <a:t>Daten</a:t>
+            </a:r>
+            <a:endParaRPr lang="de-DE" dirty="0"/>
+          </a:p>
+        </p:txBody>
+      </p:sp>
+      <p:sp>
+        <p:nvSpPr>
+          <p:cNvPr id="34" name="Textfeld 33"/>
+          <p:cNvSpPr txBox="1"/>
+          <p:nvPr/>
+        </p:nvSpPr>
+        <p:spPr>
+          <a:xfrm>
+            <a:off x="2379602" y="380411"/>
+            <a:ext cx="785664" cy="369332"/>
+          </a:xfrm>
+          <a:prstGeom prst="rect">
+            <a:avLst/>
+          </a:prstGeom>
+          <a:noFill/>
+        </p:spPr>
+        <p:txBody>
+          <a:bodyPr wrap="none" rtlCol="0">
+            <a:spAutoFit/>
+          </a:bodyPr>
+          <a:lstStyle/>
+          <a:p>
+            <a:r>
+              <a:rPr lang="de-DE" dirty="0" smtClean="0"/>
+              <a:t>Server</a:t>
+            </a:r>
+            <a:endParaRPr lang="de-DE" dirty="0"/>
+          </a:p>
+        </p:txBody>
+      </p:sp>
+      <p:sp>
+        <p:nvSpPr>
+          <p:cNvPr id="35" name="Textfeld 34"/>
+          <p:cNvSpPr txBox="1"/>
+          <p:nvPr/>
+        </p:nvSpPr>
+        <p:spPr>
+          <a:xfrm>
+            <a:off x="3918513" y="379822"/>
+            <a:ext cx="389850" cy="369332"/>
+          </a:xfrm>
+          <a:prstGeom prst="rect">
+            <a:avLst/>
+          </a:prstGeom>
+          <a:noFill/>
+        </p:spPr>
+        <p:txBody>
+          <a:bodyPr wrap="none" rtlCol="0">
+            <a:spAutoFit/>
+          </a:bodyPr>
+          <a:lstStyle/>
+          <a:p>
+            <a:r>
+              <a:rPr lang="de-DE" dirty="0" smtClean="0"/>
+              <a:t>UI</a:t>
+            </a:r>
+            <a:endParaRPr lang="de-DE" dirty="0"/>
+          </a:p>
+        </p:txBody>
+      </p:sp>
+      <p:sp>
+        <p:nvSpPr>
+          <p:cNvPr id="65" name="Zylinder 64"/>
+          <p:cNvSpPr/>
+          <p:nvPr/>
+        </p:nvSpPr>
+        <p:spPr>
+          <a:xfrm>
+            <a:off x="139316" y="1022354"/>
+            <a:ext cx="655782" cy="798946"/>
+          </a:xfrm>
+          <a:prstGeom prst="can">
+            <a:avLst/>
+          </a:prstGeom>
+        </p:spPr>
+        <p:style>
+          <a:lnRef idx="2">
+            <a:schemeClr val="accent1">
+              <a:shade val="50000"/>
+            </a:schemeClr>
+          </a:lnRef>
+          <a:fillRef idx="1">
+            <a:schemeClr val="accent1"/>
+          </a:fillRef>
+          <a:effectRef idx="0">
+            <a:schemeClr val="accent1"/>
+          </a:effectRef>
+          <a:fontRef idx="minor">
+            <a:schemeClr val="lt1"/>
+          </a:fontRef>
+        </p:style>
+        <p:txBody>
+          <a:bodyPr lIns="0" rIns="0" rtlCol="0" anchor="ctr"/>
+          <a:lstStyle/>
+          <a:p>
+            <a:pPr algn="ctr"/>
+            <a:r>
+              <a:rPr lang="de-DE" sz="1200" dirty="0" smtClean="0"/>
+              <a:t>Globaler Work-</a:t>
+            </a:r>
+            <a:r>
+              <a:rPr lang="de-DE" sz="1200" dirty="0" err="1" smtClean="0"/>
+              <a:t>space</a:t>
+            </a:r>
+            <a:endParaRPr lang="de-DE" sz="1200" dirty="0"/>
+          </a:p>
+        </p:txBody>
+      </p:sp>
+      <p:grpSp>
+        <p:nvGrpSpPr>
+          <p:cNvPr id="72" name="Gruppieren 71"/>
+          <p:cNvGrpSpPr/>
+          <p:nvPr/>
+        </p:nvGrpSpPr>
+        <p:grpSpPr>
+          <a:xfrm>
+            <a:off x="1075267" y="791634"/>
+            <a:ext cx="4919135" cy="876300"/>
+            <a:chOff x="1075267" y="791634"/>
+            <a:chExt cx="4919135" cy="876300"/>
+          </a:xfrm>
+        </p:grpSpPr>
+        <p:sp>
+          <p:nvSpPr>
+            <p:cNvPr id="44" name="Flussdiagramm: Prozess 43"/>
+            <p:cNvSpPr/>
+            <p:nvPr/>
+          </p:nvSpPr>
+          <p:spPr>
+            <a:xfrm>
+              <a:off x="1075267" y="791634"/>
+              <a:ext cx="3403600" cy="876300"/>
+            </a:xfrm>
+            <a:prstGeom prst="flowChartProcess">
+              <a:avLst/>
+            </a:prstGeom>
+            <a:solidFill>
+              <a:schemeClr val="bg1">
+                <a:lumMod val="75000"/>
+                <a:alpha val="75000"/>
+              </a:schemeClr>
+            </a:solidFill>
+            <a:ln w="22225">
+              <a:solidFill>
+                <a:schemeClr val="accent1"/>
+              </a:solidFill>
+            </a:ln>
+          </p:spPr>
+          <p:style>
+            <a:lnRef idx="2">
+              <a:schemeClr val="accent1">
+                <a:shade val="50000"/>
+              </a:schemeClr>
+            </a:lnRef>
+            <a:fillRef idx="1">
+              <a:schemeClr val="accent1"/>
+            </a:fillRef>
+            <a:effectRef idx="0">
+              <a:schemeClr val="accent1"/>
+            </a:effectRef>
+            <a:fontRef idx="minor">
+              <a:schemeClr val="lt1"/>
+            </a:fontRef>
+          </p:style>
+          <p:txBody>
+            <a:bodyPr rtlCol="0" anchor="ctr"/>
+            <a:lstStyle/>
+            <a:p>
+              <a:pPr algn="ctr"/>
+              <a:endParaRPr lang="de-DE"/>
+            </a:p>
+          </p:txBody>
+        </p:sp>
+        <p:cxnSp>
+          <p:nvCxnSpPr>
+            <p:cNvPr id="25" name="Gerade Verbindung mit Pfeil 24"/>
+            <p:cNvCxnSpPr>
+              <a:stCxn id="44" idx="3"/>
+              <a:endCxn id="66" idx="1"/>
+            </p:cNvCxnSpPr>
+            <p:nvPr/>
+          </p:nvCxnSpPr>
+          <p:spPr>
+            <a:xfrm>
+              <a:off x="4478867" y="1229784"/>
+              <a:ext cx="549197" cy="0"/>
+            </a:xfrm>
+            <a:prstGeom prst="straightConnector1">
+              <a:avLst/>
+            </a:prstGeom>
+            <a:ln w="41275">
+              <a:headEnd type="stealth"/>
+              <a:tailEnd type="stealth" w="med" len="med"/>
+            </a:ln>
+          </p:spPr>
+          <p:style>
+            <a:lnRef idx="1">
+              <a:schemeClr val="accent1"/>
+            </a:lnRef>
+            <a:fillRef idx="0">
+              <a:schemeClr val="accent1"/>
+            </a:fillRef>
+            <a:effectRef idx="0">
+              <a:schemeClr val="accent1"/>
+            </a:effectRef>
+            <a:fontRef idx="minor">
+              <a:schemeClr val="tx1"/>
+            </a:fontRef>
+          </p:style>
+        </p:cxnSp>
+        <p:sp>
+          <p:nvSpPr>
+            <p:cNvPr id="4" name="Zylinder 3"/>
+            <p:cNvSpPr/>
+            <p:nvPr/>
+          </p:nvSpPr>
+          <p:spPr>
+            <a:xfrm>
+              <a:off x="1153775" y="838969"/>
+              <a:ext cx="655782" cy="798946"/>
+            </a:xfrm>
+            <a:prstGeom prst="can">
+              <a:avLst/>
+            </a:prstGeom>
+          </p:spPr>
+          <p:style>
+            <a:lnRef idx="2">
+              <a:schemeClr val="accent1">
+                <a:shade val="50000"/>
+              </a:schemeClr>
+            </a:lnRef>
+            <a:fillRef idx="1">
+              <a:schemeClr val="accent1"/>
+            </a:fillRef>
+            <a:effectRef idx="0">
+              <a:schemeClr val="accent1"/>
+            </a:effectRef>
+            <a:fontRef idx="minor">
+              <a:schemeClr val="lt1"/>
+            </a:fontRef>
+          </p:style>
+          <p:txBody>
+            <a:bodyPr rtlCol="0" anchor="ctr"/>
+            <a:lstStyle/>
+            <a:p>
+              <a:pPr algn="ctr"/>
+              <a:r>
+                <a:rPr lang="de-DE" sz="1200" dirty="0" smtClean="0"/>
+                <a:t>Session Work-</a:t>
+              </a:r>
+              <a:r>
+                <a:rPr lang="de-DE" sz="1200" dirty="0" err="1" smtClean="0"/>
+                <a:t>space</a:t>
+              </a:r>
+              <a:endParaRPr lang="de-DE" sz="1200" dirty="0"/>
+            </a:p>
+          </p:txBody>
+        </p:sp>
+        <p:sp>
+          <p:nvSpPr>
+            <p:cNvPr id="16" name="Flussdiagramm: Prozess 15"/>
+            <p:cNvSpPr/>
+            <p:nvPr/>
+          </p:nvSpPr>
+          <p:spPr>
+            <a:xfrm>
+              <a:off x="2409151" y="905933"/>
+              <a:ext cx="697346" cy="665018"/>
+            </a:xfrm>
+            <a:prstGeom prst="flowChartProcess">
+              <a:avLst/>
+            </a:prstGeom>
+          </p:spPr>
+          <p:style>
+            <a:lnRef idx="2">
+              <a:schemeClr val="accent1">
+                <a:shade val="50000"/>
+              </a:schemeClr>
+            </a:lnRef>
+            <a:fillRef idx="1">
+              <a:schemeClr val="accent1"/>
+            </a:fillRef>
+            <a:effectRef idx="0">
+              <a:schemeClr val="accent1"/>
+            </a:effectRef>
+            <a:fontRef idx="minor">
+              <a:schemeClr val="lt1"/>
+            </a:fontRef>
+          </p:style>
+          <p:txBody>
+            <a:bodyPr lIns="0" rIns="0" rtlCol="0" anchor="ctr"/>
+            <a:lstStyle/>
+            <a:p>
+              <a:pPr algn="ctr"/>
+              <a:r>
+                <a:rPr lang="de-DE" sz="1400" dirty="0" err="1" smtClean="0"/>
+                <a:t>server.r</a:t>
+              </a:r>
+              <a:endParaRPr lang="de-DE" sz="1400" dirty="0"/>
+            </a:p>
+          </p:txBody>
+        </p:sp>
+        <p:sp>
+          <p:nvSpPr>
+            <p:cNvPr id="17" name="Flussdiagramm: Prozess 16"/>
+            <p:cNvSpPr/>
+            <p:nvPr/>
+          </p:nvSpPr>
+          <p:spPr>
+            <a:xfrm>
+              <a:off x="3725333" y="905933"/>
+              <a:ext cx="697346" cy="665018"/>
+            </a:xfrm>
+            <a:prstGeom prst="flowChartProcess">
+              <a:avLst/>
+            </a:prstGeom>
+          </p:spPr>
+          <p:style>
+            <a:lnRef idx="2">
+              <a:schemeClr val="accent1">
+                <a:shade val="50000"/>
+              </a:schemeClr>
+            </a:lnRef>
+            <a:fillRef idx="1">
+              <a:schemeClr val="accent1"/>
+            </a:fillRef>
+            <a:effectRef idx="0">
+              <a:schemeClr val="accent1"/>
+            </a:effectRef>
+            <a:fontRef idx="minor">
+              <a:schemeClr val="lt1"/>
+            </a:fontRef>
+          </p:style>
+          <p:txBody>
+            <a:bodyPr rtlCol="0" anchor="ctr"/>
+            <a:lstStyle/>
+            <a:p>
+              <a:pPr algn="ctr"/>
+              <a:r>
+                <a:rPr lang="de-DE" sz="1400" dirty="0" err="1" smtClean="0"/>
+                <a:t>ui.r</a:t>
+              </a:r>
+              <a:endParaRPr lang="de-DE" sz="1400" dirty="0"/>
+            </a:p>
+          </p:txBody>
+        </p:sp>
+        <p:cxnSp>
+          <p:nvCxnSpPr>
+            <p:cNvPr id="18" name="Gerade Verbindung mit Pfeil 17"/>
+            <p:cNvCxnSpPr>
+              <a:stCxn id="4" idx="4"/>
+              <a:endCxn id="16" idx="1"/>
+            </p:cNvCxnSpPr>
+            <p:nvPr/>
+          </p:nvCxnSpPr>
+          <p:spPr>
+            <a:xfrm>
+              <a:off x="1809557" y="1238442"/>
+              <a:ext cx="599594" cy="0"/>
+            </a:xfrm>
+            <a:prstGeom prst="straightConnector1">
+              <a:avLst/>
+            </a:prstGeom>
+            <a:ln w="41275">
+              <a:headEnd type="stealth"/>
+              <a:tailEnd type="stealth" w="med" len="med"/>
+            </a:ln>
+          </p:spPr>
+          <p:style>
+            <a:lnRef idx="1">
+              <a:schemeClr val="accent1"/>
+            </a:lnRef>
+            <a:fillRef idx="0">
+              <a:schemeClr val="accent1"/>
+            </a:fillRef>
+            <a:effectRef idx="0">
+              <a:schemeClr val="accent1"/>
+            </a:effectRef>
+            <a:fontRef idx="minor">
+              <a:schemeClr val="tx1"/>
+            </a:fontRef>
+          </p:style>
+        </p:cxnSp>
+        <p:cxnSp>
+          <p:nvCxnSpPr>
+            <p:cNvPr id="23" name="Gerade Verbindung mit Pfeil 22"/>
+            <p:cNvCxnSpPr>
+              <a:stCxn id="16" idx="3"/>
+              <a:endCxn id="17" idx="1"/>
+            </p:cNvCxnSpPr>
+            <p:nvPr/>
+          </p:nvCxnSpPr>
+          <p:spPr>
+            <a:xfrm>
+              <a:off x="3106497" y="1238442"/>
+              <a:ext cx="618836" cy="0"/>
+            </a:xfrm>
+            <a:prstGeom prst="straightConnector1">
+              <a:avLst/>
+            </a:prstGeom>
+            <a:ln w="41275">
+              <a:headEnd type="stealth"/>
+              <a:tailEnd type="stealth" w="med" len="med"/>
+            </a:ln>
+          </p:spPr>
+          <p:style>
+            <a:lnRef idx="1">
+              <a:schemeClr val="accent1"/>
+            </a:lnRef>
+            <a:fillRef idx="0">
+              <a:schemeClr val="accent1"/>
+            </a:fillRef>
+            <a:effectRef idx="0">
+              <a:schemeClr val="accent1"/>
+            </a:effectRef>
+            <a:fontRef idx="minor">
+              <a:schemeClr val="tx1"/>
+            </a:fontRef>
+          </p:style>
+        </p:cxnSp>
+        <p:sp>
+          <p:nvSpPr>
+            <p:cNvPr id="66" name="Flussdiagramm: Dokument 65"/>
+            <p:cNvSpPr/>
+            <p:nvPr/>
+          </p:nvSpPr>
+          <p:spPr>
+            <a:xfrm>
+              <a:off x="5028064" y="865717"/>
+              <a:ext cx="966338" cy="728133"/>
+            </a:xfrm>
+            <a:prstGeom prst="flowChartDocument">
+              <a:avLst/>
+            </a:prstGeom>
+          </p:spPr>
+          <p:style>
+            <a:lnRef idx="2">
+              <a:schemeClr val="accent1">
+                <a:shade val="50000"/>
+              </a:schemeClr>
+            </a:lnRef>
+            <a:fillRef idx="1">
+              <a:schemeClr val="accent1"/>
+            </a:fillRef>
+            <a:effectRef idx="0">
+              <a:schemeClr val="accent1"/>
+            </a:effectRef>
+            <a:fontRef idx="minor">
+              <a:schemeClr val="lt1"/>
+            </a:fontRef>
+          </p:style>
+          <p:txBody>
+            <a:bodyPr rtlCol="0" anchor="ctr"/>
+            <a:lstStyle/>
+            <a:p>
+              <a:pPr algn="ctr"/>
+              <a:r>
+                <a:rPr lang="de-DE" dirty="0" smtClean="0"/>
+                <a:t>Session</a:t>
+              </a:r>
+              <a:endParaRPr lang="de-DE" dirty="0"/>
+            </a:p>
+          </p:txBody>
+        </p:sp>
+      </p:grpSp>
+      <p:cxnSp>
+        <p:nvCxnSpPr>
+          <p:cNvPr id="69" name="Gerade Verbindung mit Pfeil 68"/>
+          <p:cNvCxnSpPr>
+            <a:stCxn id="65" idx="4"/>
+            <a:endCxn id="44" idx="1"/>
+          </p:cNvCxnSpPr>
+          <p:nvPr/>
+        </p:nvCxnSpPr>
+        <p:spPr>
+          <a:xfrm flipV="1">
+            <a:off x="795098" y="1229784"/>
+            <a:ext cx="280169" cy="192043"/>
+          </a:xfrm>
+          <a:prstGeom prst="straightConnector1">
+            <a:avLst/>
+          </a:prstGeom>
+          <a:ln w="41275">
+            <a:headEnd type="none"/>
+            <a:tailEnd type="stealth" w="med" len="med"/>
+          </a:ln>
+        </p:spPr>
+        <p:style>
+          <a:lnRef idx="1">
+            <a:schemeClr val="accent1"/>
+          </a:lnRef>
+          <a:fillRef idx="0">
+            <a:schemeClr val="accent1"/>
+          </a:fillRef>
+          <a:effectRef idx="0">
+            <a:schemeClr val="accent1"/>
+          </a:effectRef>
+          <a:fontRef idx="minor">
+            <a:schemeClr val="tx1"/>
+          </a:fontRef>
+        </p:style>
+      </p:cxnSp>
+      <p:grpSp>
+        <p:nvGrpSpPr>
+          <p:cNvPr id="73" name="Gruppieren 72"/>
+          <p:cNvGrpSpPr/>
+          <p:nvPr/>
+        </p:nvGrpSpPr>
+        <p:grpSpPr>
+          <a:xfrm>
+            <a:off x="1153775" y="960967"/>
+            <a:ext cx="4919135" cy="876300"/>
+            <a:chOff x="1075267" y="791634"/>
+            <a:chExt cx="4919135" cy="876300"/>
+          </a:xfrm>
+        </p:grpSpPr>
+        <p:sp>
+          <p:nvSpPr>
+            <p:cNvPr id="74" name="Flussdiagramm: Prozess 73"/>
+            <p:cNvSpPr/>
+            <p:nvPr/>
+          </p:nvSpPr>
+          <p:spPr>
+            <a:xfrm>
+              <a:off x="1075267" y="791634"/>
+              <a:ext cx="3403600" cy="876300"/>
+            </a:xfrm>
+            <a:prstGeom prst="flowChartProcess">
+              <a:avLst/>
+            </a:prstGeom>
+            <a:solidFill>
+              <a:schemeClr val="bg1">
+                <a:lumMod val="75000"/>
+                <a:alpha val="75000"/>
+              </a:schemeClr>
+            </a:solidFill>
+            <a:ln w="22225">
+              <a:solidFill>
+                <a:schemeClr val="accent1"/>
+              </a:solidFill>
+            </a:ln>
+          </p:spPr>
+          <p:style>
+            <a:lnRef idx="2">
+              <a:schemeClr val="accent1">
+                <a:shade val="50000"/>
+              </a:schemeClr>
+            </a:lnRef>
+            <a:fillRef idx="1">
+              <a:schemeClr val="accent1"/>
+            </a:fillRef>
+            <a:effectRef idx="0">
+              <a:schemeClr val="accent1"/>
+            </a:effectRef>
+            <a:fontRef idx="minor">
+              <a:schemeClr val="lt1"/>
+            </a:fontRef>
+          </p:style>
+          <p:txBody>
+            <a:bodyPr rtlCol="0" anchor="ctr"/>
+            <a:lstStyle/>
+            <a:p>
+              <a:pPr algn="ctr"/>
+              <a:endParaRPr lang="de-DE"/>
+            </a:p>
+          </p:txBody>
+        </p:sp>
+        <p:cxnSp>
+          <p:nvCxnSpPr>
+            <p:cNvPr id="75" name="Gerade Verbindung mit Pfeil 74"/>
+            <p:cNvCxnSpPr>
+              <a:stCxn id="74" idx="3"/>
+              <a:endCxn id="81" idx="1"/>
+            </p:cNvCxnSpPr>
+            <p:nvPr/>
+          </p:nvCxnSpPr>
+          <p:spPr>
+            <a:xfrm>
+              <a:off x="4478867" y="1229784"/>
+              <a:ext cx="549197" cy="0"/>
+            </a:xfrm>
+            <a:prstGeom prst="straightConnector1">
+              <a:avLst/>
+            </a:prstGeom>
+            <a:ln w="41275">
+              <a:headEnd type="stealth"/>
+              <a:tailEnd type="stealth" w="med" len="med"/>
+            </a:ln>
+          </p:spPr>
+          <p:style>
+            <a:lnRef idx="1">
+              <a:schemeClr val="accent1"/>
+            </a:lnRef>
+            <a:fillRef idx="0">
+              <a:schemeClr val="accent1"/>
+            </a:fillRef>
+            <a:effectRef idx="0">
+              <a:schemeClr val="accent1"/>
+            </a:effectRef>
+            <a:fontRef idx="minor">
+              <a:schemeClr val="tx1"/>
+            </a:fontRef>
+          </p:style>
+        </p:cxnSp>
+        <p:sp>
+          <p:nvSpPr>
+            <p:cNvPr id="76" name="Zylinder 75"/>
+            <p:cNvSpPr/>
+            <p:nvPr/>
+          </p:nvSpPr>
+          <p:spPr>
+            <a:xfrm>
+              <a:off x="1153775" y="838969"/>
+              <a:ext cx="655782" cy="798946"/>
+            </a:xfrm>
+            <a:prstGeom prst="can">
+              <a:avLst/>
+            </a:prstGeom>
+          </p:spPr>
+          <p:style>
+            <a:lnRef idx="2">
+              <a:schemeClr val="accent1">
+                <a:shade val="50000"/>
+              </a:schemeClr>
+            </a:lnRef>
+            <a:fillRef idx="1">
+              <a:schemeClr val="accent1"/>
+            </a:fillRef>
+            <a:effectRef idx="0">
+              <a:schemeClr val="accent1"/>
+            </a:effectRef>
+            <a:fontRef idx="minor">
+              <a:schemeClr val="lt1"/>
+            </a:fontRef>
+          </p:style>
+          <p:txBody>
+            <a:bodyPr rtlCol="0" anchor="ctr"/>
+            <a:lstStyle/>
+            <a:p>
+              <a:pPr algn="ctr"/>
+              <a:r>
+                <a:rPr lang="de-DE" sz="1200" dirty="0" smtClean="0"/>
+                <a:t>Session Work-</a:t>
+              </a:r>
+              <a:r>
+                <a:rPr lang="de-DE" sz="1200" dirty="0" err="1" smtClean="0"/>
+                <a:t>space</a:t>
+              </a:r>
+              <a:endParaRPr lang="de-DE" sz="1200" dirty="0"/>
+            </a:p>
+          </p:txBody>
+        </p:sp>
+        <p:sp>
+          <p:nvSpPr>
+            <p:cNvPr id="77" name="Flussdiagramm: Prozess 76"/>
+            <p:cNvSpPr/>
+            <p:nvPr/>
+          </p:nvSpPr>
+          <p:spPr>
+            <a:xfrm>
+              <a:off x="2409151" y="905933"/>
+              <a:ext cx="697346" cy="665018"/>
+            </a:xfrm>
+            <a:prstGeom prst="flowChartProcess">
+              <a:avLst/>
+            </a:prstGeom>
+          </p:spPr>
+          <p:style>
+            <a:lnRef idx="2">
+              <a:schemeClr val="accent1">
+                <a:shade val="50000"/>
+              </a:schemeClr>
+            </a:lnRef>
+            <a:fillRef idx="1">
+              <a:schemeClr val="accent1"/>
+            </a:fillRef>
+            <a:effectRef idx="0">
+              <a:schemeClr val="accent1"/>
+            </a:effectRef>
+            <a:fontRef idx="minor">
+              <a:schemeClr val="lt1"/>
+            </a:fontRef>
+          </p:style>
+          <p:txBody>
+            <a:bodyPr lIns="0" rIns="0" rtlCol="0" anchor="ctr"/>
+            <a:lstStyle/>
+            <a:p>
+              <a:pPr algn="ctr"/>
+              <a:r>
+                <a:rPr lang="de-DE" sz="1400" dirty="0" err="1" smtClean="0"/>
+                <a:t>server.r</a:t>
+              </a:r>
+              <a:endParaRPr lang="de-DE" sz="1400" dirty="0"/>
+            </a:p>
+          </p:txBody>
+        </p:sp>
+        <p:sp>
+          <p:nvSpPr>
+            <p:cNvPr id="78" name="Flussdiagramm: Prozess 77"/>
+            <p:cNvSpPr/>
+            <p:nvPr/>
+          </p:nvSpPr>
+          <p:spPr>
+            <a:xfrm>
+              <a:off x="3725333" y="905933"/>
+              <a:ext cx="697346" cy="665018"/>
+            </a:xfrm>
+            <a:prstGeom prst="flowChartProcess">
+              <a:avLst/>
+            </a:prstGeom>
+          </p:spPr>
+          <p:style>
+            <a:lnRef idx="2">
+              <a:schemeClr val="accent1">
+                <a:shade val="50000"/>
+              </a:schemeClr>
+            </a:lnRef>
+            <a:fillRef idx="1">
+              <a:schemeClr val="accent1"/>
+            </a:fillRef>
+            <a:effectRef idx="0">
+              <a:schemeClr val="accent1"/>
+            </a:effectRef>
+            <a:fontRef idx="minor">
+              <a:schemeClr val="lt1"/>
+            </a:fontRef>
+          </p:style>
+          <p:txBody>
+            <a:bodyPr rtlCol="0" anchor="ctr"/>
+            <a:lstStyle/>
+            <a:p>
+              <a:pPr algn="ctr"/>
+              <a:r>
+                <a:rPr lang="de-DE" sz="1400" dirty="0" err="1" smtClean="0"/>
+                <a:t>ui.r</a:t>
+              </a:r>
+              <a:endParaRPr lang="de-DE" sz="1400" dirty="0"/>
+            </a:p>
+          </p:txBody>
+        </p:sp>
+        <p:cxnSp>
+          <p:nvCxnSpPr>
+            <p:cNvPr id="79" name="Gerade Verbindung mit Pfeil 78"/>
+            <p:cNvCxnSpPr>
+              <a:stCxn id="76" idx="4"/>
+              <a:endCxn id="77" idx="1"/>
+            </p:cNvCxnSpPr>
+            <p:nvPr/>
+          </p:nvCxnSpPr>
+          <p:spPr>
+            <a:xfrm>
+              <a:off x="1809557" y="1238442"/>
+              <a:ext cx="599594" cy="0"/>
+            </a:xfrm>
+            <a:prstGeom prst="straightConnector1">
+              <a:avLst/>
+            </a:prstGeom>
+            <a:ln w="41275">
+              <a:headEnd type="stealth"/>
+              <a:tailEnd type="stealth" w="med" len="med"/>
+            </a:ln>
+          </p:spPr>
+          <p:style>
+            <a:lnRef idx="1">
+              <a:schemeClr val="accent1"/>
+            </a:lnRef>
+            <a:fillRef idx="0">
+              <a:schemeClr val="accent1"/>
+            </a:fillRef>
+            <a:effectRef idx="0">
+              <a:schemeClr val="accent1"/>
+            </a:effectRef>
+            <a:fontRef idx="minor">
+              <a:schemeClr val="tx1"/>
+            </a:fontRef>
+          </p:style>
+        </p:cxnSp>
+        <p:cxnSp>
+          <p:nvCxnSpPr>
+            <p:cNvPr id="80" name="Gerade Verbindung mit Pfeil 79"/>
+            <p:cNvCxnSpPr>
+              <a:stCxn id="77" idx="3"/>
+              <a:endCxn id="78" idx="1"/>
+            </p:cNvCxnSpPr>
+            <p:nvPr/>
+          </p:nvCxnSpPr>
+          <p:spPr>
+            <a:xfrm>
+              <a:off x="3106497" y="1238442"/>
+              <a:ext cx="618836" cy="0"/>
+            </a:xfrm>
+            <a:prstGeom prst="straightConnector1">
+              <a:avLst/>
+            </a:prstGeom>
+            <a:ln w="41275">
+              <a:headEnd type="stealth"/>
+              <a:tailEnd type="stealth" w="med" len="med"/>
+            </a:ln>
+          </p:spPr>
+          <p:style>
+            <a:lnRef idx="1">
+              <a:schemeClr val="accent1"/>
+            </a:lnRef>
+            <a:fillRef idx="0">
+              <a:schemeClr val="accent1"/>
+            </a:fillRef>
+            <a:effectRef idx="0">
+              <a:schemeClr val="accent1"/>
+            </a:effectRef>
+            <a:fontRef idx="minor">
+              <a:schemeClr val="tx1"/>
+            </a:fontRef>
+          </p:style>
+        </p:cxnSp>
+        <p:sp>
+          <p:nvSpPr>
+            <p:cNvPr id="81" name="Flussdiagramm: Dokument 80"/>
+            <p:cNvSpPr/>
+            <p:nvPr/>
+          </p:nvSpPr>
+          <p:spPr>
+            <a:xfrm>
+              <a:off x="5028064" y="865717"/>
+              <a:ext cx="966338" cy="728133"/>
+            </a:xfrm>
+            <a:prstGeom prst="flowChartDocument">
+              <a:avLst/>
+            </a:prstGeom>
+          </p:spPr>
+          <p:style>
+            <a:lnRef idx="2">
+              <a:schemeClr val="accent1">
+                <a:shade val="50000"/>
+              </a:schemeClr>
+            </a:lnRef>
+            <a:fillRef idx="1">
+              <a:schemeClr val="accent1"/>
+            </a:fillRef>
+            <a:effectRef idx="0">
+              <a:schemeClr val="accent1"/>
+            </a:effectRef>
+            <a:fontRef idx="minor">
+              <a:schemeClr val="lt1"/>
+            </a:fontRef>
+          </p:style>
+          <p:txBody>
+            <a:bodyPr rtlCol="0" anchor="ctr"/>
+            <a:lstStyle/>
+            <a:p>
+              <a:pPr algn="ctr"/>
+              <a:r>
+                <a:rPr lang="de-DE" dirty="0" smtClean="0"/>
+                <a:t>Session</a:t>
+              </a:r>
+              <a:endParaRPr lang="de-DE" dirty="0"/>
+            </a:p>
+          </p:txBody>
+        </p:sp>
+      </p:grpSp>
+      <p:grpSp>
+        <p:nvGrpSpPr>
+          <p:cNvPr id="82" name="Gruppieren 81"/>
+          <p:cNvGrpSpPr/>
+          <p:nvPr/>
+        </p:nvGrpSpPr>
+        <p:grpSpPr>
+          <a:xfrm>
+            <a:off x="1265765" y="1132801"/>
+            <a:ext cx="4919135" cy="876300"/>
+            <a:chOff x="1075267" y="791634"/>
+            <a:chExt cx="4919135" cy="876300"/>
+          </a:xfrm>
+        </p:grpSpPr>
+        <p:sp>
+          <p:nvSpPr>
+            <p:cNvPr id="83" name="Flussdiagramm: Prozess 82"/>
+            <p:cNvSpPr/>
+            <p:nvPr/>
+          </p:nvSpPr>
+          <p:spPr>
+            <a:xfrm>
+              <a:off x="1075267" y="791634"/>
+              <a:ext cx="3403600" cy="876300"/>
+            </a:xfrm>
+            <a:prstGeom prst="flowChartProcess">
+              <a:avLst/>
+            </a:prstGeom>
+            <a:solidFill>
+              <a:schemeClr val="bg1">
+                <a:lumMod val="75000"/>
+                <a:alpha val="75000"/>
+              </a:schemeClr>
+            </a:solidFill>
+            <a:ln w="22225">
+              <a:solidFill>
+                <a:schemeClr val="accent1"/>
+              </a:solidFill>
+            </a:ln>
+          </p:spPr>
+          <p:style>
+            <a:lnRef idx="2">
+              <a:schemeClr val="accent1">
+                <a:shade val="50000"/>
+              </a:schemeClr>
+            </a:lnRef>
+            <a:fillRef idx="1">
+              <a:schemeClr val="accent1"/>
+            </a:fillRef>
+            <a:effectRef idx="0">
+              <a:schemeClr val="accent1"/>
+            </a:effectRef>
+            <a:fontRef idx="minor">
+              <a:schemeClr val="lt1"/>
+            </a:fontRef>
+          </p:style>
+          <p:txBody>
+            <a:bodyPr rtlCol="0" anchor="ctr"/>
+            <a:lstStyle/>
+            <a:p>
+              <a:pPr algn="ctr"/>
+              <a:endParaRPr lang="de-DE"/>
+            </a:p>
+          </p:txBody>
+        </p:sp>
+        <p:cxnSp>
+          <p:nvCxnSpPr>
+            <p:cNvPr id="84" name="Gerade Verbindung mit Pfeil 83"/>
+            <p:cNvCxnSpPr>
+              <a:stCxn id="83" idx="3"/>
+              <a:endCxn id="90" idx="1"/>
+            </p:cNvCxnSpPr>
+            <p:nvPr/>
+          </p:nvCxnSpPr>
+          <p:spPr>
+            <a:xfrm>
+              <a:off x="4478867" y="1229784"/>
+              <a:ext cx="549197" cy="0"/>
+            </a:xfrm>
+            <a:prstGeom prst="straightConnector1">
+              <a:avLst/>
+            </a:prstGeom>
+            <a:ln w="41275">
+              <a:headEnd type="stealth"/>
+              <a:tailEnd type="stealth" w="med" len="med"/>
+            </a:ln>
+          </p:spPr>
+          <p:style>
+            <a:lnRef idx="1">
+              <a:schemeClr val="accent1"/>
+            </a:lnRef>
+            <a:fillRef idx="0">
+              <a:schemeClr val="accent1"/>
+            </a:fillRef>
+            <a:effectRef idx="0">
+              <a:schemeClr val="accent1"/>
+            </a:effectRef>
+            <a:fontRef idx="minor">
+              <a:schemeClr val="tx1"/>
+            </a:fontRef>
+          </p:style>
+        </p:cxnSp>
+        <p:sp>
+          <p:nvSpPr>
+            <p:cNvPr id="85" name="Zylinder 84"/>
+            <p:cNvSpPr/>
+            <p:nvPr/>
+          </p:nvSpPr>
+          <p:spPr>
+            <a:xfrm>
+              <a:off x="1153775" y="838969"/>
+              <a:ext cx="655782" cy="798946"/>
+            </a:xfrm>
+            <a:prstGeom prst="can">
+              <a:avLst/>
+            </a:prstGeom>
+          </p:spPr>
+          <p:style>
+            <a:lnRef idx="2">
+              <a:schemeClr val="accent1">
+                <a:shade val="50000"/>
+              </a:schemeClr>
+            </a:lnRef>
+            <a:fillRef idx="1">
+              <a:schemeClr val="accent1"/>
+            </a:fillRef>
+            <a:effectRef idx="0">
+              <a:schemeClr val="accent1"/>
+            </a:effectRef>
+            <a:fontRef idx="minor">
+              <a:schemeClr val="lt1"/>
+            </a:fontRef>
+          </p:style>
+          <p:txBody>
+            <a:bodyPr rtlCol="0" anchor="ctr"/>
+            <a:lstStyle/>
+            <a:p>
+              <a:pPr algn="ctr"/>
+              <a:r>
+                <a:rPr lang="de-DE" sz="1200" dirty="0" smtClean="0"/>
+                <a:t>Session Work-</a:t>
+              </a:r>
+              <a:r>
+                <a:rPr lang="de-DE" sz="1200" dirty="0" err="1" smtClean="0"/>
+                <a:t>space</a:t>
+              </a:r>
+              <a:endParaRPr lang="de-DE" sz="1200" dirty="0"/>
+            </a:p>
+          </p:txBody>
+        </p:sp>
+        <p:sp>
+          <p:nvSpPr>
+            <p:cNvPr id="86" name="Flussdiagramm: Prozess 85"/>
+            <p:cNvSpPr/>
+            <p:nvPr/>
+          </p:nvSpPr>
+          <p:spPr>
+            <a:xfrm>
+              <a:off x="2409151" y="905933"/>
+              <a:ext cx="697346" cy="665018"/>
+            </a:xfrm>
+            <a:prstGeom prst="flowChartProcess">
+              <a:avLst/>
+            </a:prstGeom>
+          </p:spPr>
+          <p:style>
+            <a:lnRef idx="2">
+              <a:schemeClr val="accent1">
+                <a:shade val="50000"/>
+              </a:schemeClr>
+            </a:lnRef>
+            <a:fillRef idx="1">
+              <a:schemeClr val="accent1"/>
+            </a:fillRef>
+            <a:effectRef idx="0">
+              <a:schemeClr val="accent1"/>
+            </a:effectRef>
+            <a:fontRef idx="minor">
+              <a:schemeClr val="lt1"/>
+            </a:fontRef>
+          </p:style>
+          <p:txBody>
+            <a:bodyPr lIns="0" rIns="0" rtlCol="0" anchor="ctr"/>
+            <a:lstStyle/>
+            <a:p>
+              <a:pPr algn="ctr"/>
+              <a:r>
+                <a:rPr lang="de-DE" sz="1400" dirty="0" err="1" smtClean="0"/>
+                <a:t>server.r</a:t>
+              </a:r>
+              <a:endParaRPr lang="de-DE" sz="1400" dirty="0"/>
+            </a:p>
+          </p:txBody>
+        </p:sp>
+        <p:sp>
+          <p:nvSpPr>
+            <p:cNvPr id="87" name="Flussdiagramm: Prozess 86"/>
+            <p:cNvSpPr/>
+            <p:nvPr/>
+          </p:nvSpPr>
+          <p:spPr>
+            <a:xfrm>
+              <a:off x="3725333" y="905933"/>
+              <a:ext cx="697346" cy="665018"/>
+            </a:xfrm>
+            <a:prstGeom prst="flowChartProcess">
+              <a:avLst/>
+            </a:prstGeom>
+          </p:spPr>
+          <p:style>
+            <a:lnRef idx="2">
+              <a:schemeClr val="accent1">
+                <a:shade val="50000"/>
+              </a:schemeClr>
+            </a:lnRef>
+            <a:fillRef idx="1">
+              <a:schemeClr val="accent1"/>
+            </a:fillRef>
+            <a:effectRef idx="0">
+              <a:schemeClr val="accent1"/>
+            </a:effectRef>
+            <a:fontRef idx="minor">
+              <a:schemeClr val="lt1"/>
+            </a:fontRef>
+          </p:style>
+          <p:txBody>
+            <a:bodyPr rtlCol="0" anchor="ctr"/>
+            <a:lstStyle/>
+            <a:p>
+              <a:pPr algn="ctr"/>
+              <a:r>
+                <a:rPr lang="de-DE" sz="1400" dirty="0" err="1" smtClean="0"/>
+                <a:t>ui.r</a:t>
+              </a:r>
+              <a:endParaRPr lang="de-DE" sz="1400" dirty="0"/>
+            </a:p>
+          </p:txBody>
+        </p:sp>
+        <p:cxnSp>
+          <p:nvCxnSpPr>
+            <p:cNvPr id="88" name="Gerade Verbindung mit Pfeil 87"/>
+            <p:cNvCxnSpPr>
+              <a:stCxn id="85" idx="4"/>
+              <a:endCxn id="86" idx="1"/>
+            </p:cNvCxnSpPr>
+            <p:nvPr/>
+          </p:nvCxnSpPr>
+          <p:spPr>
+            <a:xfrm>
+              <a:off x="1809557" y="1238442"/>
+              <a:ext cx="599594" cy="0"/>
+            </a:xfrm>
+            <a:prstGeom prst="straightConnector1">
+              <a:avLst/>
+            </a:prstGeom>
+            <a:ln w="41275">
+              <a:headEnd type="stealth"/>
+              <a:tailEnd type="stealth" w="med" len="med"/>
+            </a:ln>
+          </p:spPr>
+          <p:style>
+            <a:lnRef idx="1">
+              <a:schemeClr val="accent1"/>
+            </a:lnRef>
+            <a:fillRef idx="0">
+              <a:schemeClr val="accent1"/>
+            </a:fillRef>
+            <a:effectRef idx="0">
+              <a:schemeClr val="accent1"/>
+            </a:effectRef>
+            <a:fontRef idx="minor">
+              <a:schemeClr val="tx1"/>
+            </a:fontRef>
+          </p:style>
+        </p:cxnSp>
+        <p:cxnSp>
+          <p:nvCxnSpPr>
+            <p:cNvPr id="89" name="Gerade Verbindung mit Pfeil 88"/>
+            <p:cNvCxnSpPr>
+              <a:stCxn id="86" idx="3"/>
+              <a:endCxn id="87" idx="1"/>
+            </p:cNvCxnSpPr>
+            <p:nvPr/>
+          </p:nvCxnSpPr>
+          <p:spPr>
+            <a:xfrm>
+              <a:off x="3106497" y="1238442"/>
+              <a:ext cx="618836" cy="0"/>
+            </a:xfrm>
+            <a:prstGeom prst="straightConnector1">
+              <a:avLst/>
+            </a:prstGeom>
+            <a:ln w="41275">
+              <a:headEnd type="stealth"/>
+              <a:tailEnd type="stealth" w="med" len="med"/>
+            </a:ln>
+          </p:spPr>
+          <p:style>
+            <a:lnRef idx="1">
+              <a:schemeClr val="accent1"/>
+            </a:lnRef>
+            <a:fillRef idx="0">
+              <a:schemeClr val="accent1"/>
+            </a:fillRef>
+            <a:effectRef idx="0">
+              <a:schemeClr val="accent1"/>
+            </a:effectRef>
+            <a:fontRef idx="minor">
+              <a:schemeClr val="tx1"/>
+            </a:fontRef>
+          </p:style>
+        </p:cxnSp>
+        <p:sp>
+          <p:nvSpPr>
+            <p:cNvPr id="90" name="Flussdiagramm: Dokument 89"/>
+            <p:cNvSpPr/>
+            <p:nvPr/>
+          </p:nvSpPr>
+          <p:spPr>
+            <a:xfrm>
+              <a:off x="5028064" y="865717"/>
+              <a:ext cx="966338" cy="728133"/>
+            </a:xfrm>
+            <a:prstGeom prst="flowChartDocument">
+              <a:avLst/>
+            </a:prstGeom>
+          </p:spPr>
+          <p:style>
+            <a:lnRef idx="2">
+              <a:schemeClr val="accent1">
+                <a:shade val="50000"/>
+              </a:schemeClr>
+            </a:lnRef>
+            <a:fillRef idx="1">
+              <a:schemeClr val="accent1"/>
+            </a:fillRef>
+            <a:effectRef idx="0">
+              <a:schemeClr val="accent1"/>
+            </a:effectRef>
+            <a:fontRef idx="minor">
+              <a:schemeClr val="lt1"/>
+            </a:fontRef>
+          </p:style>
+          <p:txBody>
+            <a:bodyPr rtlCol="0" anchor="ctr"/>
+            <a:lstStyle/>
+            <a:p>
+              <a:pPr algn="ctr"/>
+              <a:r>
+                <a:rPr lang="de-DE" dirty="0" smtClean="0"/>
+                <a:t>Session</a:t>
+              </a:r>
+              <a:endParaRPr lang="de-DE" dirty="0"/>
+            </a:p>
+          </p:txBody>
+        </p:sp>
+      </p:grpSp>
+      <p:cxnSp>
+        <p:nvCxnSpPr>
+          <p:cNvPr id="91" name="Gerade Verbindung mit Pfeil 90"/>
+          <p:cNvCxnSpPr>
+            <a:stCxn id="65" idx="4"/>
+            <a:endCxn id="74" idx="1"/>
+          </p:cNvCxnSpPr>
+          <p:nvPr/>
+        </p:nvCxnSpPr>
+        <p:spPr>
+          <a:xfrm flipV="1">
+            <a:off x="795098" y="1399117"/>
+            <a:ext cx="358677" cy="22710"/>
+          </a:xfrm>
+          <a:prstGeom prst="straightConnector1">
+            <a:avLst/>
+          </a:prstGeom>
+          <a:ln w="41275">
+            <a:headEnd type="none"/>
+            <a:tailEnd type="stealth" w="med" len="med"/>
+          </a:ln>
+        </p:spPr>
+        <p:style>
+          <a:lnRef idx="1">
+            <a:schemeClr val="accent1"/>
+          </a:lnRef>
+          <a:fillRef idx="0">
+            <a:schemeClr val="accent1"/>
+          </a:fillRef>
+          <a:effectRef idx="0">
+            <a:schemeClr val="accent1"/>
+          </a:effectRef>
+          <a:fontRef idx="minor">
+            <a:schemeClr val="tx1"/>
+          </a:fontRef>
+        </p:style>
+      </p:cxnSp>
+      <p:cxnSp>
+        <p:nvCxnSpPr>
+          <p:cNvPr id="94" name="Gerade Verbindung mit Pfeil 93"/>
+          <p:cNvCxnSpPr>
+            <a:stCxn id="65" idx="4"/>
+            <a:endCxn id="83" idx="1"/>
+          </p:cNvCxnSpPr>
+          <p:nvPr/>
+        </p:nvCxnSpPr>
+        <p:spPr>
+          <a:xfrm>
+            <a:off x="795098" y="1421827"/>
+            <a:ext cx="470667" cy="149124"/>
+          </a:xfrm>
+          <a:prstGeom prst="straightConnector1">
+            <a:avLst/>
+          </a:prstGeom>
+          <a:ln w="41275">
+            <a:headEnd type="none"/>
+            <a:tailEnd type="stealth" w="med" len="med"/>
+          </a:ln>
+        </p:spPr>
+        <p:style>
+          <a:lnRef idx="1">
+            <a:schemeClr val="accent1"/>
+          </a:lnRef>
+          <a:fillRef idx="0">
+            <a:schemeClr val="accent1"/>
+          </a:fillRef>
+          <a:effectRef idx="0">
+            <a:schemeClr val="accent1"/>
+          </a:effectRef>
+          <a:fontRef idx="minor">
+            <a:schemeClr val="tx1"/>
+          </a:fontRef>
+        </p:style>
+      </p:cxnSp>
+      <p:sp>
+        <p:nvSpPr>
+          <p:cNvPr id="97" name="Textfeld 96"/>
+          <p:cNvSpPr txBox="1"/>
+          <p:nvPr/>
+        </p:nvSpPr>
+        <p:spPr>
+          <a:xfrm>
+            <a:off x="5104102" y="2232566"/>
+            <a:ext cx="814262" cy="369332"/>
+          </a:xfrm>
+          <a:prstGeom prst="rect">
+            <a:avLst/>
+          </a:prstGeom>
+          <a:noFill/>
+        </p:spPr>
+        <p:txBody>
+          <a:bodyPr wrap="none" rtlCol="0">
+            <a:spAutoFit/>
+          </a:bodyPr>
+          <a:lstStyle/>
+          <a:p>
+            <a:r>
+              <a:rPr lang="de-DE" dirty="0" smtClean="0"/>
+              <a:t>Nutzer</a:t>
+            </a:r>
+            <a:endParaRPr lang="de-DE" dirty="0"/>
+          </a:p>
+        </p:txBody>
+      </p:sp>
+      <p:sp>
+        <p:nvSpPr>
+          <p:cNvPr id="98" name="Textfeld 97"/>
+          <p:cNvSpPr txBox="1"/>
+          <p:nvPr/>
+        </p:nvSpPr>
+        <p:spPr>
+          <a:xfrm>
+            <a:off x="565659" y="2238713"/>
+            <a:ext cx="747512" cy="369332"/>
+          </a:xfrm>
+          <a:prstGeom prst="rect">
+            <a:avLst/>
+          </a:prstGeom>
+          <a:noFill/>
+        </p:spPr>
+        <p:txBody>
+          <a:bodyPr wrap="none" rtlCol="0">
+            <a:spAutoFit/>
+          </a:bodyPr>
+          <a:lstStyle/>
+          <a:p>
+            <a:r>
+              <a:rPr lang="de-DE" dirty="0" smtClean="0"/>
+              <a:t>Daten</a:t>
+            </a:r>
+            <a:endParaRPr lang="de-DE" dirty="0"/>
+          </a:p>
+        </p:txBody>
+      </p:sp>
+      <p:sp>
+        <p:nvSpPr>
+          <p:cNvPr id="99" name="Textfeld 98"/>
+          <p:cNvSpPr txBox="1"/>
+          <p:nvPr/>
+        </p:nvSpPr>
+        <p:spPr>
+          <a:xfrm>
+            <a:off x="2379602" y="2233155"/>
+            <a:ext cx="785664" cy="369332"/>
+          </a:xfrm>
+          <a:prstGeom prst="rect">
+            <a:avLst/>
+          </a:prstGeom>
+          <a:noFill/>
+        </p:spPr>
+        <p:txBody>
+          <a:bodyPr wrap="none" rtlCol="0">
+            <a:spAutoFit/>
+          </a:bodyPr>
+          <a:lstStyle/>
+          <a:p>
+            <a:r>
+              <a:rPr lang="de-DE" dirty="0" smtClean="0"/>
+              <a:t>Server</a:t>
+            </a:r>
+            <a:endParaRPr lang="de-DE" dirty="0"/>
+          </a:p>
+        </p:txBody>
+      </p:sp>
+      <p:sp>
+        <p:nvSpPr>
+          <p:cNvPr id="100" name="Textfeld 99"/>
+          <p:cNvSpPr txBox="1"/>
+          <p:nvPr/>
+        </p:nvSpPr>
+        <p:spPr>
+          <a:xfrm>
+            <a:off x="3918513" y="2232566"/>
+            <a:ext cx="389850" cy="369332"/>
+          </a:xfrm>
+          <a:prstGeom prst="rect">
+            <a:avLst/>
+          </a:prstGeom>
+          <a:noFill/>
+        </p:spPr>
+        <p:txBody>
+          <a:bodyPr wrap="none" rtlCol="0">
+            <a:spAutoFit/>
+          </a:bodyPr>
+          <a:lstStyle/>
+          <a:p>
+            <a:r>
+              <a:rPr lang="de-DE" dirty="0" smtClean="0"/>
+              <a:t>UI</a:t>
+            </a:r>
+            <a:endParaRPr lang="de-DE" dirty="0"/>
+          </a:p>
+        </p:txBody>
+      </p:sp>
+      <p:sp>
+        <p:nvSpPr>
+          <p:cNvPr id="101" name="Zylinder 100"/>
+          <p:cNvSpPr/>
+          <p:nvPr/>
+        </p:nvSpPr>
+        <p:spPr>
+          <a:xfrm>
+            <a:off x="139316" y="2875098"/>
+            <a:ext cx="655782" cy="798946"/>
+          </a:xfrm>
+          <a:prstGeom prst="can">
+            <a:avLst/>
+          </a:prstGeom>
+        </p:spPr>
+        <p:style>
+          <a:lnRef idx="2">
+            <a:schemeClr val="accent1">
+              <a:shade val="50000"/>
+            </a:schemeClr>
+          </a:lnRef>
+          <a:fillRef idx="1">
+            <a:schemeClr val="accent1"/>
+          </a:fillRef>
+          <a:effectRef idx="0">
+            <a:schemeClr val="accent1"/>
+          </a:effectRef>
+          <a:fontRef idx="minor">
+            <a:schemeClr val="lt1"/>
+          </a:fontRef>
+        </p:style>
+        <p:txBody>
+          <a:bodyPr lIns="0" rIns="0" rtlCol="0" anchor="ctr"/>
+          <a:lstStyle/>
+          <a:p>
+            <a:pPr algn="ctr"/>
+            <a:r>
+              <a:rPr lang="de-DE" sz="1200" dirty="0" smtClean="0"/>
+              <a:t>Globaler Work-</a:t>
+            </a:r>
+            <a:r>
+              <a:rPr lang="de-DE" sz="1200" dirty="0" err="1" smtClean="0"/>
+              <a:t>space</a:t>
+            </a:r>
+            <a:endParaRPr lang="de-DE" sz="1200" dirty="0"/>
+          </a:p>
+        </p:txBody>
+      </p:sp>
+      <p:grpSp>
+        <p:nvGrpSpPr>
+          <p:cNvPr id="102" name="Gruppieren 101"/>
+          <p:cNvGrpSpPr/>
+          <p:nvPr/>
+        </p:nvGrpSpPr>
+        <p:grpSpPr>
+          <a:xfrm>
+            <a:off x="1075267" y="2644378"/>
+            <a:ext cx="4919135" cy="876300"/>
+            <a:chOff x="1075267" y="791634"/>
+            <a:chExt cx="4919135" cy="876300"/>
+          </a:xfrm>
+        </p:grpSpPr>
+        <p:sp>
+          <p:nvSpPr>
+            <p:cNvPr id="103" name="Flussdiagramm: Prozess 102"/>
+            <p:cNvSpPr/>
+            <p:nvPr/>
+          </p:nvSpPr>
+          <p:spPr>
+            <a:xfrm>
+              <a:off x="1075267" y="791634"/>
+              <a:ext cx="3403600" cy="876300"/>
+            </a:xfrm>
+            <a:prstGeom prst="flowChartProcess">
+              <a:avLst/>
+            </a:prstGeom>
+            <a:solidFill>
+              <a:schemeClr val="bg1">
+                <a:lumMod val="75000"/>
+                <a:alpha val="75000"/>
+              </a:schemeClr>
+            </a:solidFill>
+            <a:ln w="22225">
+              <a:solidFill>
+                <a:schemeClr val="accent1"/>
+              </a:solidFill>
+            </a:ln>
+          </p:spPr>
+          <p:style>
+            <a:lnRef idx="2">
+              <a:schemeClr val="accent1">
+                <a:shade val="50000"/>
+              </a:schemeClr>
+            </a:lnRef>
+            <a:fillRef idx="1">
+              <a:schemeClr val="accent1"/>
+            </a:fillRef>
+            <a:effectRef idx="0">
+              <a:schemeClr val="accent1"/>
+            </a:effectRef>
+            <a:fontRef idx="minor">
+              <a:schemeClr val="lt1"/>
+            </a:fontRef>
+          </p:style>
+          <p:txBody>
+            <a:bodyPr rtlCol="0" anchor="ctr"/>
+            <a:lstStyle/>
+            <a:p>
+              <a:pPr algn="ctr"/>
+              <a:endParaRPr lang="de-DE"/>
+            </a:p>
+          </p:txBody>
+        </p:sp>
+        <p:cxnSp>
+          <p:nvCxnSpPr>
+            <p:cNvPr id="104" name="Gerade Verbindung mit Pfeil 103"/>
+            <p:cNvCxnSpPr>
+              <a:stCxn id="103" idx="3"/>
+              <a:endCxn id="110" idx="1"/>
+            </p:cNvCxnSpPr>
+            <p:nvPr/>
+          </p:nvCxnSpPr>
+          <p:spPr>
+            <a:xfrm>
+              <a:off x="4478867" y="1229784"/>
+              <a:ext cx="549197" cy="0"/>
+            </a:xfrm>
+            <a:prstGeom prst="straightConnector1">
+              <a:avLst/>
+            </a:prstGeom>
+            <a:ln w="41275">
+              <a:headEnd type="stealth"/>
+              <a:tailEnd type="stealth" w="med" len="med"/>
+            </a:ln>
+          </p:spPr>
+          <p:style>
+            <a:lnRef idx="1">
+              <a:schemeClr val="accent1"/>
+            </a:lnRef>
+            <a:fillRef idx="0">
+              <a:schemeClr val="accent1"/>
+            </a:fillRef>
+            <a:effectRef idx="0">
+              <a:schemeClr val="accent1"/>
+            </a:effectRef>
+            <a:fontRef idx="minor">
+              <a:schemeClr val="tx1"/>
+            </a:fontRef>
+          </p:style>
+        </p:cxnSp>
+        <p:sp>
+          <p:nvSpPr>
+            <p:cNvPr id="105" name="Zylinder 104"/>
+            <p:cNvSpPr/>
+            <p:nvPr/>
+          </p:nvSpPr>
+          <p:spPr>
+            <a:xfrm>
+              <a:off x="1153775" y="838969"/>
+              <a:ext cx="655782" cy="798946"/>
+            </a:xfrm>
+            <a:prstGeom prst="can">
+              <a:avLst/>
+            </a:prstGeom>
+          </p:spPr>
+          <p:style>
+            <a:lnRef idx="2">
+              <a:schemeClr val="accent1">
+                <a:shade val="50000"/>
+              </a:schemeClr>
+            </a:lnRef>
+            <a:fillRef idx="1">
+              <a:schemeClr val="accent1"/>
+            </a:fillRef>
+            <a:effectRef idx="0">
+              <a:schemeClr val="accent1"/>
+            </a:effectRef>
+            <a:fontRef idx="minor">
+              <a:schemeClr val="lt1"/>
+            </a:fontRef>
+          </p:style>
+          <p:txBody>
+            <a:bodyPr rtlCol="0" anchor="ctr"/>
+            <a:lstStyle/>
+            <a:p>
+              <a:pPr algn="ctr"/>
+              <a:r>
+                <a:rPr lang="de-DE" sz="1200" dirty="0" smtClean="0"/>
+                <a:t>Session Work-</a:t>
+              </a:r>
+              <a:r>
+                <a:rPr lang="de-DE" sz="1200" dirty="0" err="1" smtClean="0"/>
+                <a:t>space</a:t>
+              </a:r>
+              <a:endParaRPr lang="de-DE" sz="1200" dirty="0"/>
+            </a:p>
+          </p:txBody>
+        </p:sp>
+        <p:sp>
+          <p:nvSpPr>
+            <p:cNvPr id="106" name="Flussdiagramm: Prozess 105"/>
+            <p:cNvSpPr/>
+            <p:nvPr/>
+          </p:nvSpPr>
+          <p:spPr>
+            <a:xfrm>
+              <a:off x="2409151" y="905933"/>
+              <a:ext cx="697346" cy="665018"/>
+            </a:xfrm>
+            <a:prstGeom prst="flowChartProcess">
+              <a:avLst/>
+            </a:prstGeom>
+          </p:spPr>
+          <p:style>
+            <a:lnRef idx="2">
+              <a:schemeClr val="accent1">
+                <a:shade val="50000"/>
+              </a:schemeClr>
+            </a:lnRef>
+            <a:fillRef idx="1">
+              <a:schemeClr val="accent1"/>
+            </a:fillRef>
+            <a:effectRef idx="0">
+              <a:schemeClr val="accent1"/>
+            </a:effectRef>
+            <a:fontRef idx="minor">
+              <a:schemeClr val="lt1"/>
+            </a:fontRef>
+          </p:style>
+          <p:txBody>
+            <a:bodyPr lIns="0" rIns="0" rtlCol="0" anchor="ctr"/>
+            <a:lstStyle/>
+            <a:p>
+              <a:pPr algn="ctr"/>
+              <a:r>
+                <a:rPr lang="de-DE" sz="1400" dirty="0" err="1" smtClean="0"/>
+                <a:t>server.r</a:t>
+              </a:r>
+              <a:endParaRPr lang="de-DE" sz="1400" dirty="0"/>
+            </a:p>
+          </p:txBody>
+        </p:sp>
+        <p:sp>
+          <p:nvSpPr>
+            <p:cNvPr id="107" name="Flussdiagramm: Prozess 106"/>
+            <p:cNvSpPr/>
+            <p:nvPr/>
+          </p:nvSpPr>
+          <p:spPr>
+            <a:xfrm>
+              <a:off x="3725333" y="905933"/>
+              <a:ext cx="697346" cy="665018"/>
+            </a:xfrm>
+            <a:prstGeom prst="flowChartProcess">
+              <a:avLst/>
+            </a:prstGeom>
+          </p:spPr>
+          <p:style>
+            <a:lnRef idx="2">
+              <a:schemeClr val="accent1">
+                <a:shade val="50000"/>
+              </a:schemeClr>
+            </a:lnRef>
+            <a:fillRef idx="1">
+              <a:schemeClr val="accent1"/>
+            </a:fillRef>
+            <a:effectRef idx="0">
+              <a:schemeClr val="accent1"/>
+            </a:effectRef>
+            <a:fontRef idx="minor">
+              <a:schemeClr val="lt1"/>
+            </a:fontRef>
+          </p:style>
+          <p:txBody>
+            <a:bodyPr rtlCol="0" anchor="ctr"/>
+            <a:lstStyle/>
+            <a:p>
+              <a:pPr algn="ctr"/>
+              <a:r>
+                <a:rPr lang="de-DE" sz="1400" dirty="0" err="1" smtClean="0"/>
+                <a:t>ui.r</a:t>
+              </a:r>
+              <a:endParaRPr lang="de-DE" sz="1400" dirty="0"/>
+            </a:p>
+          </p:txBody>
+        </p:sp>
+        <p:cxnSp>
+          <p:nvCxnSpPr>
+            <p:cNvPr id="108" name="Gerade Verbindung mit Pfeil 107"/>
+            <p:cNvCxnSpPr>
+              <a:stCxn id="105" idx="4"/>
+              <a:endCxn id="106" idx="1"/>
+            </p:cNvCxnSpPr>
+            <p:nvPr/>
+          </p:nvCxnSpPr>
+          <p:spPr>
+            <a:xfrm>
+              <a:off x="1809557" y="1238442"/>
+              <a:ext cx="599594" cy="0"/>
+            </a:xfrm>
+            <a:prstGeom prst="straightConnector1">
+              <a:avLst/>
+            </a:prstGeom>
+            <a:ln w="41275">
+              <a:headEnd type="stealth"/>
+              <a:tailEnd type="stealth" w="med" len="med"/>
+            </a:ln>
+          </p:spPr>
+          <p:style>
+            <a:lnRef idx="1">
+              <a:schemeClr val="accent1"/>
+            </a:lnRef>
+            <a:fillRef idx="0">
+              <a:schemeClr val="accent1"/>
+            </a:fillRef>
+            <a:effectRef idx="0">
+              <a:schemeClr val="accent1"/>
+            </a:effectRef>
+            <a:fontRef idx="minor">
+              <a:schemeClr val="tx1"/>
+            </a:fontRef>
+          </p:style>
+        </p:cxnSp>
+        <p:cxnSp>
+          <p:nvCxnSpPr>
+            <p:cNvPr id="109" name="Gerade Verbindung mit Pfeil 108"/>
+            <p:cNvCxnSpPr>
+              <a:stCxn id="106" idx="3"/>
+              <a:endCxn id="107" idx="1"/>
+            </p:cNvCxnSpPr>
+            <p:nvPr/>
+          </p:nvCxnSpPr>
+          <p:spPr>
+            <a:xfrm>
+              <a:off x="3106497" y="1238442"/>
+              <a:ext cx="618836" cy="0"/>
+            </a:xfrm>
+            <a:prstGeom prst="straightConnector1">
+              <a:avLst/>
+            </a:prstGeom>
+            <a:ln w="41275">
+              <a:headEnd type="stealth"/>
+              <a:tailEnd type="stealth" w="med" len="med"/>
+            </a:ln>
+          </p:spPr>
+          <p:style>
+            <a:lnRef idx="1">
+              <a:schemeClr val="accent1"/>
+            </a:lnRef>
+            <a:fillRef idx="0">
+              <a:schemeClr val="accent1"/>
+            </a:fillRef>
+            <a:effectRef idx="0">
+              <a:schemeClr val="accent1"/>
+            </a:effectRef>
+            <a:fontRef idx="minor">
+              <a:schemeClr val="tx1"/>
+            </a:fontRef>
+          </p:style>
+        </p:cxnSp>
+        <p:sp>
+          <p:nvSpPr>
+            <p:cNvPr id="110" name="Flussdiagramm: Dokument 109"/>
+            <p:cNvSpPr/>
+            <p:nvPr/>
+          </p:nvSpPr>
+          <p:spPr>
+            <a:xfrm>
+              <a:off x="5028064" y="865717"/>
+              <a:ext cx="966338" cy="728133"/>
+            </a:xfrm>
+            <a:prstGeom prst="flowChartDocument">
+              <a:avLst/>
+            </a:prstGeom>
+          </p:spPr>
+          <p:style>
+            <a:lnRef idx="2">
+              <a:schemeClr val="accent1">
+                <a:shade val="50000"/>
+              </a:schemeClr>
+            </a:lnRef>
+            <a:fillRef idx="1">
+              <a:schemeClr val="accent1"/>
+            </a:fillRef>
+            <a:effectRef idx="0">
+              <a:schemeClr val="accent1"/>
+            </a:effectRef>
+            <a:fontRef idx="minor">
+              <a:schemeClr val="lt1"/>
+            </a:fontRef>
+          </p:style>
+          <p:txBody>
+            <a:bodyPr rtlCol="0" anchor="ctr"/>
+            <a:lstStyle/>
+            <a:p>
+              <a:pPr algn="ctr"/>
+              <a:r>
+                <a:rPr lang="de-DE" dirty="0" smtClean="0"/>
+                <a:t>Session</a:t>
+              </a:r>
+              <a:endParaRPr lang="de-DE" dirty="0"/>
+            </a:p>
+          </p:txBody>
+        </p:sp>
+      </p:grpSp>
+      <p:cxnSp>
+        <p:nvCxnSpPr>
+          <p:cNvPr id="111" name="Gerade Verbindung mit Pfeil 110"/>
+          <p:cNvCxnSpPr>
+            <a:stCxn id="101" idx="4"/>
+            <a:endCxn id="103" idx="1"/>
+          </p:cNvCxnSpPr>
+          <p:nvPr/>
+        </p:nvCxnSpPr>
+        <p:spPr>
+          <a:xfrm flipV="1">
+            <a:off x="795098" y="3082528"/>
+            <a:ext cx="280169" cy="192043"/>
+          </a:xfrm>
+          <a:prstGeom prst="straightConnector1">
+            <a:avLst/>
+          </a:prstGeom>
+          <a:ln w="41275">
+            <a:headEnd type="stealth"/>
+            <a:tailEnd type="stealth" w="med" len="med"/>
+          </a:ln>
+        </p:spPr>
+        <p:style>
+          <a:lnRef idx="1">
+            <a:schemeClr val="accent1"/>
+          </a:lnRef>
+          <a:fillRef idx="0">
+            <a:schemeClr val="accent1"/>
+          </a:fillRef>
+          <a:effectRef idx="0">
+            <a:schemeClr val="accent1"/>
+          </a:effectRef>
+          <a:fontRef idx="minor">
+            <a:schemeClr val="tx1"/>
+          </a:fontRef>
+        </p:style>
+      </p:cxnSp>
+      <p:grpSp>
+        <p:nvGrpSpPr>
+          <p:cNvPr id="112" name="Gruppieren 111"/>
+          <p:cNvGrpSpPr/>
+          <p:nvPr/>
+        </p:nvGrpSpPr>
+        <p:grpSpPr>
+          <a:xfrm>
+            <a:off x="1153775" y="2813711"/>
+            <a:ext cx="4919135" cy="876300"/>
+            <a:chOff x="1075267" y="791634"/>
+            <a:chExt cx="4919135" cy="876300"/>
+          </a:xfrm>
+        </p:grpSpPr>
+        <p:sp>
+          <p:nvSpPr>
+            <p:cNvPr id="113" name="Flussdiagramm: Prozess 112"/>
+            <p:cNvSpPr/>
+            <p:nvPr/>
+          </p:nvSpPr>
+          <p:spPr>
+            <a:xfrm>
+              <a:off x="1075267" y="791634"/>
+              <a:ext cx="3403600" cy="876300"/>
+            </a:xfrm>
+            <a:prstGeom prst="flowChartProcess">
+              <a:avLst/>
+            </a:prstGeom>
+            <a:solidFill>
+              <a:schemeClr val="bg1">
+                <a:lumMod val="75000"/>
+                <a:alpha val="75000"/>
+              </a:schemeClr>
+            </a:solidFill>
+            <a:ln w="22225">
+              <a:solidFill>
+                <a:schemeClr val="accent1"/>
+              </a:solidFill>
+            </a:ln>
+          </p:spPr>
+          <p:style>
+            <a:lnRef idx="2">
+              <a:schemeClr val="accent1">
+                <a:shade val="50000"/>
+              </a:schemeClr>
+            </a:lnRef>
+            <a:fillRef idx="1">
+              <a:schemeClr val="accent1"/>
+            </a:fillRef>
+            <a:effectRef idx="0">
+              <a:schemeClr val="accent1"/>
+            </a:effectRef>
+            <a:fontRef idx="minor">
+              <a:schemeClr val="lt1"/>
+            </a:fontRef>
+          </p:style>
+          <p:txBody>
+            <a:bodyPr rtlCol="0" anchor="ctr"/>
+            <a:lstStyle/>
+            <a:p>
+              <a:pPr algn="ctr"/>
+              <a:endParaRPr lang="de-DE"/>
+            </a:p>
+          </p:txBody>
+        </p:sp>
+        <p:cxnSp>
+          <p:nvCxnSpPr>
+            <p:cNvPr id="114" name="Gerade Verbindung mit Pfeil 113"/>
+            <p:cNvCxnSpPr>
+              <a:stCxn id="113" idx="3"/>
+              <a:endCxn id="120" idx="1"/>
+            </p:cNvCxnSpPr>
+            <p:nvPr/>
+          </p:nvCxnSpPr>
+          <p:spPr>
+            <a:xfrm>
+              <a:off x="4478867" y="1229784"/>
+              <a:ext cx="549197" cy="0"/>
+            </a:xfrm>
+            <a:prstGeom prst="straightConnector1">
+              <a:avLst/>
+            </a:prstGeom>
+            <a:ln w="41275">
+              <a:headEnd type="stealth"/>
+              <a:tailEnd type="stealth" w="med" len="med"/>
+            </a:ln>
+          </p:spPr>
+          <p:style>
+            <a:lnRef idx="1">
+              <a:schemeClr val="accent1"/>
+            </a:lnRef>
+            <a:fillRef idx="0">
+              <a:schemeClr val="accent1"/>
+            </a:fillRef>
+            <a:effectRef idx="0">
+              <a:schemeClr val="accent1"/>
+            </a:effectRef>
+            <a:fontRef idx="minor">
+              <a:schemeClr val="tx1"/>
+            </a:fontRef>
+          </p:style>
+        </p:cxnSp>
+        <p:sp>
+          <p:nvSpPr>
+            <p:cNvPr id="115" name="Zylinder 114"/>
+            <p:cNvSpPr/>
+            <p:nvPr/>
+          </p:nvSpPr>
+          <p:spPr>
+            <a:xfrm>
+              <a:off x="1153775" y="838969"/>
+              <a:ext cx="655782" cy="798946"/>
+            </a:xfrm>
+            <a:prstGeom prst="can">
+              <a:avLst/>
+            </a:prstGeom>
+          </p:spPr>
+          <p:style>
+            <a:lnRef idx="2">
+              <a:schemeClr val="accent1">
+                <a:shade val="50000"/>
+              </a:schemeClr>
+            </a:lnRef>
+            <a:fillRef idx="1">
+              <a:schemeClr val="accent1"/>
+            </a:fillRef>
+            <a:effectRef idx="0">
+              <a:schemeClr val="accent1"/>
+            </a:effectRef>
+            <a:fontRef idx="minor">
+              <a:schemeClr val="lt1"/>
+            </a:fontRef>
+          </p:style>
+          <p:txBody>
+            <a:bodyPr rtlCol="0" anchor="ctr"/>
+            <a:lstStyle/>
+            <a:p>
+              <a:pPr algn="ctr"/>
+              <a:r>
+                <a:rPr lang="de-DE" sz="1200" dirty="0" smtClean="0"/>
+                <a:t>Session Work-</a:t>
+              </a:r>
+              <a:r>
+                <a:rPr lang="de-DE" sz="1200" dirty="0" err="1" smtClean="0"/>
+                <a:t>space</a:t>
+              </a:r>
+              <a:endParaRPr lang="de-DE" sz="1200" dirty="0"/>
+            </a:p>
+          </p:txBody>
+        </p:sp>
+        <p:sp>
+          <p:nvSpPr>
+            <p:cNvPr id="116" name="Flussdiagramm: Prozess 115"/>
+            <p:cNvSpPr/>
+            <p:nvPr/>
+          </p:nvSpPr>
+          <p:spPr>
+            <a:xfrm>
+              <a:off x="2409151" y="905933"/>
+              <a:ext cx="697346" cy="665018"/>
+            </a:xfrm>
+            <a:prstGeom prst="flowChartProcess">
+              <a:avLst/>
+            </a:prstGeom>
+          </p:spPr>
+          <p:style>
+            <a:lnRef idx="2">
+              <a:schemeClr val="accent1">
+                <a:shade val="50000"/>
+              </a:schemeClr>
+            </a:lnRef>
+            <a:fillRef idx="1">
+              <a:schemeClr val="accent1"/>
+            </a:fillRef>
+            <a:effectRef idx="0">
+              <a:schemeClr val="accent1"/>
+            </a:effectRef>
+            <a:fontRef idx="minor">
+              <a:schemeClr val="lt1"/>
+            </a:fontRef>
+          </p:style>
+          <p:txBody>
+            <a:bodyPr lIns="0" rIns="0" rtlCol="0" anchor="ctr"/>
+            <a:lstStyle/>
+            <a:p>
+              <a:pPr algn="ctr"/>
+              <a:r>
+                <a:rPr lang="de-DE" sz="1400" dirty="0" err="1" smtClean="0"/>
+                <a:t>server.r</a:t>
+              </a:r>
+              <a:endParaRPr lang="de-DE" sz="1400" dirty="0"/>
+            </a:p>
+          </p:txBody>
+        </p:sp>
+        <p:sp>
+          <p:nvSpPr>
+            <p:cNvPr id="117" name="Flussdiagramm: Prozess 116"/>
+            <p:cNvSpPr/>
+            <p:nvPr/>
+          </p:nvSpPr>
+          <p:spPr>
+            <a:xfrm>
+              <a:off x="3725333" y="905933"/>
+              <a:ext cx="697346" cy="665018"/>
+            </a:xfrm>
+            <a:prstGeom prst="flowChartProcess">
+              <a:avLst/>
+            </a:prstGeom>
+          </p:spPr>
+          <p:style>
+            <a:lnRef idx="2">
+              <a:schemeClr val="accent1">
+                <a:shade val="50000"/>
+              </a:schemeClr>
+            </a:lnRef>
+            <a:fillRef idx="1">
+              <a:schemeClr val="accent1"/>
+            </a:fillRef>
+            <a:effectRef idx="0">
+              <a:schemeClr val="accent1"/>
+            </a:effectRef>
+            <a:fontRef idx="minor">
+              <a:schemeClr val="lt1"/>
+            </a:fontRef>
+          </p:style>
+          <p:txBody>
+            <a:bodyPr rtlCol="0" anchor="ctr"/>
+            <a:lstStyle/>
+            <a:p>
+              <a:pPr algn="ctr"/>
+              <a:r>
+                <a:rPr lang="de-DE" sz="1400" dirty="0" err="1" smtClean="0"/>
+                <a:t>ui.r</a:t>
+              </a:r>
+              <a:endParaRPr lang="de-DE" sz="1400" dirty="0"/>
+            </a:p>
+          </p:txBody>
+        </p:sp>
+        <p:cxnSp>
+          <p:nvCxnSpPr>
+            <p:cNvPr id="118" name="Gerade Verbindung mit Pfeil 117"/>
+            <p:cNvCxnSpPr>
+              <a:stCxn id="115" idx="4"/>
+              <a:endCxn id="116" idx="1"/>
+            </p:cNvCxnSpPr>
+            <p:nvPr/>
+          </p:nvCxnSpPr>
+          <p:spPr>
+            <a:xfrm>
+              <a:off x="1809557" y="1238442"/>
+              <a:ext cx="599594" cy="0"/>
+            </a:xfrm>
+            <a:prstGeom prst="straightConnector1">
+              <a:avLst/>
+            </a:prstGeom>
+            <a:ln w="41275">
+              <a:headEnd type="stealth"/>
+              <a:tailEnd type="stealth" w="med" len="med"/>
+            </a:ln>
+          </p:spPr>
+          <p:style>
+            <a:lnRef idx="1">
+              <a:schemeClr val="accent1"/>
+            </a:lnRef>
+            <a:fillRef idx="0">
+              <a:schemeClr val="accent1"/>
+            </a:fillRef>
+            <a:effectRef idx="0">
+              <a:schemeClr val="accent1"/>
+            </a:effectRef>
+            <a:fontRef idx="minor">
+              <a:schemeClr val="tx1"/>
+            </a:fontRef>
+          </p:style>
+        </p:cxnSp>
+        <p:cxnSp>
+          <p:nvCxnSpPr>
+            <p:cNvPr id="119" name="Gerade Verbindung mit Pfeil 118"/>
+            <p:cNvCxnSpPr>
+              <a:stCxn id="116" idx="3"/>
+              <a:endCxn id="117" idx="1"/>
+            </p:cNvCxnSpPr>
+            <p:nvPr/>
+          </p:nvCxnSpPr>
+          <p:spPr>
+            <a:xfrm>
+              <a:off x="3106497" y="1238442"/>
+              <a:ext cx="618836" cy="0"/>
+            </a:xfrm>
+            <a:prstGeom prst="straightConnector1">
+              <a:avLst/>
+            </a:prstGeom>
+            <a:ln w="41275">
+              <a:headEnd type="stealth"/>
+              <a:tailEnd type="stealth" w="med" len="med"/>
+            </a:ln>
+          </p:spPr>
+          <p:style>
+            <a:lnRef idx="1">
+              <a:schemeClr val="accent1"/>
+            </a:lnRef>
+            <a:fillRef idx="0">
+              <a:schemeClr val="accent1"/>
+            </a:fillRef>
+            <a:effectRef idx="0">
+              <a:schemeClr val="accent1"/>
+            </a:effectRef>
+            <a:fontRef idx="minor">
+              <a:schemeClr val="tx1"/>
+            </a:fontRef>
+          </p:style>
+        </p:cxnSp>
+        <p:sp>
+          <p:nvSpPr>
+            <p:cNvPr id="120" name="Flussdiagramm: Dokument 119"/>
+            <p:cNvSpPr/>
+            <p:nvPr/>
+          </p:nvSpPr>
+          <p:spPr>
+            <a:xfrm>
+              <a:off x="5028064" y="865717"/>
+              <a:ext cx="966338" cy="728133"/>
+            </a:xfrm>
+            <a:prstGeom prst="flowChartDocument">
+              <a:avLst/>
+            </a:prstGeom>
+          </p:spPr>
+          <p:style>
+            <a:lnRef idx="2">
+              <a:schemeClr val="accent1">
+                <a:shade val="50000"/>
+              </a:schemeClr>
+            </a:lnRef>
+            <a:fillRef idx="1">
+              <a:schemeClr val="accent1"/>
+            </a:fillRef>
+            <a:effectRef idx="0">
+              <a:schemeClr val="accent1"/>
+            </a:effectRef>
+            <a:fontRef idx="minor">
+              <a:schemeClr val="lt1"/>
+            </a:fontRef>
+          </p:style>
+          <p:txBody>
+            <a:bodyPr rtlCol="0" anchor="ctr"/>
+            <a:lstStyle/>
+            <a:p>
+              <a:pPr algn="ctr"/>
+              <a:r>
+                <a:rPr lang="de-DE" dirty="0" smtClean="0"/>
+                <a:t>Session</a:t>
+              </a:r>
+              <a:endParaRPr lang="de-DE" dirty="0"/>
+            </a:p>
+          </p:txBody>
+        </p:sp>
+      </p:grpSp>
+      <p:grpSp>
+        <p:nvGrpSpPr>
+          <p:cNvPr id="121" name="Gruppieren 120"/>
+          <p:cNvGrpSpPr/>
+          <p:nvPr/>
+        </p:nvGrpSpPr>
+        <p:grpSpPr>
+          <a:xfrm>
+            <a:off x="1265765" y="2985545"/>
+            <a:ext cx="4919135" cy="876300"/>
+            <a:chOff x="1075267" y="791634"/>
+            <a:chExt cx="4919135" cy="876300"/>
+          </a:xfrm>
+        </p:grpSpPr>
+        <p:sp>
+          <p:nvSpPr>
+            <p:cNvPr id="122" name="Flussdiagramm: Prozess 121"/>
+            <p:cNvSpPr/>
+            <p:nvPr/>
+          </p:nvSpPr>
+          <p:spPr>
+            <a:xfrm>
+              <a:off x="1075267" y="791634"/>
+              <a:ext cx="3403600" cy="876300"/>
+            </a:xfrm>
+            <a:prstGeom prst="flowChartProcess">
+              <a:avLst/>
+            </a:prstGeom>
+            <a:solidFill>
+              <a:schemeClr val="bg1">
+                <a:lumMod val="75000"/>
+                <a:alpha val="75000"/>
+              </a:schemeClr>
+            </a:solidFill>
+            <a:ln w="22225">
+              <a:solidFill>
+                <a:schemeClr val="accent1"/>
+              </a:solidFill>
+            </a:ln>
+          </p:spPr>
+          <p:style>
+            <a:lnRef idx="2">
+              <a:schemeClr val="accent1">
+                <a:shade val="50000"/>
+              </a:schemeClr>
+            </a:lnRef>
+            <a:fillRef idx="1">
+              <a:schemeClr val="accent1"/>
+            </a:fillRef>
+            <a:effectRef idx="0">
+              <a:schemeClr val="accent1"/>
+            </a:effectRef>
+            <a:fontRef idx="minor">
+              <a:schemeClr val="lt1"/>
+            </a:fontRef>
+          </p:style>
+          <p:txBody>
+            <a:bodyPr rtlCol="0" anchor="ctr"/>
+            <a:lstStyle/>
+            <a:p>
+              <a:pPr algn="ctr"/>
+              <a:endParaRPr lang="de-DE"/>
+            </a:p>
+          </p:txBody>
+        </p:sp>
+        <p:cxnSp>
+          <p:nvCxnSpPr>
+            <p:cNvPr id="123" name="Gerade Verbindung mit Pfeil 122"/>
+            <p:cNvCxnSpPr>
+              <a:stCxn id="122" idx="3"/>
+              <a:endCxn id="129" idx="1"/>
+            </p:cNvCxnSpPr>
+            <p:nvPr/>
+          </p:nvCxnSpPr>
+          <p:spPr>
+            <a:xfrm>
+              <a:off x="4478867" y="1229784"/>
+              <a:ext cx="549197" cy="0"/>
+            </a:xfrm>
+            <a:prstGeom prst="straightConnector1">
+              <a:avLst/>
+            </a:prstGeom>
+            <a:ln w="41275">
+              <a:headEnd type="stealth"/>
+              <a:tailEnd type="stealth" w="med" len="med"/>
+            </a:ln>
+          </p:spPr>
+          <p:style>
+            <a:lnRef idx="1">
+              <a:schemeClr val="accent1"/>
+            </a:lnRef>
+            <a:fillRef idx="0">
+              <a:schemeClr val="accent1"/>
+            </a:fillRef>
+            <a:effectRef idx="0">
+              <a:schemeClr val="accent1"/>
+            </a:effectRef>
+            <a:fontRef idx="minor">
+              <a:schemeClr val="tx1"/>
+            </a:fontRef>
+          </p:style>
+        </p:cxnSp>
+        <p:sp>
+          <p:nvSpPr>
+            <p:cNvPr id="124" name="Zylinder 123"/>
+            <p:cNvSpPr/>
+            <p:nvPr/>
+          </p:nvSpPr>
+          <p:spPr>
+            <a:xfrm>
+              <a:off x="1153775" y="838969"/>
+              <a:ext cx="655782" cy="798946"/>
+            </a:xfrm>
+            <a:prstGeom prst="can">
+              <a:avLst/>
+            </a:prstGeom>
+          </p:spPr>
+          <p:style>
+            <a:lnRef idx="2">
+              <a:schemeClr val="accent1">
+                <a:shade val="50000"/>
+              </a:schemeClr>
+            </a:lnRef>
+            <a:fillRef idx="1">
+              <a:schemeClr val="accent1"/>
+            </a:fillRef>
+            <a:effectRef idx="0">
+              <a:schemeClr val="accent1"/>
+            </a:effectRef>
+            <a:fontRef idx="minor">
+              <a:schemeClr val="lt1"/>
+            </a:fontRef>
+          </p:style>
+          <p:txBody>
+            <a:bodyPr rtlCol="0" anchor="ctr"/>
+            <a:lstStyle/>
+            <a:p>
+              <a:pPr algn="ctr"/>
+              <a:r>
+                <a:rPr lang="de-DE" sz="1200" dirty="0" smtClean="0"/>
+                <a:t>Session Work-</a:t>
+              </a:r>
+              <a:r>
+                <a:rPr lang="de-DE" sz="1200" dirty="0" err="1" smtClean="0"/>
+                <a:t>space</a:t>
+              </a:r>
+              <a:endParaRPr lang="de-DE" sz="1200" dirty="0"/>
+            </a:p>
+          </p:txBody>
+        </p:sp>
+        <p:sp>
+          <p:nvSpPr>
+            <p:cNvPr id="125" name="Flussdiagramm: Prozess 124"/>
+            <p:cNvSpPr/>
+            <p:nvPr/>
+          </p:nvSpPr>
+          <p:spPr>
+            <a:xfrm>
+              <a:off x="2409151" y="905933"/>
+              <a:ext cx="697346" cy="665018"/>
+            </a:xfrm>
+            <a:prstGeom prst="flowChartProcess">
+              <a:avLst/>
+            </a:prstGeom>
+          </p:spPr>
+          <p:style>
+            <a:lnRef idx="2">
+              <a:schemeClr val="accent1">
+                <a:shade val="50000"/>
+              </a:schemeClr>
+            </a:lnRef>
+            <a:fillRef idx="1">
+              <a:schemeClr val="accent1"/>
+            </a:fillRef>
+            <a:effectRef idx="0">
+              <a:schemeClr val="accent1"/>
+            </a:effectRef>
+            <a:fontRef idx="minor">
+              <a:schemeClr val="lt1"/>
+            </a:fontRef>
+          </p:style>
+          <p:txBody>
+            <a:bodyPr lIns="0" rIns="0" rtlCol="0" anchor="ctr"/>
+            <a:lstStyle/>
+            <a:p>
+              <a:pPr algn="ctr"/>
+              <a:r>
+                <a:rPr lang="de-DE" sz="1400" dirty="0" err="1" smtClean="0"/>
+                <a:t>server.r</a:t>
+              </a:r>
+              <a:endParaRPr lang="de-DE" sz="1400" dirty="0"/>
+            </a:p>
+          </p:txBody>
+        </p:sp>
+        <p:sp>
+          <p:nvSpPr>
+            <p:cNvPr id="126" name="Flussdiagramm: Prozess 125"/>
+            <p:cNvSpPr/>
+            <p:nvPr/>
+          </p:nvSpPr>
+          <p:spPr>
+            <a:xfrm>
+              <a:off x="3725333" y="905933"/>
+              <a:ext cx="697346" cy="665018"/>
+            </a:xfrm>
+            <a:prstGeom prst="flowChartProcess">
+              <a:avLst/>
+            </a:prstGeom>
+          </p:spPr>
+          <p:style>
+            <a:lnRef idx="2">
+              <a:schemeClr val="accent1">
+                <a:shade val="50000"/>
+              </a:schemeClr>
+            </a:lnRef>
+            <a:fillRef idx="1">
+              <a:schemeClr val="accent1"/>
+            </a:fillRef>
+            <a:effectRef idx="0">
+              <a:schemeClr val="accent1"/>
+            </a:effectRef>
+            <a:fontRef idx="minor">
+              <a:schemeClr val="lt1"/>
+            </a:fontRef>
+          </p:style>
+          <p:txBody>
+            <a:bodyPr rtlCol="0" anchor="ctr"/>
+            <a:lstStyle/>
+            <a:p>
+              <a:pPr algn="ctr"/>
+              <a:r>
+                <a:rPr lang="de-DE" sz="1400" dirty="0" err="1" smtClean="0"/>
+                <a:t>ui.r</a:t>
+              </a:r>
+              <a:endParaRPr lang="de-DE" sz="1400" dirty="0"/>
+            </a:p>
+          </p:txBody>
+        </p:sp>
+        <p:cxnSp>
+          <p:nvCxnSpPr>
+            <p:cNvPr id="127" name="Gerade Verbindung mit Pfeil 126"/>
+            <p:cNvCxnSpPr>
+              <a:stCxn id="124" idx="4"/>
+              <a:endCxn id="125" idx="1"/>
+            </p:cNvCxnSpPr>
+            <p:nvPr/>
+          </p:nvCxnSpPr>
+          <p:spPr>
+            <a:xfrm>
+              <a:off x="1809557" y="1238442"/>
+              <a:ext cx="599594" cy="0"/>
+            </a:xfrm>
+            <a:prstGeom prst="straightConnector1">
+              <a:avLst/>
+            </a:prstGeom>
+            <a:ln w="41275">
+              <a:headEnd type="stealth"/>
+              <a:tailEnd type="stealth" w="med" len="med"/>
+            </a:ln>
+          </p:spPr>
+          <p:style>
+            <a:lnRef idx="1">
+              <a:schemeClr val="accent1"/>
+            </a:lnRef>
+            <a:fillRef idx="0">
+              <a:schemeClr val="accent1"/>
+            </a:fillRef>
+            <a:effectRef idx="0">
+              <a:schemeClr val="accent1"/>
+            </a:effectRef>
+            <a:fontRef idx="minor">
+              <a:schemeClr val="tx1"/>
+            </a:fontRef>
+          </p:style>
+        </p:cxnSp>
+        <p:cxnSp>
+          <p:nvCxnSpPr>
+            <p:cNvPr id="128" name="Gerade Verbindung mit Pfeil 127"/>
+            <p:cNvCxnSpPr>
+              <a:stCxn id="125" idx="3"/>
+              <a:endCxn id="126" idx="1"/>
+            </p:cNvCxnSpPr>
+            <p:nvPr/>
+          </p:nvCxnSpPr>
+          <p:spPr>
+            <a:xfrm>
+              <a:off x="3106497" y="1238442"/>
+              <a:ext cx="618836" cy="0"/>
+            </a:xfrm>
+            <a:prstGeom prst="straightConnector1">
+              <a:avLst/>
+            </a:prstGeom>
+            <a:ln w="41275">
+              <a:headEnd type="stealth"/>
+              <a:tailEnd type="stealth" w="med" len="med"/>
+            </a:ln>
+          </p:spPr>
+          <p:style>
+            <a:lnRef idx="1">
+              <a:schemeClr val="accent1"/>
+            </a:lnRef>
+            <a:fillRef idx="0">
+              <a:schemeClr val="accent1"/>
+            </a:fillRef>
+            <a:effectRef idx="0">
+              <a:schemeClr val="accent1"/>
+            </a:effectRef>
+            <a:fontRef idx="minor">
+              <a:schemeClr val="tx1"/>
+            </a:fontRef>
+          </p:style>
+        </p:cxnSp>
+        <p:sp>
+          <p:nvSpPr>
+            <p:cNvPr id="129" name="Flussdiagramm: Dokument 128"/>
+            <p:cNvSpPr/>
+            <p:nvPr/>
+          </p:nvSpPr>
+          <p:spPr>
+            <a:xfrm>
+              <a:off x="5028064" y="865717"/>
+              <a:ext cx="966338" cy="728133"/>
+            </a:xfrm>
+            <a:prstGeom prst="flowChartDocument">
+              <a:avLst/>
+            </a:prstGeom>
+          </p:spPr>
+          <p:style>
+            <a:lnRef idx="2">
+              <a:schemeClr val="accent1">
+                <a:shade val="50000"/>
+              </a:schemeClr>
+            </a:lnRef>
+            <a:fillRef idx="1">
+              <a:schemeClr val="accent1"/>
+            </a:fillRef>
+            <a:effectRef idx="0">
+              <a:schemeClr val="accent1"/>
+            </a:effectRef>
+            <a:fontRef idx="minor">
+              <a:schemeClr val="lt1"/>
+            </a:fontRef>
+          </p:style>
+          <p:txBody>
+            <a:bodyPr rtlCol="0" anchor="ctr"/>
+            <a:lstStyle/>
+            <a:p>
+              <a:pPr algn="ctr"/>
+              <a:r>
+                <a:rPr lang="de-DE" dirty="0" smtClean="0"/>
+                <a:t>Session</a:t>
+              </a:r>
+              <a:endParaRPr lang="de-DE" dirty="0"/>
+            </a:p>
+          </p:txBody>
+        </p:sp>
+      </p:grpSp>
+      <p:cxnSp>
+        <p:nvCxnSpPr>
+          <p:cNvPr id="130" name="Gerade Verbindung mit Pfeil 129"/>
+          <p:cNvCxnSpPr>
+            <a:stCxn id="101" idx="4"/>
+            <a:endCxn id="113" idx="1"/>
+          </p:cNvCxnSpPr>
+          <p:nvPr/>
+        </p:nvCxnSpPr>
+        <p:spPr>
+          <a:xfrm flipV="1">
+            <a:off x="795098" y="3251861"/>
+            <a:ext cx="358677" cy="22710"/>
+          </a:xfrm>
+          <a:prstGeom prst="straightConnector1">
+            <a:avLst/>
+          </a:prstGeom>
+          <a:ln w="41275">
+            <a:headEnd type="stealth"/>
+            <a:tailEnd type="stealth" w="med" len="med"/>
+          </a:ln>
+        </p:spPr>
+        <p:style>
+          <a:lnRef idx="1">
+            <a:schemeClr val="accent1"/>
+          </a:lnRef>
+          <a:fillRef idx="0">
+            <a:schemeClr val="accent1"/>
+          </a:fillRef>
+          <a:effectRef idx="0">
+            <a:schemeClr val="accent1"/>
+          </a:effectRef>
+          <a:fontRef idx="minor">
+            <a:schemeClr val="tx1"/>
+          </a:fontRef>
+        </p:style>
+      </p:cxnSp>
+      <p:cxnSp>
+        <p:nvCxnSpPr>
+          <p:cNvPr id="131" name="Gerade Verbindung mit Pfeil 130"/>
+          <p:cNvCxnSpPr>
+            <a:stCxn id="101" idx="4"/>
+            <a:endCxn id="122" idx="1"/>
+          </p:cNvCxnSpPr>
+          <p:nvPr/>
+        </p:nvCxnSpPr>
+        <p:spPr>
+          <a:xfrm>
+            <a:off x="795098" y="3274571"/>
+            <a:ext cx="470667" cy="149124"/>
+          </a:xfrm>
+          <a:prstGeom prst="straightConnector1">
+            <a:avLst/>
+          </a:prstGeom>
+          <a:ln w="41275">
+            <a:headEnd type="stealth"/>
+            <a:tailEnd type="stealth" w="med" len="med"/>
+          </a:ln>
+        </p:spPr>
+        <p:style>
+          <a:lnRef idx="1">
+            <a:schemeClr val="accent1"/>
+          </a:lnRef>
+          <a:fillRef idx="0">
+            <a:schemeClr val="accent1"/>
+          </a:fillRef>
+          <a:effectRef idx="0">
+            <a:schemeClr val="accent1"/>
+          </a:effectRef>
+          <a:fontRef idx="minor">
+            <a:schemeClr val="tx1"/>
+          </a:fontRef>
+        </p:style>
+      </p:cxnSp>
+      <p:sp>
+        <p:nvSpPr>
+          <p:cNvPr id="132" name="Textfeld 131"/>
+          <p:cNvSpPr txBox="1"/>
+          <p:nvPr/>
+        </p:nvSpPr>
+        <p:spPr>
+          <a:xfrm>
+            <a:off x="5342006" y="4403604"/>
+            <a:ext cx="814262" cy="369332"/>
+          </a:xfrm>
+          <a:prstGeom prst="rect">
+            <a:avLst/>
+          </a:prstGeom>
+          <a:noFill/>
+        </p:spPr>
+        <p:txBody>
+          <a:bodyPr wrap="none" rtlCol="0">
+            <a:spAutoFit/>
+          </a:bodyPr>
+          <a:lstStyle/>
+          <a:p>
+            <a:r>
+              <a:rPr lang="de-DE" dirty="0" smtClean="0"/>
+              <a:t>Nutzer</a:t>
+            </a:r>
+            <a:endParaRPr lang="de-DE" dirty="0"/>
+          </a:p>
+        </p:txBody>
+      </p:sp>
+      <p:sp>
+        <p:nvSpPr>
+          <p:cNvPr id="133" name="Textfeld 132"/>
+          <p:cNvSpPr txBox="1"/>
+          <p:nvPr/>
+        </p:nvSpPr>
+        <p:spPr>
+          <a:xfrm>
+            <a:off x="803563" y="4409751"/>
+            <a:ext cx="747512" cy="369332"/>
+          </a:xfrm>
+          <a:prstGeom prst="rect">
+            <a:avLst/>
+          </a:prstGeom>
+          <a:noFill/>
+        </p:spPr>
+        <p:txBody>
+          <a:bodyPr wrap="none" rtlCol="0">
+            <a:spAutoFit/>
+          </a:bodyPr>
+          <a:lstStyle/>
+          <a:p>
+            <a:r>
+              <a:rPr lang="de-DE" dirty="0" smtClean="0"/>
+              <a:t>Daten</a:t>
+            </a:r>
+            <a:endParaRPr lang="de-DE" dirty="0"/>
+          </a:p>
+        </p:txBody>
+      </p:sp>
+      <p:sp>
+        <p:nvSpPr>
+          <p:cNvPr id="134" name="Textfeld 133"/>
+          <p:cNvSpPr txBox="1"/>
+          <p:nvPr/>
+        </p:nvSpPr>
+        <p:spPr>
+          <a:xfrm>
+            <a:off x="2617506" y="4404193"/>
+            <a:ext cx="785664" cy="369332"/>
+          </a:xfrm>
+          <a:prstGeom prst="rect">
+            <a:avLst/>
+          </a:prstGeom>
+          <a:noFill/>
+        </p:spPr>
+        <p:txBody>
+          <a:bodyPr wrap="none" rtlCol="0">
+            <a:spAutoFit/>
+          </a:bodyPr>
+          <a:lstStyle/>
+          <a:p>
+            <a:r>
+              <a:rPr lang="de-DE" dirty="0" smtClean="0"/>
+              <a:t>Server</a:t>
+            </a:r>
+            <a:endParaRPr lang="de-DE" dirty="0"/>
+          </a:p>
+        </p:txBody>
+      </p:sp>
+      <p:sp>
+        <p:nvSpPr>
+          <p:cNvPr id="135" name="Textfeld 134"/>
+          <p:cNvSpPr txBox="1"/>
+          <p:nvPr/>
+        </p:nvSpPr>
+        <p:spPr>
+          <a:xfrm>
+            <a:off x="4156417" y="4403604"/>
+            <a:ext cx="389850" cy="369332"/>
+          </a:xfrm>
+          <a:prstGeom prst="rect">
+            <a:avLst/>
+          </a:prstGeom>
+          <a:noFill/>
+        </p:spPr>
+        <p:txBody>
+          <a:bodyPr wrap="none" rtlCol="0">
+            <a:spAutoFit/>
+          </a:bodyPr>
+          <a:lstStyle/>
+          <a:p>
+            <a:r>
+              <a:rPr lang="de-DE" dirty="0" smtClean="0"/>
+              <a:t>UI</a:t>
+            </a:r>
+            <a:endParaRPr lang="de-DE" dirty="0"/>
+          </a:p>
+        </p:txBody>
+      </p:sp>
+      <p:sp>
+        <p:nvSpPr>
+          <p:cNvPr id="136" name="Zylinder 135"/>
+          <p:cNvSpPr/>
+          <p:nvPr/>
+        </p:nvSpPr>
+        <p:spPr>
+          <a:xfrm>
+            <a:off x="273503" y="4818686"/>
+            <a:ext cx="655782" cy="798946"/>
+          </a:xfrm>
+          <a:prstGeom prst="can">
+            <a:avLst/>
+          </a:prstGeom>
+        </p:spPr>
+        <p:style>
+          <a:lnRef idx="2">
+            <a:schemeClr val="accent1">
+              <a:shade val="50000"/>
+            </a:schemeClr>
+          </a:lnRef>
+          <a:fillRef idx="1">
+            <a:schemeClr val="accent1"/>
+          </a:fillRef>
+          <a:effectRef idx="0">
+            <a:schemeClr val="accent1"/>
+          </a:effectRef>
+          <a:fontRef idx="minor">
+            <a:schemeClr val="lt1"/>
+          </a:fontRef>
+        </p:style>
+        <p:txBody>
+          <a:bodyPr lIns="0" rIns="0" rtlCol="0" anchor="ctr"/>
+          <a:lstStyle/>
+          <a:p>
+            <a:pPr algn="ctr"/>
+            <a:r>
+              <a:rPr lang="de-DE" sz="1200" dirty="0" smtClean="0"/>
+              <a:t>Globaler Work-</a:t>
+            </a:r>
+            <a:r>
+              <a:rPr lang="de-DE" sz="1200" dirty="0" err="1" smtClean="0"/>
+              <a:t>space</a:t>
+            </a:r>
+            <a:endParaRPr lang="de-DE" sz="1200" dirty="0"/>
+          </a:p>
+        </p:txBody>
+      </p:sp>
+      <p:grpSp>
+        <p:nvGrpSpPr>
+          <p:cNvPr id="137" name="Gruppieren 136"/>
+          <p:cNvGrpSpPr/>
+          <p:nvPr/>
+        </p:nvGrpSpPr>
+        <p:grpSpPr>
+          <a:xfrm>
+            <a:off x="1313171" y="4815416"/>
+            <a:ext cx="4919135" cy="876300"/>
+            <a:chOff x="1075267" y="791634"/>
+            <a:chExt cx="4919135" cy="876300"/>
+          </a:xfrm>
+        </p:grpSpPr>
+        <p:sp>
+          <p:nvSpPr>
+            <p:cNvPr id="138" name="Flussdiagramm: Prozess 137"/>
+            <p:cNvSpPr/>
+            <p:nvPr/>
+          </p:nvSpPr>
+          <p:spPr>
+            <a:xfrm>
+              <a:off x="1075267" y="791634"/>
+              <a:ext cx="3403600" cy="876300"/>
+            </a:xfrm>
+            <a:prstGeom prst="flowChartProcess">
+              <a:avLst/>
+            </a:prstGeom>
+            <a:solidFill>
+              <a:schemeClr val="bg1">
+                <a:lumMod val="75000"/>
+                <a:alpha val="75000"/>
+              </a:schemeClr>
+            </a:solidFill>
+            <a:ln w="22225">
+              <a:solidFill>
+                <a:schemeClr val="accent1"/>
+              </a:solidFill>
+            </a:ln>
+          </p:spPr>
+          <p:style>
+            <a:lnRef idx="2">
+              <a:schemeClr val="accent1">
+                <a:shade val="50000"/>
+              </a:schemeClr>
+            </a:lnRef>
+            <a:fillRef idx="1">
+              <a:schemeClr val="accent1"/>
+            </a:fillRef>
+            <a:effectRef idx="0">
+              <a:schemeClr val="accent1"/>
+            </a:effectRef>
+            <a:fontRef idx="minor">
+              <a:schemeClr val="lt1"/>
+            </a:fontRef>
+          </p:style>
+          <p:txBody>
+            <a:bodyPr rtlCol="0" anchor="ctr"/>
+            <a:lstStyle/>
+            <a:p>
+              <a:pPr algn="ctr"/>
+              <a:endParaRPr lang="de-DE"/>
+            </a:p>
+          </p:txBody>
+        </p:sp>
+        <p:cxnSp>
+          <p:nvCxnSpPr>
+            <p:cNvPr id="139" name="Gerade Verbindung mit Pfeil 138"/>
+            <p:cNvCxnSpPr>
+              <a:stCxn id="138" idx="3"/>
+              <a:endCxn id="145" idx="1"/>
+            </p:cNvCxnSpPr>
+            <p:nvPr/>
+          </p:nvCxnSpPr>
+          <p:spPr>
+            <a:xfrm>
+              <a:off x="4478867" y="1229784"/>
+              <a:ext cx="549197" cy="0"/>
+            </a:xfrm>
+            <a:prstGeom prst="straightConnector1">
+              <a:avLst/>
+            </a:prstGeom>
+            <a:ln w="41275">
+              <a:headEnd type="stealth"/>
+              <a:tailEnd type="stealth" w="med" len="med"/>
+            </a:ln>
+          </p:spPr>
+          <p:style>
+            <a:lnRef idx="1">
+              <a:schemeClr val="accent1"/>
+            </a:lnRef>
+            <a:fillRef idx="0">
+              <a:schemeClr val="accent1"/>
+            </a:fillRef>
+            <a:effectRef idx="0">
+              <a:schemeClr val="accent1"/>
+            </a:effectRef>
+            <a:fontRef idx="minor">
+              <a:schemeClr val="tx1"/>
+            </a:fontRef>
+          </p:style>
+        </p:cxnSp>
+        <p:sp>
+          <p:nvSpPr>
+            <p:cNvPr id="140" name="Zylinder 139"/>
+            <p:cNvSpPr/>
+            <p:nvPr/>
+          </p:nvSpPr>
+          <p:spPr>
+            <a:xfrm>
+              <a:off x="1153775" y="838969"/>
+              <a:ext cx="655782" cy="798946"/>
+            </a:xfrm>
+            <a:prstGeom prst="can">
+              <a:avLst/>
+            </a:prstGeom>
+          </p:spPr>
+          <p:style>
+            <a:lnRef idx="2">
+              <a:schemeClr val="accent1">
+                <a:shade val="50000"/>
+              </a:schemeClr>
+            </a:lnRef>
+            <a:fillRef idx="1">
+              <a:schemeClr val="accent1"/>
+            </a:fillRef>
+            <a:effectRef idx="0">
+              <a:schemeClr val="accent1"/>
+            </a:effectRef>
+            <a:fontRef idx="minor">
+              <a:schemeClr val="lt1"/>
+            </a:fontRef>
+          </p:style>
+          <p:txBody>
+            <a:bodyPr rtlCol="0" anchor="ctr"/>
+            <a:lstStyle/>
+            <a:p>
+              <a:pPr algn="ctr"/>
+              <a:r>
+                <a:rPr lang="de-DE" sz="1200" dirty="0" smtClean="0"/>
+                <a:t>Session Work-</a:t>
+              </a:r>
+              <a:r>
+                <a:rPr lang="de-DE" sz="1200" dirty="0" err="1" smtClean="0"/>
+                <a:t>space</a:t>
+              </a:r>
+              <a:endParaRPr lang="de-DE" sz="1200" dirty="0"/>
+            </a:p>
+          </p:txBody>
+        </p:sp>
+        <p:sp>
+          <p:nvSpPr>
+            <p:cNvPr id="141" name="Flussdiagramm: Prozess 140"/>
+            <p:cNvSpPr/>
+            <p:nvPr/>
+          </p:nvSpPr>
+          <p:spPr>
+            <a:xfrm>
+              <a:off x="2409151" y="905933"/>
+              <a:ext cx="697346" cy="665018"/>
+            </a:xfrm>
+            <a:prstGeom prst="flowChartProcess">
+              <a:avLst/>
+            </a:prstGeom>
+          </p:spPr>
+          <p:style>
+            <a:lnRef idx="2">
+              <a:schemeClr val="accent1">
+                <a:shade val="50000"/>
+              </a:schemeClr>
+            </a:lnRef>
+            <a:fillRef idx="1">
+              <a:schemeClr val="accent1"/>
+            </a:fillRef>
+            <a:effectRef idx="0">
+              <a:schemeClr val="accent1"/>
+            </a:effectRef>
+            <a:fontRef idx="minor">
+              <a:schemeClr val="lt1"/>
+            </a:fontRef>
+          </p:style>
+          <p:txBody>
+            <a:bodyPr lIns="0" rIns="0" rtlCol="0" anchor="ctr"/>
+            <a:lstStyle/>
+            <a:p>
+              <a:pPr algn="ctr"/>
+              <a:r>
+                <a:rPr lang="de-DE" sz="1400" dirty="0" err="1" smtClean="0"/>
+                <a:t>server.r</a:t>
+              </a:r>
+              <a:endParaRPr lang="de-DE" sz="1400" dirty="0"/>
+            </a:p>
+          </p:txBody>
+        </p:sp>
+        <p:sp>
+          <p:nvSpPr>
+            <p:cNvPr id="142" name="Flussdiagramm: Prozess 141"/>
+            <p:cNvSpPr/>
+            <p:nvPr/>
+          </p:nvSpPr>
+          <p:spPr>
+            <a:xfrm>
+              <a:off x="3725333" y="905933"/>
+              <a:ext cx="697346" cy="665018"/>
+            </a:xfrm>
+            <a:prstGeom prst="flowChartProcess">
+              <a:avLst/>
+            </a:prstGeom>
+          </p:spPr>
+          <p:style>
+            <a:lnRef idx="2">
+              <a:schemeClr val="accent1">
+                <a:shade val="50000"/>
+              </a:schemeClr>
+            </a:lnRef>
+            <a:fillRef idx="1">
+              <a:schemeClr val="accent1"/>
+            </a:fillRef>
+            <a:effectRef idx="0">
+              <a:schemeClr val="accent1"/>
+            </a:effectRef>
+            <a:fontRef idx="minor">
+              <a:schemeClr val="lt1"/>
+            </a:fontRef>
+          </p:style>
+          <p:txBody>
+            <a:bodyPr rtlCol="0" anchor="ctr"/>
+            <a:lstStyle/>
+            <a:p>
+              <a:pPr algn="ctr"/>
+              <a:r>
+                <a:rPr lang="de-DE" sz="1400" dirty="0" err="1" smtClean="0"/>
+                <a:t>ui.r</a:t>
+              </a:r>
+              <a:endParaRPr lang="de-DE" sz="1400" dirty="0"/>
+            </a:p>
+          </p:txBody>
+        </p:sp>
+        <p:cxnSp>
+          <p:nvCxnSpPr>
+            <p:cNvPr id="143" name="Gerade Verbindung mit Pfeil 142"/>
+            <p:cNvCxnSpPr>
+              <a:stCxn id="140" idx="4"/>
+              <a:endCxn id="141" idx="1"/>
+            </p:cNvCxnSpPr>
+            <p:nvPr/>
+          </p:nvCxnSpPr>
+          <p:spPr>
+            <a:xfrm>
+              <a:off x="1809557" y="1238442"/>
+              <a:ext cx="599594" cy="0"/>
+            </a:xfrm>
+            <a:prstGeom prst="straightConnector1">
+              <a:avLst/>
+            </a:prstGeom>
+            <a:ln w="41275">
+              <a:headEnd type="stealth"/>
+              <a:tailEnd type="stealth" w="med" len="med"/>
+            </a:ln>
+          </p:spPr>
+          <p:style>
+            <a:lnRef idx="1">
+              <a:schemeClr val="accent1"/>
+            </a:lnRef>
+            <a:fillRef idx="0">
+              <a:schemeClr val="accent1"/>
+            </a:fillRef>
+            <a:effectRef idx="0">
+              <a:schemeClr val="accent1"/>
+            </a:effectRef>
+            <a:fontRef idx="minor">
+              <a:schemeClr val="tx1"/>
+            </a:fontRef>
+          </p:style>
+        </p:cxnSp>
+        <p:cxnSp>
+          <p:nvCxnSpPr>
+            <p:cNvPr id="144" name="Gerade Verbindung mit Pfeil 143"/>
+            <p:cNvCxnSpPr>
+              <a:stCxn id="141" idx="3"/>
+              <a:endCxn id="142" idx="1"/>
+            </p:cNvCxnSpPr>
+            <p:nvPr/>
+          </p:nvCxnSpPr>
+          <p:spPr>
+            <a:xfrm>
+              <a:off x="3106497" y="1238442"/>
+              <a:ext cx="618836" cy="0"/>
+            </a:xfrm>
+            <a:prstGeom prst="straightConnector1">
+              <a:avLst/>
+            </a:prstGeom>
+            <a:ln w="41275">
+              <a:headEnd type="stealth"/>
+              <a:tailEnd type="stealth" w="med" len="med"/>
+            </a:ln>
+          </p:spPr>
+          <p:style>
+            <a:lnRef idx="1">
+              <a:schemeClr val="accent1"/>
+            </a:lnRef>
+            <a:fillRef idx="0">
+              <a:schemeClr val="accent1"/>
+            </a:fillRef>
+            <a:effectRef idx="0">
+              <a:schemeClr val="accent1"/>
+            </a:effectRef>
+            <a:fontRef idx="minor">
+              <a:schemeClr val="tx1"/>
+            </a:fontRef>
+          </p:style>
+        </p:cxnSp>
+        <p:sp>
+          <p:nvSpPr>
+            <p:cNvPr id="145" name="Flussdiagramm: Dokument 144"/>
+            <p:cNvSpPr/>
+            <p:nvPr/>
+          </p:nvSpPr>
+          <p:spPr>
+            <a:xfrm>
+              <a:off x="5028064" y="865717"/>
+              <a:ext cx="966338" cy="728133"/>
+            </a:xfrm>
+            <a:prstGeom prst="flowChartDocument">
+              <a:avLst/>
+            </a:prstGeom>
+          </p:spPr>
+          <p:style>
+            <a:lnRef idx="2">
+              <a:schemeClr val="accent1">
+                <a:shade val="50000"/>
+              </a:schemeClr>
+            </a:lnRef>
+            <a:fillRef idx="1">
+              <a:schemeClr val="accent1"/>
+            </a:fillRef>
+            <a:effectRef idx="0">
+              <a:schemeClr val="accent1"/>
+            </a:effectRef>
+            <a:fontRef idx="minor">
+              <a:schemeClr val="lt1"/>
+            </a:fontRef>
+          </p:style>
+          <p:txBody>
+            <a:bodyPr rtlCol="0" anchor="ctr"/>
+            <a:lstStyle/>
+            <a:p>
+              <a:pPr algn="ctr"/>
+              <a:r>
+                <a:rPr lang="de-DE" dirty="0" smtClean="0"/>
+                <a:t>Session</a:t>
+              </a:r>
+              <a:endParaRPr lang="de-DE" dirty="0"/>
+            </a:p>
+          </p:txBody>
+        </p:sp>
+      </p:grpSp>
+      <p:cxnSp>
+        <p:nvCxnSpPr>
+          <p:cNvPr id="146" name="Gerade Verbindung mit Pfeil 145"/>
+          <p:cNvCxnSpPr>
+            <a:stCxn id="136" idx="4"/>
+            <a:endCxn id="138" idx="1"/>
+          </p:cNvCxnSpPr>
+          <p:nvPr/>
+        </p:nvCxnSpPr>
+        <p:spPr>
+          <a:xfrm>
+            <a:off x="929285" y="5218159"/>
+            <a:ext cx="383886" cy="35407"/>
+          </a:xfrm>
+          <a:prstGeom prst="straightConnector1">
+            <a:avLst/>
+          </a:prstGeom>
+          <a:ln w="41275">
+            <a:headEnd type="none"/>
+            <a:tailEnd type="stealth" w="med" len="med"/>
+          </a:ln>
+        </p:spPr>
+        <p:style>
+          <a:lnRef idx="1">
+            <a:schemeClr val="accent1"/>
+          </a:lnRef>
+          <a:fillRef idx="0">
+            <a:schemeClr val="accent1"/>
+          </a:fillRef>
+          <a:effectRef idx="0">
+            <a:schemeClr val="accent1"/>
+          </a:effectRef>
+          <a:fontRef idx="minor">
+            <a:schemeClr val="tx1"/>
+          </a:fontRef>
+        </p:style>
+      </p:cxnSp>
+      <p:grpSp>
+        <p:nvGrpSpPr>
+          <p:cNvPr id="147" name="Gruppieren 146"/>
+          <p:cNvGrpSpPr/>
+          <p:nvPr/>
+        </p:nvGrpSpPr>
+        <p:grpSpPr>
+          <a:xfrm>
+            <a:off x="1391679" y="4984749"/>
+            <a:ext cx="4919135" cy="876300"/>
+            <a:chOff x="1075267" y="791634"/>
+            <a:chExt cx="4919135" cy="876300"/>
+          </a:xfrm>
+        </p:grpSpPr>
+        <p:sp>
+          <p:nvSpPr>
+            <p:cNvPr id="148" name="Flussdiagramm: Prozess 147"/>
+            <p:cNvSpPr/>
+            <p:nvPr/>
+          </p:nvSpPr>
+          <p:spPr>
+            <a:xfrm>
+              <a:off x="1075267" y="791634"/>
+              <a:ext cx="3403600" cy="876300"/>
+            </a:xfrm>
+            <a:prstGeom prst="flowChartProcess">
+              <a:avLst/>
+            </a:prstGeom>
+            <a:solidFill>
+              <a:schemeClr val="bg1">
+                <a:lumMod val="75000"/>
+                <a:alpha val="75000"/>
+              </a:schemeClr>
+            </a:solidFill>
+            <a:ln w="22225">
+              <a:solidFill>
+                <a:schemeClr val="accent1"/>
+              </a:solidFill>
+            </a:ln>
+          </p:spPr>
+          <p:style>
+            <a:lnRef idx="2">
+              <a:schemeClr val="accent1">
+                <a:shade val="50000"/>
+              </a:schemeClr>
+            </a:lnRef>
+            <a:fillRef idx="1">
+              <a:schemeClr val="accent1"/>
+            </a:fillRef>
+            <a:effectRef idx="0">
+              <a:schemeClr val="accent1"/>
+            </a:effectRef>
+            <a:fontRef idx="minor">
+              <a:schemeClr val="lt1"/>
+            </a:fontRef>
+          </p:style>
+          <p:txBody>
+            <a:bodyPr rtlCol="0" anchor="ctr"/>
+            <a:lstStyle/>
+            <a:p>
+              <a:pPr algn="ctr"/>
+              <a:endParaRPr lang="de-DE"/>
+            </a:p>
+          </p:txBody>
+        </p:sp>
+        <p:cxnSp>
+          <p:nvCxnSpPr>
+            <p:cNvPr id="149" name="Gerade Verbindung mit Pfeil 148"/>
+            <p:cNvCxnSpPr>
+              <a:stCxn id="148" idx="3"/>
+              <a:endCxn id="155" idx="1"/>
+            </p:cNvCxnSpPr>
+            <p:nvPr/>
+          </p:nvCxnSpPr>
+          <p:spPr>
+            <a:xfrm>
+              <a:off x="4478867" y="1229784"/>
+              <a:ext cx="549197" cy="0"/>
+            </a:xfrm>
+            <a:prstGeom prst="straightConnector1">
+              <a:avLst/>
+            </a:prstGeom>
+            <a:ln w="41275">
+              <a:headEnd type="stealth"/>
+              <a:tailEnd type="stealth" w="med" len="med"/>
+            </a:ln>
+          </p:spPr>
+          <p:style>
+            <a:lnRef idx="1">
+              <a:schemeClr val="accent1"/>
+            </a:lnRef>
+            <a:fillRef idx="0">
+              <a:schemeClr val="accent1"/>
+            </a:fillRef>
+            <a:effectRef idx="0">
+              <a:schemeClr val="accent1"/>
+            </a:effectRef>
+            <a:fontRef idx="minor">
+              <a:schemeClr val="tx1"/>
+            </a:fontRef>
+          </p:style>
+        </p:cxnSp>
+        <p:sp>
+          <p:nvSpPr>
+            <p:cNvPr id="150" name="Zylinder 149"/>
+            <p:cNvSpPr/>
+            <p:nvPr/>
+          </p:nvSpPr>
+          <p:spPr>
+            <a:xfrm>
+              <a:off x="1153775" y="838969"/>
+              <a:ext cx="655782" cy="798946"/>
+            </a:xfrm>
+            <a:prstGeom prst="can">
+              <a:avLst/>
+            </a:prstGeom>
+          </p:spPr>
+          <p:style>
+            <a:lnRef idx="2">
+              <a:schemeClr val="accent1">
+                <a:shade val="50000"/>
+              </a:schemeClr>
+            </a:lnRef>
+            <a:fillRef idx="1">
+              <a:schemeClr val="accent1"/>
+            </a:fillRef>
+            <a:effectRef idx="0">
+              <a:schemeClr val="accent1"/>
+            </a:effectRef>
+            <a:fontRef idx="minor">
+              <a:schemeClr val="lt1"/>
+            </a:fontRef>
+          </p:style>
+          <p:txBody>
+            <a:bodyPr rtlCol="0" anchor="ctr"/>
+            <a:lstStyle/>
+            <a:p>
+              <a:pPr algn="ctr"/>
+              <a:r>
+                <a:rPr lang="de-DE" sz="1200" dirty="0" smtClean="0"/>
+                <a:t>Session Work-</a:t>
+              </a:r>
+              <a:r>
+                <a:rPr lang="de-DE" sz="1200" dirty="0" err="1" smtClean="0"/>
+                <a:t>space</a:t>
+              </a:r>
+              <a:endParaRPr lang="de-DE" sz="1200" dirty="0"/>
+            </a:p>
+          </p:txBody>
+        </p:sp>
+        <p:sp>
+          <p:nvSpPr>
+            <p:cNvPr id="151" name="Flussdiagramm: Prozess 150"/>
+            <p:cNvSpPr/>
+            <p:nvPr/>
+          </p:nvSpPr>
+          <p:spPr>
+            <a:xfrm>
+              <a:off x="2409151" y="905933"/>
+              <a:ext cx="697346" cy="665018"/>
+            </a:xfrm>
+            <a:prstGeom prst="flowChartProcess">
+              <a:avLst/>
+            </a:prstGeom>
+          </p:spPr>
+          <p:style>
+            <a:lnRef idx="2">
+              <a:schemeClr val="accent1">
+                <a:shade val="50000"/>
+              </a:schemeClr>
+            </a:lnRef>
+            <a:fillRef idx="1">
+              <a:schemeClr val="accent1"/>
+            </a:fillRef>
+            <a:effectRef idx="0">
+              <a:schemeClr val="accent1"/>
+            </a:effectRef>
+            <a:fontRef idx="minor">
+              <a:schemeClr val="lt1"/>
+            </a:fontRef>
+          </p:style>
+          <p:txBody>
+            <a:bodyPr lIns="0" rIns="0" rtlCol="0" anchor="ctr"/>
+            <a:lstStyle/>
+            <a:p>
+              <a:pPr algn="ctr"/>
+              <a:r>
+                <a:rPr lang="de-DE" sz="1400" dirty="0" err="1" smtClean="0"/>
+                <a:t>server.r</a:t>
+              </a:r>
+              <a:endParaRPr lang="de-DE" sz="1400" dirty="0"/>
+            </a:p>
+          </p:txBody>
+        </p:sp>
+        <p:sp>
+          <p:nvSpPr>
+            <p:cNvPr id="152" name="Flussdiagramm: Prozess 151"/>
+            <p:cNvSpPr/>
+            <p:nvPr/>
+          </p:nvSpPr>
+          <p:spPr>
+            <a:xfrm>
+              <a:off x="3725333" y="905933"/>
+              <a:ext cx="697346" cy="665018"/>
+            </a:xfrm>
+            <a:prstGeom prst="flowChartProcess">
+              <a:avLst/>
+            </a:prstGeom>
+          </p:spPr>
+          <p:style>
+            <a:lnRef idx="2">
+              <a:schemeClr val="accent1">
+                <a:shade val="50000"/>
+              </a:schemeClr>
+            </a:lnRef>
+            <a:fillRef idx="1">
+              <a:schemeClr val="accent1"/>
+            </a:fillRef>
+            <a:effectRef idx="0">
+              <a:schemeClr val="accent1"/>
+            </a:effectRef>
+            <a:fontRef idx="minor">
+              <a:schemeClr val="lt1"/>
+            </a:fontRef>
+          </p:style>
+          <p:txBody>
+            <a:bodyPr rtlCol="0" anchor="ctr"/>
+            <a:lstStyle/>
+            <a:p>
+              <a:pPr algn="ctr"/>
+              <a:r>
+                <a:rPr lang="de-DE" sz="1400" dirty="0" err="1" smtClean="0"/>
+                <a:t>ui.r</a:t>
+              </a:r>
+              <a:endParaRPr lang="de-DE" sz="1400" dirty="0"/>
+            </a:p>
+          </p:txBody>
+        </p:sp>
+        <p:cxnSp>
+          <p:nvCxnSpPr>
+            <p:cNvPr id="153" name="Gerade Verbindung mit Pfeil 152"/>
+            <p:cNvCxnSpPr>
+              <a:stCxn id="150" idx="4"/>
+              <a:endCxn id="151" idx="1"/>
+            </p:cNvCxnSpPr>
+            <p:nvPr/>
+          </p:nvCxnSpPr>
+          <p:spPr>
+            <a:xfrm>
+              <a:off x="1809557" y="1238442"/>
+              <a:ext cx="599594" cy="0"/>
+            </a:xfrm>
+            <a:prstGeom prst="straightConnector1">
+              <a:avLst/>
+            </a:prstGeom>
+            <a:ln w="41275">
+              <a:headEnd type="stealth"/>
+              <a:tailEnd type="stealth" w="med" len="med"/>
+            </a:ln>
+          </p:spPr>
+          <p:style>
+            <a:lnRef idx="1">
+              <a:schemeClr val="accent1"/>
+            </a:lnRef>
+            <a:fillRef idx="0">
+              <a:schemeClr val="accent1"/>
+            </a:fillRef>
+            <a:effectRef idx="0">
+              <a:schemeClr val="accent1"/>
+            </a:effectRef>
+            <a:fontRef idx="minor">
+              <a:schemeClr val="tx1"/>
+            </a:fontRef>
+          </p:style>
+        </p:cxnSp>
+        <p:cxnSp>
+          <p:nvCxnSpPr>
+            <p:cNvPr id="154" name="Gerade Verbindung mit Pfeil 153"/>
+            <p:cNvCxnSpPr>
+              <a:stCxn id="151" idx="3"/>
+              <a:endCxn id="152" idx="1"/>
+            </p:cNvCxnSpPr>
+            <p:nvPr/>
+          </p:nvCxnSpPr>
+          <p:spPr>
+            <a:xfrm>
+              <a:off x="3106497" y="1238442"/>
+              <a:ext cx="618836" cy="0"/>
+            </a:xfrm>
+            <a:prstGeom prst="straightConnector1">
+              <a:avLst/>
+            </a:prstGeom>
+            <a:ln w="41275">
+              <a:headEnd type="stealth"/>
+              <a:tailEnd type="stealth" w="med" len="med"/>
+            </a:ln>
+          </p:spPr>
+          <p:style>
+            <a:lnRef idx="1">
+              <a:schemeClr val="accent1"/>
+            </a:lnRef>
+            <a:fillRef idx="0">
+              <a:schemeClr val="accent1"/>
+            </a:fillRef>
+            <a:effectRef idx="0">
+              <a:schemeClr val="accent1"/>
+            </a:effectRef>
+            <a:fontRef idx="minor">
+              <a:schemeClr val="tx1"/>
+            </a:fontRef>
+          </p:style>
+        </p:cxnSp>
+        <p:sp>
+          <p:nvSpPr>
+            <p:cNvPr id="155" name="Flussdiagramm: Dokument 154"/>
+            <p:cNvSpPr/>
+            <p:nvPr/>
+          </p:nvSpPr>
+          <p:spPr>
+            <a:xfrm>
+              <a:off x="5028064" y="865717"/>
+              <a:ext cx="966338" cy="728133"/>
+            </a:xfrm>
+            <a:prstGeom prst="flowChartDocument">
+              <a:avLst/>
+            </a:prstGeom>
+          </p:spPr>
+          <p:style>
+            <a:lnRef idx="2">
+              <a:schemeClr val="accent1">
+                <a:shade val="50000"/>
+              </a:schemeClr>
+            </a:lnRef>
+            <a:fillRef idx="1">
+              <a:schemeClr val="accent1"/>
+            </a:fillRef>
+            <a:effectRef idx="0">
+              <a:schemeClr val="accent1"/>
+            </a:effectRef>
+            <a:fontRef idx="minor">
+              <a:schemeClr val="lt1"/>
+            </a:fontRef>
+          </p:style>
+          <p:txBody>
+            <a:bodyPr rtlCol="0" anchor="ctr"/>
+            <a:lstStyle/>
+            <a:p>
+              <a:pPr algn="ctr"/>
+              <a:r>
+                <a:rPr lang="de-DE" dirty="0" smtClean="0"/>
+                <a:t>Session</a:t>
+              </a:r>
+              <a:endParaRPr lang="de-DE" dirty="0"/>
+            </a:p>
+          </p:txBody>
+        </p:sp>
+      </p:grpSp>
+      <p:grpSp>
+        <p:nvGrpSpPr>
+          <p:cNvPr id="156" name="Gruppieren 155"/>
+          <p:cNvGrpSpPr/>
+          <p:nvPr/>
+        </p:nvGrpSpPr>
+        <p:grpSpPr>
+          <a:xfrm>
+            <a:off x="1503669" y="5156583"/>
+            <a:ext cx="4919135" cy="876300"/>
+            <a:chOff x="1075267" y="791634"/>
+            <a:chExt cx="4919135" cy="876300"/>
+          </a:xfrm>
+        </p:grpSpPr>
+        <p:sp>
+          <p:nvSpPr>
+            <p:cNvPr id="157" name="Flussdiagramm: Prozess 156"/>
+            <p:cNvSpPr/>
+            <p:nvPr/>
+          </p:nvSpPr>
+          <p:spPr>
+            <a:xfrm>
+              <a:off x="1075267" y="791634"/>
+              <a:ext cx="3403600" cy="876300"/>
+            </a:xfrm>
+            <a:prstGeom prst="flowChartProcess">
+              <a:avLst/>
+            </a:prstGeom>
+            <a:solidFill>
+              <a:schemeClr val="bg1">
+                <a:lumMod val="75000"/>
+                <a:alpha val="75000"/>
+              </a:schemeClr>
+            </a:solidFill>
+            <a:ln w="22225">
+              <a:solidFill>
+                <a:schemeClr val="accent1"/>
+              </a:solidFill>
+            </a:ln>
+          </p:spPr>
+          <p:style>
+            <a:lnRef idx="2">
+              <a:schemeClr val="accent1">
+                <a:shade val="50000"/>
+              </a:schemeClr>
+            </a:lnRef>
+            <a:fillRef idx="1">
+              <a:schemeClr val="accent1"/>
+            </a:fillRef>
+            <a:effectRef idx="0">
+              <a:schemeClr val="accent1"/>
+            </a:effectRef>
+            <a:fontRef idx="minor">
+              <a:schemeClr val="lt1"/>
+            </a:fontRef>
+          </p:style>
+          <p:txBody>
+            <a:bodyPr rtlCol="0" anchor="ctr"/>
+            <a:lstStyle/>
+            <a:p>
+              <a:pPr algn="ctr"/>
+              <a:endParaRPr lang="de-DE"/>
+            </a:p>
+          </p:txBody>
+        </p:sp>
+        <p:cxnSp>
+          <p:nvCxnSpPr>
+            <p:cNvPr id="158" name="Gerade Verbindung mit Pfeil 157"/>
+            <p:cNvCxnSpPr>
+              <a:stCxn id="157" idx="3"/>
+              <a:endCxn id="164" idx="1"/>
+            </p:cNvCxnSpPr>
+            <p:nvPr/>
+          </p:nvCxnSpPr>
+          <p:spPr>
+            <a:xfrm>
+              <a:off x="4478867" y="1229784"/>
+              <a:ext cx="549197" cy="0"/>
+            </a:xfrm>
+            <a:prstGeom prst="straightConnector1">
+              <a:avLst/>
+            </a:prstGeom>
+            <a:ln w="41275">
+              <a:headEnd type="stealth"/>
+              <a:tailEnd type="stealth" w="med" len="med"/>
+            </a:ln>
+          </p:spPr>
+          <p:style>
+            <a:lnRef idx="1">
+              <a:schemeClr val="accent1"/>
+            </a:lnRef>
+            <a:fillRef idx="0">
+              <a:schemeClr val="accent1"/>
+            </a:fillRef>
+            <a:effectRef idx="0">
+              <a:schemeClr val="accent1"/>
+            </a:effectRef>
+            <a:fontRef idx="minor">
+              <a:schemeClr val="tx1"/>
+            </a:fontRef>
+          </p:style>
+        </p:cxnSp>
+        <p:sp>
+          <p:nvSpPr>
+            <p:cNvPr id="159" name="Zylinder 158"/>
+            <p:cNvSpPr/>
+            <p:nvPr/>
+          </p:nvSpPr>
+          <p:spPr>
+            <a:xfrm>
+              <a:off x="1153775" y="838969"/>
+              <a:ext cx="655782" cy="798946"/>
+            </a:xfrm>
+            <a:prstGeom prst="can">
+              <a:avLst/>
+            </a:prstGeom>
+          </p:spPr>
+          <p:style>
+            <a:lnRef idx="2">
+              <a:schemeClr val="accent1">
+                <a:shade val="50000"/>
+              </a:schemeClr>
+            </a:lnRef>
+            <a:fillRef idx="1">
+              <a:schemeClr val="accent1"/>
+            </a:fillRef>
+            <a:effectRef idx="0">
+              <a:schemeClr val="accent1"/>
+            </a:effectRef>
+            <a:fontRef idx="minor">
+              <a:schemeClr val="lt1"/>
+            </a:fontRef>
+          </p:style>
+          <p:txBody>
+            <a:bodyPr rtlCol="0" anchor="ctr"/>
+            <a:lstStyle/>
+            <a:p>
+              <a:pPr algn="ctr"/>
+              <a:r>
+                <a:rPr lang="de-DE" sz="1200" dirty="0" smtClean="0"/>
+                <a:t>Session Work-</a:t>
+              </a:r>
+              <a:r>
+                <a:rPr lang="de-DE" sz="1200" dirty="0" err="1" smtClean="0"/>
+                <a:t>space</a:t>
+              </a:r>
+              <a:endParaRPr lang="de-DE" sz="1200" dirty="0"/>
+            </a:p>
+          </p:txBody>
+        </p:sp>
+        <p:sp>
+          <p:nvSpPr>
+            <p:cNvPr id="160" name="Flussdiagramm: Prozess 159"/>
+            <p:cNvSpPr/>
+            <p:nvPr/>
+          </p:nvSpPr>
+          <p:spPr>
+            <a:xfrm>
+              <a:off x="2409151" y="905933"/>
+              <a:ext cx="697346" cy="665018"/>
+            </a:xfrm>
+            <a:prstGeom prst="flowChartProcess">
+              <a:avLst/>
+            </a:prstGeom>
+          </p:spPr>
+          <p:style>
+            <a:lnRef idx="2">
+              <a:schemeClr val="accent1">
+                <a:shade val="50000"/>
+              </a:schemeClr>
+            </a:lnRef>
+            <a:fillRef idx="1">
+              <a:schemeClr val="accent1"/>
+            </a:fillRef>
+            <a:effectRef idx="0">
+              <a:schemeClr val="accent1"/>
+            </a:effectRef>
+            <a:fontRef idx="minor">
+              <a:schemeClr val="lt1"/>
+            </a:fontRef>
+          </p:style>
+          <p:txBody>
+            <a:bodyPr lIns="0" rIns="0" rtlCol="0" anchor="ctr"/>
+            <a:lstStyle/>
+            <a:p>
+              <a:pPr algn="ctr"/>
+              <a:r>
+                <a:rPr lang="de-DE" sz="1400" dirty="0" err="1" smtClean="0"/>
+                <a:t>server.r</a:t>
+              </a:r>
+              <a:endParaRPr lang="de-DE" sz="1400" dirty="0"/>
+            </a:p>
+          </p:txBody>
+        </p:sp>
+        <p:sp>
+          <p:nvSpPr>
+            <p:cNvPr id="161" name="Flussdiagramm: Prozess 160"/>
+            <p:cNvSpPr/>
+            <p:nvPr/>
+          </p:nvSpPr>
+          <p:spPr>
+            <a:xfrm>
+              <a:off x="3725333" y="905933"/>
+              <a:ext cx="697346" cy="665018"/>
+            </a:xfrm>
+            <a:prstGeom prst="flowChartProcess">
+              <a:avLst/>
+            </a:prstGeom>
+          </p:spPr>
+          <p:style>
+            <a:lnRef idx="2">
+              <a:schemeClr val="accent1">
+                <a:shade val="50000"/>
+              </a:schemeClr>
+            </a:lnRef>
+            <a:fillRef idx="1">
+              <a:schemeClr val="accent1"/>
+            </a:fillRef>
+            <a:effectRef idx="0">
+              <a:schemeClr val="accent1"/>
+            </a:effectRef>
+            <a:fontRef idx="minor">
+              <a:schemeClr val="lt1"/>
+            </a:fontRef>
+          </p:style>
+          <p:txBody>
+            <a:bodyPr rtlCol="0" anchor="ctr"/>
+            <a:lstStyle/>
+            <a:p>
+              <a:pPr algn="ctr"/>
+              <a:r>
+                <a:rPr lang="de-DE" sz="1400" dirty="0" err="1" smtClean="0"/>
+                <a:t>ui.r</a:t>
+              </a:r>
+              <a:endParaRPr lang="de-DE" sz="1400" dirty="0"/>
+            </a:p>
+          </p:txBody>
+        </p:sp>
+        <p:cxnSp>
+          <p:nvCxnSpPr>
+            <p:cNvPr id="162" name="Gerade Verbindung mit Pfeil 161"/>
+            <p:cNvCxnSpPr>
+              <a:stCxn id="159" idx="4"/>
+              <a:endCxn id="160" idx="1"/>
+            </p:cNvCxnSpPr>
+            <p:nvPr/>
+          </p:nvCxnSpPr>
+          <p:spPr>
+            <a:xfrm>
+              <a:off x="1809557" y="1238442"/>
+              <a:ext cx="599594" cy="0"/>
+            </a:xfrm>
+            <a:prstGeom prst="straightConnector1">
+              <a:avLst/>
+            </a:prstGeom>
+            <a:ln w="41275">
+              <a:headEnd type="stealth"/>
+              <a:tailEnd type="stealth" w="med" len="med"/>
+            </a:ln>
+          </p:spPr>
+          <p:style>
+            <a:lnRef idx="1">
+              <a:schemeClr val="accent1"/>
+            </a:lnRef>
+            <a:fillRef idx="0">
+              <a:schemeClr val="accent1"/>
+            </a:fillRef>
+            <a:effectRef idx="0">
+              <a:schemeClr val="accent1"/>
+            </a:effectRef>
+            <a:fontRef idx="minor">
+              <a:schemeClr val="tx1"/>
+            </a:fontRef>
+          </p:style>
+        </p:cxnSp>
+        <p:cxnSp>
+          <p:nvCxnSpPr>
+            <p:cNvPr id="163" name="Gerade Verbindung mit Pfeil 162"/>
+            <p:cNvCxnSpPr>
+              <a:stCxn id="160" idx="3"/>
+              <a:endCxn id="161" idx="1"/>
+            </p:cNvCxnSpPr>
+            <p:nvPr/>
+          </p:nvCxnSpPr>
+          <p:spPr>
+            <a:xfrm>
+              <a:off x="3106497" y="1238442"/>
+              <a:ext cx="618836" cy="0"/>
+            </a:xfrm>
+            <a:prstGeom prst="straightConnector1">
+              <a:avLst/>
+            </a:prstGeom>
+            <a:ln w="41275">
+              <a:headEnd type="stealth"/>
+              <a:tailEnd type="stealth" w="med" len="med"/>
+            </a:ln>
+          </p:spPr>
+          <p:style>
+            <a:lnRef idx="1">
+              <a:schemeClr val="accent1"/>
+            </a:lnRef>
+            <a:fillRef idx="0">
+              <a:schemeClr val="accent1"/>
+            </a:fillRef>
+            <a:effectRef idx="0">
+              <a:schemeClr val="accent1"/>
+            </a:effectRef>
+            <a:fontRef idx="minor">
+              <a:schemeClr val="tx1"/>
+            </a:fontRef>
+          </p:style>
+        </p:cxnSp>
+        <p:sp>
+          <p:nvSpPr>
+            <p:cNvPr id="164" name="Flussdiagramm: Dokument 163"/>
+            <p:cNvSpPr/>
+            <p:nvPr/>
+          </p:nvSpPr>
+          <p:spPr>
+            <a:xfrm>
+              <a:off x="5028064" y="865717"/>
+              <a:ext cx="966338" cy="728133"/>
+            </a:xfrm>
+            <a:prstGeom prst="flowChartDocument">
+              <a:avLst/>
+            </a:prstGeom>
+          </p:spPr>
+          <p:style>
+            <a:lnRef idx="2">
+              <a:schemeClr val="accent1">
+                <a:shade val="50000"/>
+              </a:schemeClr>
+            </a:lnRef>
+            <a:fillRef idx="1">
+              <a:schemeClr val="accent1"/>
+            </a:fillRef>
+            <a:effectRef idx="0">
+              <a:schemeClr val="accent1"/>
+            </a:effectRef>
+            <a:fontRef idx="minor">
+              <a:schemeClr val="lt1"/>
+            </a:fontRef>
+          </p:style>
+          <p:txBody>
+            <a:bodyPr rtlCol="0" anchor="ctr"/>
+            <a:lstStyle/>
+            <a:p>
+              <a:pPr algn="ctr"/>
+              <a:r>
+                <a:rPr lang="de-DE" dirty="0" smtClean="0"/>
+                <a:t>Session</a:t>
+              </a:r>
+              <a:endParaRPr lang="de-DE" dirty="0"/>
+            </a:p>
+          </p:txBody>
+        </p:sp>
+      </p:grpSp>
+      <p:cxnSp>
+        <p:nvCxnSpPr>
+          <p:cNvPr id="165" name="Gerade Verbindung mit Pfeil 164"/>
+          <p:cNvCxnSpPr>
+            <a:stCxn id="136" idx="4"/>
+            <a:endCxn id="148" idx="1"/>
+          </p:cNvCxnSpPr>
+          <p:nvPr/>
+        </p:nvCxnSpPr>
+        <p:spPr>
+          <a:xfrm>
+            <a:off x="929285" y="5218159"/>
+            <a:ext cx="462394" cy="204740"/>
+          </a:xfrm>
+          <a:prstGeom prst="straightConnector1">
+            <a:avLst/>
+          </a:prstGeom>
+          <a:ln w="41275">
+            <a:headEnd type="none"/>
+            <a:tailEnd type="stealth" w="med" len="med"/>
+          </a:ln>
+        </p:spPr>
+        <p:style>
+          <a:lnRef idx="1">
+            <a:schemeClr val="accent1"/>
+          </a:lnRef>
+          <a:fillRef idx="0">
+            <a:schemeClr val="accent1"/>
+          </a:fillRef>
+          <a:effectRef idx="0">
+            <a:schemeClr val="accent1"/>
+          </a:effectRef>
+          <a:fontRef idx="minor">
+            <a:schemeClr val="tx1"/>
+          </a:fontRef>
+        </p:style>
+      </p:cxnSp>
+      <p:cxnSp>
+        <p:nvCxnSpPr>
+          <p:cNvPr id="166" name="Gerade Verbindung mit Pfeil 165"/>
+          <p:cNvCxnSpPr>
+            <a:stCxn id="136" idx="4"/>
+            <a:endCxn id="157" idx="1"/>
+          </p:cNvCxnSpPr>
+          <p:nvPr/>
+        </p:nvCxnSpPr>
+        <p:spPr>
+          <a:xfrm>
+            <a:off x="929285" y="5218159"/>
+            <a:ext cx="574384" cy="376574"/>
+          </a:xfrm>
+          <a:prstGeom prst="straightConnector1">
+            <a:avLst/>
+          </a:prstGeom>
+          <a:ln w="41275">
+            <a:headEnd type="none"/>
+            <a:tailEnd type="stealth" w="med" len="med"/>
+          </a:ln>
+        </p:spPr>
+        <p:style>
+          <a:lnRef idx="1">
+            <a:schemeClr val="accent1"/>
+          </a:lnRef>
+          <a:fillRef idx="0">
+            <a:schemeClr val="accent1"/>
+          </a:fillRef>
+          <a:effectRef idx="0">
+            <a:schemeClr val="accent1"/>
+          </a:effectRef>
+          <a:fontRef idx="minor">
+            <a:schemeClr val="tx1"/>
+          </a:fontRef>
+        </p:style>
+      </p:cxnSp>
+      <p:sp>
+        <p:nvSpPr>
+          <p:cNvPr id="170" name="Flussdiagramm: Datenträger mit sequenziellem Zugriff 169"/>
+          <p:cNvSpPr/>
+          <p:nvPr/>
+        </p:nvSpPr>
+        <p:spPr>
+          <a:xfrm>
+            <a:off x="309033" y="5778308"/>
+            <a:ext cx="635834" cy="614026"/>
+          </a:xfrm>
+          <a:prstGeom prst="flowChartMagneticTape">
+            <a:avLst/>
+          </a:prstGeom>
+        </p:spPr>
+        <p:style>
+          <a:lnRef idx="2">
+            <a:schemeClr val="accent1">
+              <a:shade val="50000"/>
+            </a:schemeClr>
+          </a:lnRef>
+          <a:fillRef idx="1">
+            <a:schemeClr val="accent1"/>
+          </a:fillRef>
+          <a:effectRef idx="0">
+            <a:schemeClr val="accent1"/>
+          </a:effectRef>
+          <a:fontRef idx="minor">
+            <a:schemeClr val="lt1"/>
+          </a:fontRef>
+        </p:style>
+        <p:txBody>
+          <a:bodyPr lIns="0" rIns="0" rtlCol="0" anchor="ctr"/>
+          <a:lstStyle/>
+          <a:p>
+            <a:pPr algn="ctr"/>
+            <a:r>
+              <a:rPr lang="de-DE" sz="1400" dirty="0" smtClean="0"/>
+              <a:t>Datei</a:t>
+            </a:r>
+            <a:endParaRPr lang="de-DE" sz="1400" dirty="0"/>
+          </a:p>
+        </p:txBody>
+      </p:sp>
+      <p:cxnSp>
+        <p:nvCxnSpPr>
+          <p:cNvPr id="171" name="Gerade Verbindung mit Pfeil 170"/>
+          <p:cNvCxnSpPr>
+            <a:stCxn id="170" idx="3"/>
+          </p:cNvCxnSpPr>
+          <p:nvPr/>
+        </p:nvCxnSpPr>
+        <p:spPr>
+          <a:xfrm flipV="1">
+            <a:off x="944867" y="5691716"/>
+            <a:ext cx="368304" cy="393605"/>
+          </a:xfrm>
+          <a:prstGeom prst="straightConnector1">
+            <a:avLst/>
+          </a:prstGeom>
+          <a:ln w="41275">
+            <a:headEnd type="stealth"/>
+            <a:tailEnd type="stealth" w="med" len="med"/>
+          </a:ln>
+        </p:spPr>
+        <p:style>
+          <a:lnRef idx="1">
+            <a:schemeClr val="accent1"/>
+          </a:lnRef>
+          <a:fillRef idx="0">
+            <a:schemeClr val="accent1"/>
+          </a:fillRef>
+          <a:effectRef idx="0">
+            <a:schemeClr val="accent1"/>
+          </a:effectRef>
+          <a:fontRef idx="minor">
+            <a:schemeClr val="tx1"/>
+          </a:fontRef>
+        </p:style>
+      </p:cxnSp>
+      <p:cxnSp>
+        <p:nvCxnSpPr>
+          <p:cNvPr id="174" name="Gerade Verbindung mit Pfeil 173"/>
+          <p:cNvCxnSpPr>
+            <a:stCxn id="170" idx="3"/>
+          </p:cNvCxnSpPr>
+          <p:nvPr/>
+        </p:nvCxnSpPr>
+        <p:spPr>
+          <a:xfrm flipV="1">
+            <a:off x="944867" y="5861049"/>
+            <a:ext cx="446812" cy="224272"/>
+          </a:xfrm>
+          <a:prstGeom prst="straightConnector1">
+            <a:avLst/>
+          </a:prstGeom>
+          <a:ln w="41275">
+            <a:headEnd type="stealth"/>
+            <a:tailEnd type="stealth" w="med" len="med"/>
+          </a:ln>
+        </p:spPr>
+        <p:style>
+          <a:lnRef idx="1">
+            <a:schemeClr val="accent1"/>
+          </a:lnRef>
+          <a:fillRef idx="0">
+            <a:schemeClr val="accent1"/>
+          </a:fillRef>
+          <a:effectRef idx="0">
+            <a:schemeClr val="accent1"/>
+          </a:effectRef>
+          <a:fontRef idx="minor">
+            <a:schemeClr val="tx1"/>
+          </a:fontRef>
+        </p:style>
+      </p:cxnSp>
+      <p:cxnSp>
+        <p:nvCxnSpPr>
+          <p:cNvPr id="177" name="Gerade Verbindung mit Pfeil 176"/>
+          <p:cNvCxnSpPr>
+            <a:stCxn id="170" idx="3"/>
+          </p:cNvCxnSpPr>
+          <p:nvPr/>
+        </p:nvCxnSpPr>
+        <p:spPr>
+          <a:xfrm flipV="1">
+            <a:off x="944867" y="6044624"/>
+            <a:ext cx="558802" cy="40697"/>
+          </a:xfrm>
+          <a:prstGeom prst="straightConnector1">
+            <a:avLst/>
+          </a:prstGeom>
+          <a:ln w="41275">
+            <a:headEnd type="stealth"/>
+            <a:tailEnd type="stealth" w="med" len="med"/>
+          </a:ln>
+        </p:spPr>
+        <p:style>
+          <a:lnRef idx="1">
+            <a:schemeClr val="accent1"/>
+          </a:lnRef>
+          <a:fillRef idx="0">
+            <a:schemeClr val="accent1"/>
+          </a:fillRef>
+          <a:effectRef idx="0">
+            <a:schemeClr val="accent1"/>
+          </a:effectRef>
+          <a:fontRef idx="minor">
+            <a:schemeClr val="tx1"/>
+          </a:fontRef>
+        </p:style>
+      </p:cxnSp>
+    </p:spTree>
+    <p:extLst>
+      <p:ext uri="{BB962C8B-B14F-4D97-AF65-F5344CB8AC3E}">
+        <p14:creationId xmlns:p14="http://schemas.microsoft.com/office/powerpoint/2010/main" val="1180594274"/>
+      </p:ext>
+    </p:extLst>
+  </p:cSld>
+  <p:clrMapOvr>
+    <a:masterClrMapping/>
+  </p:clrMapOvr>
+</p:sld>
+</file>
+
+<file path=ppt/slides/slide6.xml><?xml version="1.0" encoding="utf-8"?>
+<p:sld xmlns:a="http://schemas.openxmlformats.org/drawingml/2006/main" xmlns:r="http://schemas.openxmlformats.org/officeDocument/2006/relationships" xmlns:p="http://schemas.openxmlformats.org/presentationml/2006/main">
+  <p:cSld>
+    <p:spTree>
+      <p:nvGrpSpPr>
+        <p:cNvPr id="1" name=""/>
+        <p:cNvGrpSpPr/>
+        <p:nvPr/>
+      </p:nvGrpSpPr>
+      <p:grpSpPr>
+        <a:xfrm>
+          <a:off x="0" y="0"/>
+          <a:ext cx="0" cy="0"/>
+          <a:chOff x="0" y="0"/>
+          <a:chExt cx="0" cy="0"/>
+        </a:xfrm>
+      </p:grpSpPr>
+      <p:pic>
+        <p:nvPicPr>
+          <p:cNvPr id="5" name="Grafik 4"/>
+          <p:cNvPicPr>
+            <a:picLocks noChangeAspect="1"/>
+          </p:cNvPicPr>
+          <p:nvPr/>
+        </p:nvPicPr>
+        <p:blipFill rotWithShape="1">
+          <a:blip r:embed="rId2"/>
+          <a:srcRect t="16498"/>
+          <a:stretch/>
+        </p:blipFill>
+        <p:spPr>
+          <a:xfrm>
+            <a:off x="2530763" y="2254393"/>
+            <a:ext cx="5941815" cy="3891688"/>
+          </a:xfrm>
+          <a:prstGeom prst="rect">
+            <a:avLst/>
+          </a:prstGeom>
+        </p:spPr>
+      </p:pic>
+      <p:pic>
+        <p:nvPicPr>
+          <p:cNvPr id="4" name="Grafik 3"/>
+          <p:cNvPicPr>
+            <a:picLocks noChangeAspect="1"/>
+          </p:cNvPicPr>
+          <p:nvPr/>
+        </p:nvPicPr>
+        <p:blipFill rotWithShape="1">
+          <a:blip r:embed="rId3"/>
+          <a:srcRect l="22272" t="14747" r="3812" b="22155"/>
+          <a:stretch/>
+        </p:blipFill>
+        <p:spPr>
+          <a:xfrm>
+            <a:off x="748145" y="272473"/>
+            <a:ext cx="4641273" cy="4327236"/>
+          </a:xfrm>
+          <a:prstGeom prst="rect">
+            <a:avLst/>
+          </a:prstGeom>
+        </p:spPr>
+      </p:pic>
+    </p:spTree>
+    <p:extLst>
+      <p:ext uri="{BB962C8B-B14F-4D97-AF65-F5344CB8AC3E}">
+        <p14:creationId xmlns:p14="http://schemas.microsoft.com/office/powerpoint/2010/main" val="2086807050"/>
+      </p:ext>
+    </p:extLst>
+  </p:cSld>
+  <p:clrMapOvr>
+    <a:masterClrMapping/>
+  </p:clrMapOvr>
+</p:sld>
+</file>
+
 <file path=ppt/theme/theme1.xml><?xml version="1.0" encoding="utf-8"?>
 <a:theme xmlns:a="http://schemas.openxmlformats.org/drawingml/2006/main" name="Office Theme">
   <a:themeElements>

--- a/figures/!figs.pptx
+++ b/figures/!figs.pptx
@@ -11,6 +11,8 @@
     <p:sldId id="259" r:id="rId5"/>
     <p:sldId id="260" r:id="rId6"/>
     <p:sldId id="261" r:id="rId7"/>
+    <p:sldId id="262" r:id="rId8"/>
+    <p:sldId id="263" r:id="rId9"/>
   </p:sldIdLst>
   <p:sldSz cx="12192000" cy="6858000"/>
   <p:notesSz cx="6858000" cy="9144000"/>
@@ -248,7 +250,7 @@
           <a:p>
             <a:fld id="{B77274E5-FC3A-4BE9-80CA-C6B6470116DF}" type="datetimeFigureOut">
               <a:rPr lang="de-DE" smtClean="0"/>
-              <a:t>27.04.2021</a:t>
+              <a:t>29.04.2021</a:t>
             </a:fld>
             <a:endParaRPr lang="de-DE"/>
           </a:p>
@@ -418,7 +420,7 @@
           <a:p>
             <a:fld id="{B77274E5-FC3A-4BE9-80CA-C6B6470116DF}" type="datetimeFigureOut">
               <a:rPr lang="de-DE" smtClean="0"/>
-              <a:t>27.04.2021</a:t>
+              <a:t>29.04.2021</a:t>
             </a:fld>
             <a:endParaRPr lang="de-DE"/>
           </a:p>
@@ -598,7 +600,7 @@
           <a:p>
             <a:fld id="{B77274E5-FC3A-4BE9-80CA-C6B6470116DF}" type="datetimeFigureOut">
               <a:rPr lang="de-DE" smtClean="0"/>
-              <a:t>27.04.2021</a:t>
+              <a:t>29.04.2021</a:t>
             </a:fld>
             <a:endParaRPr lang="de-DE"/>
           </a:p>
@@ -768,7 +770,7 @@
           <a:p>
             <a:fld id="{B77274E5-FC3A-4BE9-80CA-C6B6470116DF}" type="datetimeFigureOut">
               <a:rPr lang="de-DE" smtClean="0"/>
-              <a:t>27.04.2021</a:t>
+              <a:t>29.04.2021</a:t>
             </a:fld>
             <a:endParaRPr lang="de-DE"/>
           </a:p>
@@ -1014,7 +1016,7 @@
           <a:p>
             <a:fld id="{B77274E5-FC3A-4BE9-80CA-C6B6470116DF}" type="datetimeFigureOut">
               <a:rPr lang="de-DE" smtClean="0"/>
-              <a:t>27.04.2021</a:t>
+              <a:t>29.04.2021</a:t>
             </a:fld>
             <a:endParaRPr lang="de-DE"/>
           </a:p>
@@ -1246,7 +1248,7 @@
           <a:p>
             <a:fld id="{B77274E5-FC3A-4BE9-80CA-C6B6470116DF}" type="datetimeFigureOut">
               <a:rPr lang="de-DE" smtClean="0"/>
-              <a:t>27.04.2021</a:t>
+              <a:t>29.04.2021</a:t>
             </a:fld>
             <a:endParaRPr lang="de-DE"/>
           </a:p>
@@ -1613,7 +1615,7 @@
           <a:p>
             <a:fld id="{B77274E5-FC3A-4BE9-80CA-C6B6470116DF}" type="datetimeFigureOut">
               <a:rPr lang="de-DE" smtClean="0"/>
-              <a:t>27.04.2021</a:t>
+              <a:t>29.04.2021</a:t>
             </a:fld>
             <a:endParaRPr lang="de-DE"/>
           </a:p>
@@ -1731,7 +1733,7 @@
           <a:p>
             <a:fld id="{B77274E5-FC3A-4BE9-80CA-C6B6470116DF}" type="datetimeFigureOut">
               <a:rPr lang="de-DE" smtClean="0"/>
-              <a:t>27.04.2021</a:t>
+              <a:t>29.04.2021</a:t>
             </a:fld>
             <a:endParaRPr lang="de-DE"/>
           </a:p>
@@ -1826,7 +1828,7 @@
           <a:p>
             <a:fld id="{B77274E5-FC3A-4BE9-80CA-C6B6470116DF}" type="datetimeFigureOut">
               <a:rPr lang="de-DE" smtClean="0"/>
-              <a:t>27.04.2021</a:t>
+              <a:t>29.04.2021</a:t>
             </a:fld>
             <a:endParaRPr lang="de-DE"/>
           </a:p>
@@ -2103,7 +2105,7 @@
           <a:p>
             <a:fld id="{B77274E5-FC3A-4BE9-80CA-C6B6470116DF}" type="datetimeFigureOut">
               <a:rPr lang="de-DE" smtClean="0"/>
-              <a:t>27.04.2021</a:t>
+              <a:t>29.04.2021</a:t>
             </a:fld>
             <a:endParaRPr lang="de-DE"/>
           </a:p>
@@ -2356,7 +2358,7 @@
           <a:p>
             <a:fld id="{B77274E5-FC3A-4BE9-80CA-C6B6470116DF}" type="datetimeFigureOut">
               <a:rPr lang="de-DE" smtClean="0"/>
-              <a:t>27.04.2021</a:t>
+              <a:t>29.04.2021</a:t>
             </a:fld>
             <a:endParaRPr lang="de-DE"/>
           </a:p>
@@ -2569,7 +2571,7 @@
           <a:p>
             <a:fld id="{B77274E5-FC3A-4BE9-80CA-C6B6470116DF}" type="datetimeFigureOut">
               <a:rPr lang="de-DE" smtClean="0"/>
-              <a:t>27.04.2021</a:t>
+              <a:t>29.04.2021</a:t>
             </a:fld>
             <a:endParaRPr lang="de-DE"/>
           </a:p>
@@ -9246,6 +9248,1656 @@
 </p:sld>
 </file>
 
+<file path=ppt/slides/slide7.xml><?xml version="1.0" encoding="utf-8"?>
+<p:sld xmlns:a="http://schemas.openxmlformats.org/drawingml/2006/main" xmlns:r="http://schemas.openxmlformats.org/officeDocument/2006/relationships" xmlns:p="http://schemas.openxmlformats.org/presentationml/2006/main">
+  <p:cSld>
+    <p:spTree>
+      <p:nvGrpSpPr>
+        <p:cNvPr id="1" name=""/>
+        <p:cNvGrpSpPr/>
+        <p:nvPr/>
+      </p:nvGrpSpPr>
+      <p:grpSpPr>
+        <a:xfrm>
+          <a:off x="0" y="0"/>
+          <a:ext cx="0" cy="0"/>
+          <a:chOff x="0" y="0"/>
+          <a:chExt cx="0" cy="0"/>
+        </a:xfrm>
+      </p:grpSpPr>
+      <p:sp>
+        <p:nvSpPr>
+          <p:cNvPr id="45" name="Textfeld 44"/>
+          <p:cNvSpPr txBox="1"/>
+          <p:nvPr/>
+        </p:nvSpPr>
+        <p:spPr>
+          <a:xfrm>
+            <a:off x="7557630" y="4602809"/>
+            <a:ext cx="1530804" cy="707886"/>
+          </a:xfrm>
+          <a:prstGeom prst="rect">
+            <a:avLst/>
+          </a:prstGeom>
+          <a:noFill/>
+        </p:spPr>
+        <p:txBody>
+          <a:bodyPr wrap="none" rtlCol="0">
+            <a:spAutoFit/>
+          </a:bodyPr>
+          <a:lstStyle/>
+          <a:p>
+            <a:pPr algn="ctr"/>
+            <a:r>
+              <a:rPr lang="de-DE" sz="2000" dirty="0" smtClean="0"/>
+              <a:t>Veränderung</a:t>
+            </a:r>
+          </a:p>
+          <a:p>
+            <a:pPr algn="ctr"/>
+            <a:r>
+              <a:rPr lang="de-DE" sz="2000" dirty="0" smtClean="0"/>
+              <a:t>Inputs</a:t>
+            </a:r>
+            <a:endParaRPr lang="de-DE" sz="2000" dirty="0"/>
+          </a:p>
+        </p:txBody>
+      </p:sp>
+      <p:sp>
+        <p:nvSpPr>
+          <p:cNvPr id="5" name="Flussdiagramm: Prozess 4"/>
+          <p:cNvSpPr/>
+          <p:nvPr/>
+        </p:nvSpPr>
+        <p:spPr>
+          <a:xfrm>
+            <a:off x="1265765" y="1132801"/>
+            <a:ext cx="3403600" cy="876300"/>
+          </a:xfrm>
+          <a:prstGeom prst="flowChartProcess">
+            <a:avLst/>
+          </a:prstGeom>
+          <a:solidFill>
+            <a:schemeClr val="bg1">
+              <a:lumMod val="75000"/>
+              <a:alpha val="75000"/>
+            </a:schemeClr>
+          </a:solidFill>
+          <a:ln w="22225">
+            <a:solidFill>
+              <a:schemeClr val="accent1"/>
+            </a:solidFill>
+          </a:ln>
+        </p:spPr>
+        <p:style>
+          <a:lnRef idx="2">
+            <a:schemeClr val="accent1">
+              <a:shade val="50000"/>
+            </a:schemeClr>
+          </a:lnRef>
+          <a:fillRef idx="1">
+            <a:schemeClr val="accent1"/>
+          </a:fillRef>
+          <a:effectRef idx="0">
+            <a:schemeClr val="accent1"/>
+          </a:effectRef>
+          <a:fontRef idx="minor">
+            <a:schemeClr val="lt1"/>
+          </a:fontRef>
+        </p:style>
+        <p:txBody>
+          <a:bodyPr rtlCol="0" anchor="ctr"/>
+          <a:lstStyle/>
+          <a:p>
+            <a:pPr algn="ctr"/>
+            <a:endParaRPr lang="de-DE"/>
+          </a:p>
+        </p:txBody>
+      </p:sp>
+      <p:cxnSp>
+        <p:nvCxnSpPr>
+          <p:cNvPr id="6" name="Gerade Verbindung mit Pfeil 5"/>
+          <p:cNvCxnSpPr>
+            <a:stCxn id="45" idx="1"/>
+            <a:endCxn id="12" idx="1"/>
+          </p:cNvCxnSpPr>
+          <p:nvPr/>
+        </p:nvCxnSpPr>
+        <p:spPr>
+          <a:xfrm>
+            <a:off x="7557630" y="4956752"/>
+            <a:ext cx="1486174" cy="12957"/>
+          </a:xfrm>
+          <a:prstGeom prst="straightConnector1">
+            <a:avLst/>
+          </a:prstGeom>
+          <a:ln w="41275">
+            <a:headEnd type="stealth"/>
+            <a:tailEnd type="stealth" w="med" len="med"/>
+          </a:ln>
+        </p:spPr>
+        <p:style>
+          <a:lnRef idx="1">
+            <a:schemeClr val="accent1"/>
+          </a:lnRef>
+          <a:fillRef idx="0">
+            <a:schemeClr val="accent1"/>
+          </a:fillRef>
+          <a:effectRef idx="0">
+            <a:schemeClr val="accent1"/>
+          </a:effectRef>
+          <a:fontRef idx="minor">
+            <a:schemeClr val="tx1"/>
+          </a:fontRef>
+        </p:style>
+      </p:cxnSp>
+      <p:sp>
+        <p:nvSpPr>
+          <p:cNvPr id="7" name="Zylinder 6"/>
+          <p:cNvSpPr/>
+          <p:nvPr/>
+        </p:nvSpPr>
+        <p:spPr>
+          <a:xfrm>
+            <a:off x="1344273" y="1180136"/>
+            <a:ext cx="655782" cy="798946"/>
+          </a:xfrm>
+          <a:prstGeom prst="can">
+            <a:avLst/>
+          </a:prstGeom>
+        </p:spPr>
+        <p:style>
+          <a:lnRef idx="2">
+            <a:schemeClr val="accent1">
+              <a:shade val="50000"/>
+            </a:schemeClr>
+          </a:lnRef>
+          <a:fillRef idx="1">
+            <a:schemeClr val="accent1"/>
+          </a:fillRef>
+          <a:effectRef idx="0">
+            <a:schemeClr val="accent1"/>
+          </a:effectRef>
+          <a:fontRef idx="minor">
+            <a:schemeClr val="lt1"/>
+          </a:fontRef>
+        </p:style>
+        <p:txBody>
+          <a:bodyPr rtlCol="0" anchor="ctr"/>
+          <a:lstStyle/>
+          <a:p>
+            <a:pPr algn="ctr"/>
+            <a:r>
+              <a:rPr lang="de-DE" sz="1200" dirty="0" smtClean="0"/>
+              <a:t>Session Work-</a:t>
+            </a:r>
+            <a:r>
+              <a:rPr lang="de-DE" sz="1200" dirty="0" err="1" smtClean="0"/>
+              <a:t>space</a:t>
+            </a:r>
+            <a:endParaRPr lang="de-DE" sz="1200" dirty="0"/>
+          </a:p>
+        </p:txBody>
+      </p:sp>
+      <p:sp>
+        <p:nvSpPr>
+          <p:cNvPr id="8" name="Flussdiagramm: Prozess 7"/>
+          <p:cNvSpPr/>
+          <p:nvPr/>
+        </p:nvSpPr>
+        <p:spPr>
+          <a:xfrm>
+            <a:off x="2595214" y="1238441"/>
+            <a:ext cx="697346" cy="665018"/>
+          </a:xfrm>
+          <a:prstGeom prst="flowChartProcess">
+            <a:avLst/>
+          </a:prstGeom>
+        </p:spPr>
+        <p:style>
+          <a:lnRef idx="2">
+            <a:schemeClr val="accent1">
+              <a:shade val="50000"/>
+            </a:schemeClr>
+          </a:lnRef>
+          <a:fillRef idx="1">
+            <a:schemeClr val="accent1"/>
+          </a:fillRef>
+          <a:effectRef idx="0">
+            <a:schemeClr val="accent1"/>
+          </a:effectRef>
+          <a:fontRef idx="minor">
+            <a:schemeClr val="lt1"/>
+          </a:fontRef>
+        </p:style>
+        <p:txBody>
+          <a:bodyPr lIns="0" rIns="0" rtlCol="0" anchor="ctr"/>
+          <a:lstStyle/>
+          <a:p>
+            <a:pPr algn="ctr"/>
+            <a:r>
+              <a:rPr lang="de-DE" sz="1400" dirty="0" err="1" smtClean="0"/>
+              <a:t>server.r</a:t>
+            </a:r>
+            <a:endParaRPr lang="de-DE" sz="1400" dirty="0"/>
+          </a:p>
+        </p:txBody>
+      </p:sp>
+      <p:sp>
+        <p:nvSpPr>
+          <p:cNvPr id="9" name="Flussdiagramm: Prozess 8"/>
+          <p:cNvSpPr/>
+          <p:nvPr/>
+        </p:nvSpPr>
+        <p:spPr>
+          <a:xfrm>
+            <a:off x="3915831" y="1247100"/>
+            <a:ext cx="697346" cy="665018"/>
+          </a:xfrm>
+          <a:prstGeom prst="flowChartProcess">
+            <a:avLst/>
+          </a:prstGeom>
+        </p:spPr>
+        <p:style>
+          <a:lnRef idx="2">
+            <a:schemeClr val="accent1">
+              <a:shade val="50000"/>
+            </a:schemeClr>
+          </a:lnRef>
+          <a:fillRef idx="1">
+            <a:schemeClr val="accent1"/>
+          </a:fillRef>
+          <a:effectRef idx="0">
+            <a:schemeClr val="accent1"/>
+          </a:effectRef>
+          <a:fontRef idx="minor">
+            <a:schemeClr val="lt1"/>
+          </a:fontRef>
+        </p:style>
+        <p:txBody>
+          <a:bodyPr rtlCol="0" anchor="ctr"/>
+          <a:lstStyle/>
+          <a:p>
+            <a:pPr algn="ctr"/>
+            <a:r>
+              <a:rPr lang="de-DE" sz="1400" dirty="0" err="1" smtClean="0"/>
+              <a:t>ui.r</a:t>
+            </a:r>
+            <a:endParaRPr lang="de-DE" sz="1400" dirty="0"/>
+          </a:p>
+        </p:txBody>
+      </p:sp>
+      <p:cxnSp>
+        <p:nvCxnSpPr>
+          <p:cNvPr id="10" name="Gerade Verbindung mit Pfeil 9"/>
+          <p:cNvCxnSpPr>
+            <a:stCxn id="7" idx="4"/>
+            <a:endCxn id="8" idx="1"/>
+          </p:cNvCxnSpPr>
+          <p:nvPr/>
+        </p:nvCxnSpPr>
+        <p:spPr>
+          <a:xfrm flipV="1">
+            <a:off x="2000055" y="1570950"/>
+            <a:ext cx="595159" cy="8659"/>
+          </a:xfrm>
+          <a:prstGeom prst="straightConnector1">
+            <a:avLst/>
+          </a:prstGeom>
+          <a:ln w="41275">
+            <a:headEnd type="stealth"/>
+            <a:tailEnd type="stealth" w="med" len="med"/>
+          </a:ln>
+        </p:spPr>
+        <p:style>
+          <a:lnRef idx="1">
+            <a:schemeClr val="accent1"/>
+          </a:lnRef>
+          <a:fillRef idx="0">
+            <a:schemeClr val="accent1"/>
+          </a:fillRef>
+          <a:effectRef idx="0">
+            <a:schemeClr val="accent1"/>
+          </a:effectRef>
+          <a:fontRef idx="minor">
+            <a:schemeClr val="tx1"/>
+          </a:fontRef>
+        </p:style>
+      </p:cxnSp>
+      <p:cxnSp>
+        <p:nvCxnSpPr>
+          <p:cNvPr id="11" name="Gerade Verbindung mit Pfeil 10"/>
+          <p:cNvCxnSpPr>
+            <a:stCxn id="8" idx="3"/>
+            <a:endCxn id="9" idx="1"/>
+          </p:cNvCxnSpPr>
+          <p:nvPr/>
+        </p:nvCxnSpPr>
+        <p:spPr>
+          <a:xfrm>
+            <a:off x="3292560" y="1570950"/>
+            <a:ext cx="623271" cy="8659"/>
+          </a:xfrm>
+          <a:prstGeom prst="straightConnector1">
+            <a:avLst/>
+          </a:prstGeom>
+          <a:ln w="41275">
+            <a:headEnd type="stealth"/>
+            <a:tailEnd type="stealth" w="med" len="med"/>
+          </a:ln>
+        </p:spPr>
+        <p:style>
+          <a:lnRef idx="1">
+            <a:schemeClr val="accent1"/>
+          </a:lnRef>
+          <a:fillRef idx="0">
+            <a:schemeClr val="accent1"/>
+          </a:fillRef>
+          <a:effectRef idx="0">
+            <a:schemeClr val="accent1"/>
+          </a:effectRef>
+          <a:fontRef idx="minor">
+            <a:schemeClr val="tx1"/>
+          </a:fontRef>
+        </p:style>
+      </p:cxnSp>
+      <p:sp>
+        <p:nvSpPr>
+          <p:cNvPr id="12" name="Flussdiagramm: Dokument 11"/>
+          <p:cNvSpPr/>
+          <p:nvPr/>
+        </p:nvSpPr>
+        <p:spPr>
+          <a:xfrm>
+            <a:off x="9043804" y="4363073"/>
+            <a:ext cx="1190704" cy="1213271"/>
+          </a:xfrm>
+          <a:prstGeom prst="flowChartDocument">
+            <a:avLst/>
+          </a:prstGeom>
+        </p:spPr>
+        <p:style>
+          <a:lnRef idx="2">
+            <a:schemeClr val="accent1">
+              <a:shade val="50000"/>
+            </a:schemeClr>
+          </a:lnRef>
+          <a:fillRef idx="1">
+            <a:schemeClr val="accent1"/>
+          </a:fillRef>
+          <a:effectRef idx="0">
+            <a:schemeClr val="accent1"/>
+          </a:effectRef>
+          <a:fontRef idx="minor">
+            <a:schemeClr val="lt1"/>
+          </a:fontRef>
+        </p:style>
+        <p:txBody>
+          <a:bodyPr rtlCol="0" anchor="ctr"/>
+          <a:lstStyle/>
+          <a:p>
+            <a:pPr algn="ctr"/>
+            <a:r>
+              <a:rPr lang="de-DE" dirty="0" smtClean="0"/>
+              <a:t>Nutzer</a:t>
+            </a:r>
+            <a:endParaRPr lang="de-DE" dirty="0"/>
+          </a:p>
+        </p:txBody>
+      </p:sp>
+      <p:sp>
+        <p:nvSpPr>
+          <p:cNvPr id="16" name="Rechteck 15"/>
+          <p:cNvSpPr/>
+          <p:nvPr/>
+        </p:nvSpPr>
+        <p:spPr>
+          <a:xfrm>
+            <a:off x="463640" y="4067684"/>
+            <a:ext cx="2539330" cy="1791248"/>
+          </a:xfrm>
+          <a:prstGeom prst="rect">
+            <a:avLst/>
+          </a:prstGeom>
+        </p:spPr>
+        <p:style>
+          <a:lnRef idx="2">
+            <a:schemeClr val="accent1">
+              <a:shade val="50000"/>
+            </a:schemeClr>
+          </a:lnRef>
+          <a:fillRef idx="1">
+            <a:schemeClr val="accent1"/>
+          </a:fillRef>
+          <a:effectRef idx="0">
+            <a:schemeClr val="accent1"/>
+          </a:effectRef>
+          <a:fontRef idx="minor">
+            <a:schemeClr val="lt1"/>
+          </a:fontRef>
+        </p:style>
+        <p:txBody>
+          <a:bodyPr rtlCol="0" anchor="t" anchorCtr="0"/>
+          <a:lstStyle/>
+          <a:p>
+            <a:pPr marL="285750" indent="-285750">
+              <a:buFontTx/>
+              <a:buChar char="-"/>
+            </a:pPr>
+            <a:r>
+              <a:rPr lang="de-DE" sz="1600" dirty="0" smtClean="0"/>
+              <a:t>„Ort“ für Datenmanagement &amp; Berechnung</a:t>
+            </a:r>
+          </a:p>
+          <a:p>
+            <a:pPr marL="285750" indent="-285750">
+              <a:buFontTx/>
+              <a:buChar char="-"/>
+            </a:pPr>
+            <a:r>
+              <a:rPr lang="de-DE" sz="1600" dirty="0" smtClean="0"/>
+              <a:t>Zugriff auf Input- und Output-Liste</a:t>
+            </a:r>
+          </a:p>
+          <a:p>
+            <a:pPr marL="285750" indent="-285750">
+              <a:buFontTx/>
+              <a:buChar char="-"/>
+            </a:pPr>
+            <a:r>
+              <a:rPr lang="de-DE" sz="1600" dirty="0" smtClean="0"/>
+              <a:t>„Füttert“ Output-Liste </a:t>
+            </a:r>
+            <a:r>
+              <a:rPr lang="de-DE" sz="1600" dirty="0" smtClean="0">
+                <a:sym typeface="Wingdings" panose="05000000000000000000" pitchFamily="2" charset="2"/>
+              </a:rPr>
+              <a:t> Funktionspaare</a:t>
+            </a:r>
+            <a:endParaRPr lang="de-DE" sz="1600" dirty="0" smtClean="0"/>
+          </a:p>
+        </p:txBody>
+      </p:sp>
+      <p:cxnSp>
+        <p:nvCxnSpPr>
+          <p:cNvPr id="17" name="Gerade Verbindung mit Pfeil 16"/>
+          <p:cNvCxnSpPr/>
+          <p:nvPr/>
+        </p:nvCxnSpPr>
+        <p:spPr>
+          <a:xfrm flipV="1">
+            <a:off x="3024299" y="4783666"/>
+            <a:ext cx="2189181" cy="1693"/>
+          </a:xfrm>
+          <a:prstGeom prst="straightConnector1">
+            <a:avLst/>
+          </a:prstGeom>
+          <a:ln w="50800">
+            <a:tailEnd type="stealth" w="lg" len="lg"/>
+          </a:ln>
+        </p:spPr>
+        <p:style>
+          <a:lnRef idx="1">
+            <a:schemeClr val="accent1"/>
+          </a:lnRef>
+          <a:fillRef idx="0">
+            <a:schemeClr val="accent1"/>
+          </a:fillRef>
+          <a:effectRef idx="0">
+            <a:schemeClr val="accent1"/>
+          </a:effectRef>
+          <a:fontRef idx="minor">
+            <a:schemeClr val="tx1"/>
+          </a:fontRef>
+        </p:style>
+      </p:cxnSp>
+      <p:sp>
+        <p:nvSpPr>
+          <p:cNvPr id="19" name="Textfeld 18"/>
+          <p:cNvSpPr txBox="1"/>
+          <p:nvPr/>
+        </p:nvSpPr>
+        <p:spPr>
+          <a:xfrm>
+            <a:off x="4167168" y="1683476"/>
+            <a:ext cx="2529603" cy="892552"/>
+          </a:xfrm>
+          <a:prstGeom prst="rect">
+            <a:avLst/>
+          </a:prstGeom>
+          <a:noFill/>
+        </p:spPr>
+        <p:txBody>
+          <a:bodyPr wrap="none" rtlCol="0">
+            <a:spAutoFit/>
+          </a:bodyPr>
+          <a:lstStyle/>
+          <a:p>
+            <a:pPr algn="ctr"/>
+            <a:r>
+              <a:rPr lang="de-DE" sz="3200" dirty="0" smtClean="0"/>
+              <a:t>Inputs</a:t>
+            </a:r>
+          </a:p>
+          <a:p>
+            <a:pPr algn="ctr"/>
+            <a:r>
+              <a:rPr lang="de-DE" sz="2000" dirty="0" smtClean="0"/>
+              <a:t>(Skalare, Tabellen, </a:t>
+            </a:r>
+            <a:r>
+              <a:rPr lang="de-DE" sz="2000" dirty="0" err="1" smtClean="0"/>
+              <a:t>etc</a:t>
+            </a:r>
+            <a:r>
+              <a:rPr lang="de-DE" sz="2000" dirty="0" smtClean="0"/>
+              <a:t>)</a:t>
+            </a:r>
+            <a:endParaRPr lang="de-DE" sz="2000" dirty="0"/>
+          </a:p>
+        </p:txBody>
+      </p:sp>
+      <p:sp>
+        <p:nvSpPr>
+          <p:cNvPr id="20" name="Textfeld 19"/>
+          <p:cNvSpPr txBox="1"/>
+          <p:nvPr/>
+        </p:nvSpPr>
+        <p:spPr>
+          <a:xfrm>
+            <a:off x="3130669" y="4756697"/>
+            <a:ext cx="2073003" cy="400110"/>
+          </a:xfrm>
+          <a:prstGeom prst="rect">
+            <a:avLst/>
+          </a:prstGeom>
+          <a:noFill/>
+        </p:spPr>
+        <p:txBody>
+          <a:bodyPr wrap="none" rtlCol="0">
+            <a:spAutoFit/>
+          </a:bodyPr>
+          <a:lstStyle/>
+          <a:p>
+            <a:pPr algn="ctr"/>
+            <a:r>
+              <a:rPr lang="de-DE" sz="2000" dirty="0" smtClean="0"/>
+              <a:t>„Füttern“ Outputs</a:t>
+            </a:r>
+            <a:endParaRPr lang="de-DE" sz="2000" dirty="0"/>
+          </a:p>
+        </p:txBody>
+      </p:sp>
+      <p:sp>
+        <p:nvSpPr>
+          <p:cNvPr id="21" name="Textfeld 20"/>
+          <p:cNvSpPr txBox="1"/>
+          <p:nvPr/>
+        </p:nvSpPr>
+        <p:spPr>
+          <a:xfrm>
+            <a:off x="5984702" y="3561195"/>
+            <a:ext cx="671979" cy="523220"/>
+          </a:xfrm>
+          <a:prstGeom prst="rect">
+            <a:avLst/>
+          </a:prstGeom>
+          <a:noFill/>
+        </p:spPr>
+        <p:txBody>
+          <a:bodyPr wrap="none" rtlCol="0">
+            <a:spAutoFit/>
+          </a:bodyPr>
+          <a:lstStyle/>
+          <a:p>
+            <a:r>
+              <a:rPr lang="de-DE" sz="2800" dirty="0" err="1" smtClean="0"/>
+              <a:t>ui.r</a:t>
+            </a:r>
+            <a:endParaRPr lang="de-DE" sz="2800" dirty="0"/>
+          </a:p>
+        </p:txBody>
+      </p:sp>
+      <p:sp>
+        <p:nvSpPr>
+          <p:cNvPr id="22" name="Textfeld 21"/>
+          <p:cNvSpPr txBox="1"/>
+          <p:nvPr/>
+        </p:nvSpPr>
+        <p:spPr>
+          <a:xfrm>
+            <a:off x="906635" y="3561195"/>
+            <a:ext cx="1273682" cy="523220"/>
+          </a:xfrm>
+          <a:prstGeom prst="rect">
+            <a:avLst/>
+          </a:prstGeom>
+          <a:noFill/>
+        </p:spPr>
+        <p:txBody>
+          <a:bodyPr wrap="none" rtlCol="0">
+            <a:spAutoFit/>
+          </a:bodyPr>
+          <a:lstStyle/>
+          <a:p>
+            <a:r>
+              <a:rPr lang="de-DE" sz="2800" dirty="0" err="1" smtClean="0"/>
+              <a:t>server.r</a:t>
+            </a:r>
+            <a:endParaRPr lang="de-DE" sz="2800" dirty="0"/>
+          </a:p>
+        </p:txBody>
+      </p:sp>
+      <p:grpSp>
+        <p:nvGrpSpPr>
+          <p:cNvPr id="40" name="Gruppieren 39"/>
+          <p:cNvGrpSpPr/>
+          <p:nvPr/>
+        </p:nvGrpSpPr>
+        <p:grpSpPr>
+          <a:xfrm>
+            <a:off x="5218561" y="4067684"/>
+            <a:ext cx="2353229" cy="1781088"/>
+            <a:chOff x="5218561" y="4067684"/>
+            <a:chExt cx="2353229" cy="1781088"/>
+          </a:xfrm>
+        </p:grpSpPr>
+        <p:sp>
+          <p:nvSpPr>
+            <p:cNvPr id="15" name="Rechteck 14"/>
+            <p:cNvSpPr/>
+            <p:nvPr/>
+          </p:nvSpPr>
+          <p:spPr>
+            <a:xfrm>
+              <a:off x="6397716" y="4417905"/>
+              <a:ext cx="1174074" cy="1430867"/>
+            </a:xfrm>
+            <a:prstGeom prst="rect">
+              <a:avLst/>
+            </a:prstGeom>
+          </p:spPr>
+          <p:style>
+            <a:lnRef idx="2">
+              <a:schemeClr val="accent1">
+                <a:shade val="50000"/>
+              </a:schemeClr>
+            </a:lnRef>
+            <a:fillRef idx="1">
+              <a:schemeClr val="accent1"/>
+            </a:fillRef>
+            <a:effectRef idx="0">
+              <a:schemeClr val="accent1"/>
+            </a:effectRef>
+            <a:fontRef idx="minor">
+              <a:schemeClr val="lt1"/>
+            </a:fontRef>
+          </p:style>
+          <p:txBody>
+            <a:bodyPr rtlCol="0" anchor="t" anchorCtr="0"/>
+            <a:lstStyle/>
+            <a:p>
+              <a:pPr algn="ctr"/>
+              <a:r>
+                <a:rPr lang="de-DE" b="1" dirty="0" smtClean="0"/>
+                <a:t>Input</a:t>
+              </a:r>
+              <a:endParaRPr lang="de-DE" sz="1100" dirty="0"/>
+            </a:p>
+            <a:p>
+              <a:pPr marL="171450" indent="-171450">
+                <a:buFontTx/>
+                <a:buChar char="-"/>
+              </a:pPr>
+              <a:r>
+                <a:rPr lang="de-DE" sz="1100" dirty="0" smtClean="0"/>
+                <a:t>Funktionen, die Eingaben aufnehmen</a:t>
+              </a:r>
+            </a:p>
+            <a:p>
+              <a:pPr marL="171450" indent="-171450">
+                <a:buFontTx/>
+                <a:buChar char="-"/>
+              </a:pPr>
+              <a:r>
+                <a:rPr lang="de-DE" sz="1100" dirty="0" smtClean="0"/>
+                <a:t>Jede Funktion entspricht Listenelement </a:t>
+              </a:r>
+            </a:p>
+            <a:p>
+              <a:pPr algn="ctr"/>
+              <a:endParaRPr lang="de-DE" sz="1100" dirty="0"/>
+            </a:p>
+          </p:txBody>
+        </p:sp>
+        <p:sp>
+          <p:nvSpPr>
+            <p:cNvPr id="25" name="Rechteck 24"/>
+            <p:cNvSpPr/>
+            <p:nvPr/>
+          </p:nvSpPr>
+          <p:spPr>
+            <a:xfrm>
+              <a:off x="5218561" y="4417905"/>
+              <a:ext cx="1174074" cy="1430867"/>
+            </a:xfrm>
+            <a:prstGeom prst="rect">
+              <a:avLst/>
+            </a:prstGeom>
+          </p:spPr>
+          <p:style>
+            <a:lnRef idx="2">
+              <a:schemeClr val="accent1">
+                <a:shade val="50000"/>
+              </a:schemeClr>
+            </a:lnRef>
+            <a:fillRef idx="1">
+              <a:schemeClr val="accent1"/>
+            </a:fillRef>
+            <a:effectRef idx="0">
+              <a:schemeClr val="accent1"/>
+            </a:effectRef>
+            <a:fontRef idx="minor">
+              <a:schemeClr val="lt1"/>
+            </a:fontRef>
+          </p:style>
+          <p:txBody>
+            <a:bodyPr lIns="72000" rIns="72000" rtlCol="0" anchor="t" anchorCtr="0"/>
+            <a:lstStyle/>
+            <a:p>
+              <a:pPr algn="ctr"/>
+              <a:r>
+                <a:rPr lang="de-DE" b="1" dirty="0" smtClean="0"/>
+                <a:t>Output</a:t>
+              </a:r>
+              <a:endParaRPr lang="de-DE" sz="1100" dirty="0"/>
+            </a:p>
+            <a:p>
+              <a:pPr marL="171450" indent="-171450">
+                <a:buFontTx/>
+                <a:buChar char="-"/>
+              </a:pPr>
+              <a:r>
+                <a:rPr lang="de-DE" sz="1100" dirty="0" smtClean="0"/>
+                <a:t>Platzhalter für Ausgaben</a:t>
+              </a:r>
+            </a:p>
+            <a:p>
+              <a:pPr marL="171450" indent="-171450">
+                <a:buFontTx/>
+                <a:buChar char="-"/>
+              </a:pPr>
+              <a:r>
+                <a:rPr lang="de-DE" sz="1100" dirty="0" smtClean="0"/>
+                <a:t>Jedes Element muss in Server „gefüttert“ werden</a:t>
+              </a:r>
+              <a:endParaRPr lang="de-DE" sz="1100" dirty="0"/>
+            </a:p>
+            <a:p>
+              <a:pPr algn="ctr"/>
+              <a:endParaRPr lang="de-DE" sz="1100" dirty="0" smtClean="0"/>
+            </a:p>
+            <a:p>
+              <a:pPr algn="ctr"/>
+              <a:endParaRPr lang="de-DE" sz="1100" dirty="0" smtClean="0"/>
+            </a:p>
+            <a:p>
+              <a:pPr algn="ctr"/>
+              <a:endParaRPr lang="de-DE" sz="1100" dirty="0"/>
+            </a:p>
+            <a:p>
+              <a:pPr algn="ctr"/>
+              <a:endParaRPr lang="de-DE" sz="1100" dirty="0"/>
+            </a:p>
+          </p:txBody>
+        </p:sp>
+        <p:sp>
+          <p:nvSpPr>
+            <p:cNvPr id="26" name="Rechteck 25"/>
+            <p:cNvSpPr/>
+            <p:nvPr/>
+          </p:nvSpPr>
+          <p:spPr>
+            <a:xfrm>
+              <a:off x="5218561" y="4067684"/>
+              <a:ext cx="2348149" cy="346875"/>
+            </a:xfrm>
+            <a:prstGeom prst="rect">
+              <a:avLst/>
+            </a:prstGeom>
+          </p:spPr>
+          <p:style>
+            <a:lnRef idx="2">
+              <a:schemeClr val="accent1">
+                <a:shade val="50000"/>
+              </a:schemeClr>
+            </a:lnRef>
+            <a:fillRef idx="1">
+              <a:schemeClr val="accent1"/>
+            </a:fillRef>
+            <a:effectRef idx="0">
+              <a:schemeClr val="accent1"/>
+            </a:effectRef>
+            <a:fontRef idx="minor">
+              <a:schemeClr val="lt1"/>
+            </a:fontRef>
+          </p:style>
+          <p:txBody>
+            <a:bodyPr rtlCol="0" anchor="t" anchorCtr="0"/>
+            <a:lstStyle/>
+            <a:p>
+              <a:pPr algn="ctr"/>
+              <a:r>
+                <a:rPr lang="de-DE" dirty="0" smtClean="0"/>
+                <a:t>Generiert 2 Listen</a:t>
+              </a:r>
+              <a:endParaRPr lang="de-DE" sz="1100" dirty="0" smtClean="0"/>
+            </a:p>
+          </p:txBody>
+        </p:sp>
+      </p:grpSp>
+      <p:cxnSp>
+        <p:nvCxnSpPr>
+          <p:cNvPr id="36" name="Gekrümmte Verbindung 35"/>
+          <p:cNvCxnSpPr>
+            <a:stCxn id="15" idx="2"/>
+            <a:endCxn id="16" idx="2"/>
+          </p:cNvCxnSpPr>
+          <p:nvPr/>
+        </p:nvCxnSpPr>
+        <p:spPr>
+          <a:xfrm rot="5400000">
+            <a:off x="4353949" y="3228128"/>
+            <a:ext cx="10160" cy="5251448"/>
+          </a:xfrm>
+          <a:prstGeom prst="curvedConnector3">
+            <a:avLst>
+              <a:gd name="adj1" fmla="val 6183327"/>
+            </a:avLst>
+          </a:prstGeom>
+          <a:ln w="50800">
+            <a:headEnd type="stealth" w="lg" len="med"/>
+            <a:tailEnd type="stealth" w="lg" len="med"/>
+          </a:ln>
+        </p:spPr>
+        <p:style>
+          <a:lnRef idx="1">
+            <a:schemeClr val="accent1"/>
+          </a:lnRef>
+          <a:fillRef idx="0">
+            <a:schemeClr val="accent1"/>
+          </a:fillRef>
+          <a:effectRef idx="0">
+            <a:schemeClr val="accent1"/>
+          </a:effectRef>
+          <a:fontRef idx="minor">
+            <a:schemeClr val="tx1"/>
+          </a:fontRef>
+        </p:style>
+      </p:cxnSp>
+      <p:sp>
+        <p:nvSpPr>
+          <p:cNvPr id="38" name="Textfeld 37"/>
+          <p:cNvSpPr txBox="1"/>
+          <p:nvPr/>
+        </p:nvSpPr>
+        <p:spPr>
+          <a:xfrm>
+            <a:off x="3193966" y="6070223"/>
+            <a:ext cx="2330125" cy="707886"/>
+          </a:xfrm>
+          <a:prstGeom prst="rect">
+            <a:avLst/>
+          </a:prstGeom>
+          <a:noFill/>
+        </p:spPr>
+        <p:txBody>
+          <a:bodyPr wrap="none" rtlCol="0">
+            <a:spAutoFit/>
+          </a:bodyPr>
+          <a:lstStyle/>
+          <a:p>
+            <a:pPr algn="ctr"/>
+            <a:r>
+              <a:rPr lang="de-DE" sz="2000" dirty="0" smtClean="0"/>
+              <a:t>Zugriff/Anforderung </a:t>
+            </a:r>
+          </a:p>
+          <a:p>
+            <a:pPr algn="ctr"/>
+            <a:r>
+              <a:rPr lang="de-DE" sz="2000" dirty="0" smtClean="0"/>
+              <a:t>Inputs</a:t>
+            </a:r>
+            <a:endParaRPr lang="de-DE" sz="2000" dirty="0"/>
+          </a:p>
+        </p:txBody>
+      </p:sp>
+    </p:spTree>
+    <p:extLst>
+      <p:ext uri="{BB962C8B-B14F-4D97-AF65-F5344CB8AC3E}">
+        <p14:creationId xmlns:p14="http://schemas.microsoft.com/office/powerpoint/2010/main" val="2634945829"/>
+      </p:ext>
+    </p:extLst>
+  </p:cSld>
+  <p:clrMapOvr>
+    <a:masterClrMapping/>
+  </p:clrMapOvr>
+</p:sld>
+</file>
+
+<file path=ppt/slides/slide8.xml><?xml version="1.0" encoding="utf-8"?>
+<p:sld xmlns:a="http://schemas.openxmlformats.org/drawingml/2006/main" xmlns:r="http://schemas.openxmlformats.org/officeDocument/2006/relationships" xmlns:p="http://schemas.openxmlformats.org/presentationml/2006/main">
+  <p:cSld>
+    <p:spTree>
+      <p:nvGrpSpPr>
+        <p:cNvPr id="1" name=""/>
+        <p:cNvGrpSpPr/>
+        <p:nvPr/>
+      </p:nvGrpSpPr>
+      <p:grpSpPr>
+        <a:xfrm>
+          <a:off x="0" y="0"/>
+          <a:ext cx="0" cy="0"/>
+          <a:chOff x="0" y="0"/>
+          <a:chExt cx="0" cy="0"/>
+        </a:xfrm>
+      </p:grpSpPr>
+      <p:pic>
+        <p:nvPicPr>
+          <p:cNvPr id="7" name="Picture 2" descr="Structure of a basic app with sidebar"/>
+          <p:cNvPicPr>
+            <a:picLocks noChangeAspect="1" noChangeArrowheads="1"/>
+          </p:cNvPicPr>
+          <p:nvPr/>
+        </p:nvPicPr>
+        <p:blipFill>
+          <a:blip r:embed="rId2">
+            <a:extLst>
+              <a:ext uri="{28A0092B-C50C-407E-A947-70E740481C1C}">
+                <a14:useLocalDpi xmlns:a14="http://schemas.microsoft.com/office/drawing/2010/main" val="0"/>
+              </a:ext>
+            </a:extLst>
+          </a:blip>
+          <a:srcRect/>
+          <a:stretch>
+            <a:fillRect/>
+          </a:stretch>
+        </p:blipFill>
+        <p:spPr bwMode="auto">
+          <a:xfrm>
+            <a:off x="6300356" y="706807"/>
+            <a:ext cx="5302888" cy="2922527"/>
+          </a:xfrm>
+          <a:prstGeom prst="rect">
+            <a:avLst/>
+          </a:prstGeom>
+          <a:noFill/>
+          <a:extLst>
+            <a:ext uri="{909E8E84-426E-40DD-AFC4-6F175D3DCCD1}">
+              <a14:hiddenFill xmlns:a14="http://schemas.microsoft.com/office/drawing/2010/main">
+                <a:solidFill>
+                  <a:srgbClr val="FFFFFF"/>
+                </a:solidFill>
+              </a14:hiddenFill>
+            </a:ext>
+          </a:extLst>
+        </p:spPr>
+      </p:pic>
+      <p:pic>
+        <p:nvPicPr>
+          <p:cNvPr id="2050" name="Picture 2" descr="Structure of a basic app with sidebar"/>
+          <p:cNvPicPr>
+            <a:picLocks noChangeAspect="1" noChangeArrowheads="1"/>
+          </p:cNvPicPr>
+          <p:nvPr/>
+        </p:nvPicPr>
+        <p:blipFill>
+          <a:blip r:embed="rId2">
+            <a:extLst>
+              <a:ext uri="{28A0092B-C50C-407E-A947-70E740481C1C}">
+                <a14:useLocalDpi xmlns:a14="http://schemas.microsoft.com/office/drawing/2010/main" val="0"/>
+              </a:ext>
+            </a:extLst>
+          </a:blip>
+          <a:srcRect/>
+          <a:stretch>
+            <a:fillRect/>
+          </a:stretch>
+        </p:blipFill>
+        <p:spPr bwMode="auto">
+          <a:xfrm>
+            <a:off x="241301" y="710827"/>
+            <a:ext cx="4852554" cy="2674339"/>
+          </a:xfrm>
+          <a:prstGeom prst="rect">
+            <a:avLst/>
+          </a:prstGeom>
+          <a:noFill/>
+          <a:extLst>
+            <a:ext uri="{909E8E84-426E-40DD-AFC4-6F175D3DCCD1}">
+              <a14:hiddenFill xmlns:a14="http://schemas.microsoft.com/office/drawing/2010/main">
+                <a:solidFill>
+                  <a:srgbClr val="FFFFFF"/>
+                </a:solidFill>
+              </a14:hiddenFill>
+            </a:ext>
+          </a:extLst>
+        </p:spPr>
+      </p:pic>
+      <p:pic>
+        <p:nvPicPr>
+          <p:cNvPr id="2052" name="Picture 4" descr="The structure underlying a simple multi-row app"/>
+          <p:cNvPicPr>
+            <a:picLocks noChangeAspect="1" noChangeArrowheads="1"/>
+          </p:cNvPicPr>
+          <p:nvPr/>
+        </p:nvPicPr>
+        <p:blipFill>
+          <a:blip r:embed="rId3">
+            <a:extLst>
+              <a:ext uri="{28A0092B-C50C-407E-A947-70E740481C1C}">
+                <a14:useLocalDpi xmlns:a14="http://schemas.microsoft.com/office/drawing/2010/main" val="0"/>
+              </a:ext>
+            </a:extLst>
+          </a:blip>
+          <a:srcRect/>
+          <a:stretch>
+            <a:fillRect/>
+          </a:stretch>
+        </p:blipFill>
+        <p:spPr bwMode="auto">
+          <a:xfrm>
+            <a:off x="241301" y="3518496"/>
+            <a:ext cx="4852554" cy="3066512"/>
+          </a:xfrm>
+          <a:prstGeom prst="rect">
+            <a:avLst/>
+          </a:prstGeom>
+          <a:noFill/>
+          <a:extLst>
+            <a:ext uri="{909E8E84-426E-40DD-AFC4-6F175D3DCCD1}">
+              <a14:hiddenFill xmlns:a14="http://schemas.microsoft.com/office/drawing/2010/main">
+                <a:solidFill>
+                  <a:srgbClr val="FFFFFF"/>
+                </a:solidFill>
+              </a14:hiddenFill>
+            </a:ext>
+          </a:extLst>
+        </p:spPr>
+      </p:pic>
+      <p:pic>
+        <p:nvPicPr>
+          <p:cNvPr id="2054" name="Picture 6" descr="A tabset becomes an input when you use the `id` argument. This allows you to make your app behave differently depending on which tab is currently visible."/>
+          <p:cNvPicPr>
+            <a:picLocks noChangeAspect="1" noChangeArrowheads="1"/>
+          </p:cNvPicPr>
+          <p:nvPr/>
+        </p:nvPicPr>
+        <p:blipFill rotWithShape="1">
+          <a:blip r:embed="rId4">
+            <a:extLst>
+              <a:ext uri="{28A0092B-C50C-407E-A947-70E740481C1C}">
+                <a14:useLocalDpi xmlns:a14="http://schemas.microsoft.com/office/drawing/2010/main" val="0"/>
+              </a:ext>
+            </a:extLst>
+          </a:blip>
+          <a:srcRect t="47887"/>
+          <a:stretch/>
+        </p:blipFill>
+        <p:spPr bwMode="auto">
+          <a:xfrm>
+            <a:off x="8478694" y="2508514"/>
+            <a:ext cx="2692689" cy="664197"/>
+          </a:xfrm>
+          <a:prstGeom prst="rect">
+            <a:avLst/>
+          </a:prstGeom>
+          <a:noFill/>
+          <a:extLst>
+            <a:ext uri="{909E8E84-426E-40DD-AFC4-6F175D3DCCD1}">
+              <a14:hiddenFill xmlns:a14="http://schemas.microsoft.com/office/drawing/2010/main">
+                <a:solidFill>
+                  <a:srgbClr val="FFFFFF"/>
+                </a:solidFill>
+              </a14:hiddenFill>
+            </a:ext>
+          </a:extLst>
+        </p:spPr>
+      </p:pic>
+      <p:sp>
+        <p:nvSpPr>
+          <p:cNvPr id="4" name="Textfeld 3"/>
+          <p:cNvSpPr txBox="1"/>
+          <p:nvPr/>
+        </p:nvSpPr>
+        <p:spPr>
+          <a:xfrm>
+            <a:off x="8478694" y="2281441"/>
+            <a:ext cx="1789272" cy="338554"/>
+          </a:xfrm>
+          <a:prstGeom prst="rect">
+            <a:avLst/>
+          </a:prstGeom>
+          <a:solidFill>
+            <a:schemeClr val="bg1"/>
+          </a:solidFill>
+        </p:spPr>
+        <p:txBody>
+          <a:bodyPr wrap="none" rtlCol="0">
+            <a:spAutoFit/>
+          </a:bodyPr>
+          <a:lstStyle/>
+          <a:p>
+            <a:r>
+              <a:rPr lang="de-DE" sz="1600" b="1" dirty="0" err="1" smtClean="0">
+                <a:latin typeface="Courier New" panose="02070309020205020404" pitchFamily="49" charset="0"/>
+                <a:cs typeface="Courier New" panose="02070309020205020404" pitchFamily="49" charset="0"/>
+              </a:rPr>
+              <a:t>tabsetPanel</a:t>
+            </a:r>
+            <a:r>
+              <a:rPr lang="de-DE" sz="1600" b="1" dirty="0" smtClean="0">
+                <a:latin typeface="Courier New" panose="02070309020205020404" pitchFamily="49" charset="0"/>
+                <a:cs typeface="Courier New" panose="02070309020205020404" pitchFamily="49" charset="0"/>
+              </a:rPr>
+              <a:t>()</a:t>
+            </a:r>
+            <a:endParaRPr lang="de-DE" sz="1600" b="1" dirty="0">
+              <a:latin typeface="Courier New" panose="02070309020205020404" pitchFamily="49" charset="0"/>
+              <a:cs typeface="Courier New" panose="02070309020205020404" pitchFamily="49" charset="0"/>
+            </a:endParaRPr>
+          </a:p>
+        </p:txBody>
+      </p:sp>
+      <p:sp>
+        <p:nvSpPr>
+          <p:cNvPr id="6" name="Textfeld 5"/>
+          <p:cNvSpPr txBox="1"/>
+          <p:nvPr/>
+        </p:nvSpPr>
+        <p:spPr>
+          <a:xfrm>
+            <a:off x="7530289" y="268232"/>
+            <a:ext cx="2843022" cy="461665"/>
+          </a:xfrm>
+          <a:prstGeom prst="rect">
+            <a:avLst/>
+          </a:prstGeom>
+          <a:noFill/>
+        </p:spPr>
+        <p:txBody>
+          <a:bodyPr wrap="none" rtlCol="0">
+            <a:spAutoFit/>
+          </a:bodyPr>
+          <a:lstStyle/>
+          <a:p>
+            <a:r>
+              <a:rPr lang="de-DE" sz="2400" b="1" u="sng" dirty="0" smtClean="0"/>
+              <a:t>mehr-seitige Layouts</a:t>
+            </a:r>
+            <a:endParaRPr lang="de-DE" sz="2400" b="1" u="sng" dirty="0"/>
+          </a:p>
+        </p:txBody>
+      </p:sp>
+      <p:sp>
+        <p:nvSpPr>
+          <p:cNvPr id="11" name="Textfeld 10"/>
+          <p:cNvSpPr txBox="1"/>
+          <p:nvPr/>
+        </p:nvSpPr>
+        <p:spPr>
+          <a:xfrm>
+            <a:off x="1660558" y="268232"/>
+            <a:ext cx="2318840" cy="461665"/>
+          </a:xfrm>
+          <a:prstGeom prst="rect">
+            <a:avLst/>
+          </a:prstGeom>
+          <a:noFill/>
+        </p:spPr>
+        <p:txBody>
+          <a:bodyPr wrap="none" rtlCol="0">
+            <a:spAutoFit/>
+          </a:bodyPr>
+          <a:lstStyle/>
+          <a:p>
+            <a:r>
+              <a:rPr lang="de-DE" sz="2400" b="1" u="sng" dirty="0" smtClean="0"/>
+              <a:t>1-seitige Layouts</a:t>
+            </a:r>
+            <a:endParaRPr lang="de-DE" sz="2400" b="1" u="sng" dirty="0"/>
+          </a:p>
+        </p:txBody>
+      </p:sp>
+      <p:sp>
+        <p:nvSpPr>
+          <p:cNvPr id="8" name="Abgerundetes Rechteck 7"/>
+          <p:cNvSpPr/>
+          <p:nvPr/>
+        </p:nvSpPr>
+        <p:spPr>
+          <a:xfrm>
+            <a:off x="6368473" y="3796145"/>
+            <a:ext cx="5234771" cy="2877128"/>
+          </a:xfrm>
+          <a:prstGeom prst="roundRect">
+            <a:avLst>
+              <a:gd name="adj" fmla="val 1739"/>
+            </a:avLst>
+          </a:prstGeom>
+          <a:noFill/>
+          <a:ln w="25400">
+            <a:solidFill>
+              <a:schemeClr val="tx1"/>
+            </a:solidFill>
+          </a:ln>
+        </p:spPr>
+        <p:style>
+          <a:lnRef idx="2">
+            <a:schemeClr val="accent1">
+              <a:shade val="50000"/>
+            </a:schemeClr>
+          </a:lnRef>
+          <a:fillRef idx="1">
+            <a:schemeClr val="accent1"/>
+          </a:fillRef>
+          <a:effectRef idx="0">
+            <a:schemeClr val="accent1"/>
+          </a:effectRef>
+          <a:fontRef idx="minor">
+            <a:schemeClr val="lt1"/>
+          </a:fontRef>
+        </p:style>
+        <p:txBody>
+          <a:bodyPr rtlCol="0" anchor="ctr"/>
+          <a:lstStyle/>
+          <a:p>
+            <a:pPr algn="ctr"/>
+            <a:endParaRPr lang="de-DE"/>
+          </a:p>
+        </p:txBody>
+      </p:sp>
+      <p:sp>
+        <p:nvSpPr>
+          <p:cNvPr id="13" name="Abgerundetes Rechteck 12"/>
+          <p:cNvSpPr/>
+          <p:nvPr/>
+        </p:nvSpPr>
+        <p:spPr>
+          <a:xfrm>
+            <a:off x="6576292" y="4147128"/>
+            <a:ext cx="1260764" cy="2369128"/>
+          </a:xfrm>
+          <a:prstGeom prst="roundRect">
+            <a:avLst>
+              <a:gd name="adj" fmla="val 1739"/>
+            </a:avLst>
+          </a:prstGeom>
+          <a:noFill/>
+          <a:ln w="25400">
+            <a:solidFill>
+              <a:schemeClr val="tx1"/>
+            </a:solidFill>
+          </a:ln>
+        </p:spPr>
+        <p:style>
+          <a:lnRef idx="2">
+            <a:schemeClr val="accent1">
+              <a:shade val="50000"/>
+            </a:schemeClr>
+          </a:lnRef>
+          <a:fillRef idx="1">
+            <a:schemeClr val="accent1"/>
+          </a:fillRef>
+          <a:effectRef idx="0">
+            <a:schemeClr val="accent1"/>
+          </a:effectRef>
+          <a:fontRef idx="minor">
+            <a:schemeClr val="lt1"/>
+          </a:fontRef>
+        </p:style>
+        <p:txBody>
+          <a:bodyPr rtlCol="0" anchor="ctr"/>
+          <a:lstStyle/>
+          <a:p>
+            <a:pPr algn="ctr"/>
+            <a:endParaRPr lang="de-DE"/>
+          </a:p>
+        </p:txBody>
+      </p:sp>
+      <p:sp>
+        <p:nvSpPr>
+          <p:cNvPr id="14" name="Textfeld 13"/>
+          <p:cNvSpPr txBox="1"/>
+          <p:nvPr/>
+        </p:nvSpPr>
+        <p:spPr>
+          <a:xfrm>
+            <a:off x="6440087" y="3796145"/>
+            <a:ext cx="1542410" cy="338554"/>
+          </a:xfrm>
+          <a:prstGeom prst="rect">
+            <a:avLst/>
+          </a:prstGeom>
+          <a:noFill/>
+        </p:spPr>
+        <p:txBody>
+          <a:bodyPr wrap="none" rtlCol="0">
+            <a:spAutoFit/>
+          </a:bodyPr>
+          <a:lstStyle/>
+          <a:p>
+            <a:r>
+              <a:rPr lang="de-DE" sz="1600" b="1" dirty="0" err="1" smtClean="0">
+                <a:latin typeface="Courier New" panose="02070309020205020404" pitchFamily="49" charset="0"/>
+                <a:cs typeface="Courier New" panose="02070309020205020404" pitchFamily="49" charset="0"/>
+              </a:rPr>
+              <a:t>fluidPage</a:t>
+            </a:r>
+            <a:r>
+              <a:rPr lang="de-DE" sz="1600" b="1" dirty="0" smtClean="0">
+                <a:latin typeface="Courier New" panose="02070309020205020404" pitchFamily="49" charset="0"/>
+                <a:cs typeface="Courier New" panose="02070309020205020404" pitchFamily="49" charset="0"/>
+              </a:rPr>
+              <a:t>()</a:t>
+            </a:r>
+            <a:endParaRPr lang="de-DE" sz="1600" b="1" dirty="0">
+              <a:latin typeface="Courier New" panose="02070309020205020404" pitchFamily="49" charset="0"/>
+              <a:cs typeface="Courier New" panose="02070309020205020404" pitchFamily="49" charset="0"/>
+            </a:endParaRPr>
+          </a:p>
+        </p:txBody>
+      </p:sp>
+      <p:sp>
+        <p:nvSpPr>
+          <p:cNvPr id="19" name="Textfeld 18"/>
+          <p:cNvSpPr txBox="1"/>
+          <p:nvPr/>
+        </p:nvSpPr>
+        <p:spPr>
+          <a:xfrm>
+            <a:off x="8130280" y="4134699"/>
+            <a:ext cx="1789272" cy="338554"/>
+          </a:xfrm>
+          <a:prstGeom prst="rect">
+            <a:avLst/>
+          </a:prstGeom>
+          <a:solidFill>
+            <a:schemeClr val="bg1"/>
+          </a:solidFill>
+        </p:spPr>
+        <p:txBody>
+          <a:bodyPr wrap="none" rtlCol="0">
+            <a:spAutoFit/>
+          </a:bodyPr>
+          <a:lstStyle/>
+          <a:p>
+            <a:r>
+              <a:rPr lang="de-DE" sz="1600" b="1" dirty="0" err="1" smtClean="0">
+                <a:latin typeface="Courier New" panose="02070309020205020404" pitchFamily="49" charset="0"/>
+                <a:cs typeface="Courier New" panose="02070309020205020404" pitchFamily="49" charset="0"/>
+              </a:rPr>
+              <a:t>tabsetPanel</a:t>
+            </a:r>
+            <a:r>
+              <a:rPr lang="de-DE" sz="1600" b="1" dirty="0" smtClean="0">
+                <a:latin typeface="Courier New" panose="02070309020205020404" pitchFamily="49" charset="0"/>
+                <a:cs typeface="Courier New" panose="02070309020205020404" pitchFamily="49" charset="0"/>
+              </a:rPr>
+              <a:t>()</a:t>
+            </a:r>
+            <a:endParaRPr lang="de-DE" sz="1600" b="1" dirty="0">
+              <a:latin typeface="Courier New" panose="02070309020205020404" pitchFamily="49" charset="0"/>
+              <a:cs typeface="Courier New" panose="02070309020205020404" pitchFamily="49" charset="0"/>
+            </a:endParaRPr>
+          </a:p>
+        </p:txBody>
+      </p:sp>
+      <p:sp>
+        <p:nvSpPr>
+          <p:cNvPr id="20" name="Textfeld 19"/>
+          <p:cNvSpPr txBox="1"/>
+          <p:nvPr/>
+        </p:nvSpPr>
+        <p:spPr>
+          <a:xfrm>
+            <a:off x="6567058" y="4132233"/>
+            <a:ext cx="1300356" cy="1631216"/>
+          </a:xfrm>
+          <a:prstGeom prst="rect">
+            <a:avLst/>
+          </a:prstGeom>
+          <a:noFill/>
+        </p:spPr>
+        <p:txBody>
+          <a:bodyPr wrap="none" rtlCol="0">
+            <a:spAutoFit/>
+          </a:bodyPr>
+          <a:lstStyle/>
+          <a:p>
+            <a:r>
+              <a:rPr lang="de-DE" sz="1200" b="1" dirty="0" smtClean="0">
+                <a:latin typeface="Courier New" panose="02070309020205020404" pitchFamily="49" charset="0"/>
+                <a:cs typeface="Courier New" panose="02070309020205020404" pitchFamily="49" charset="0"/>
+              </a:rPr>
+              <a:t>Navigations-</a:t>
+            </a:r>
+          </a:p>
+          <a:p>
+            <a:r>
+              <a:rPr lang="de-DE" sz="1200" b="1" dirty="0" smtClean="0">
+                <a:latin typeface="Courier New" panose="02070309020205020404" pitchFamily="49" charset="0"/>
+                <a:cs typeface="Courier New" panose="02070309020205020404" pitchFamily="49" charset="0"/>
+              </a:rPr>
+              <a:t>Leiste</a:t>
+            </a:r>
+          </a:p>
+          <a:p>
+            <a:endParaRPr lang="de-DE" sz="1200" b="1" dirty="0" smtClean="0">
+              <a:latin typeface="Courier New" panose="02070309020205020404" pitchFamily="49" charset="0"/>
+              <a:cs typeface="Courier New" panose="02070309020205020404" pitchFamily="49" charset="0"/>
+            </a:endParaRPr>
+          </a:p>
+          <a:p>
+            <a:r>
+              <a:rPr lang="de-DE" sz="1200" b="1" dirty="0" smtClean="0">
+                <a:solidFill>
+                  <a:srgbClr val="FF0000"/>
+                </a:solidFill>
+                <a:latin typeface="Courier New" panose="02070309020205020404" pitchFamily="49" charset="0"/>
+                <a:cs typeface="Courier New" panose="02070309020205020404" pitchFamily="49" charset="0"/>
+              </a:rPr>
+              <a:t>Panel 1</a:t>
+            </a:r>
+          </a:p>
+          <a:p>
+            <a:endParaRPr lang="de-DE" sz="1200" b="1" dirty="0" smtClean="0">
+              <a:latin typeface="Courier New" panose="02070309020205020404" pitchFamily="49" charset="0"/>
+              <a:cs typeface="Courier New" panose="02070309020205020404" pitchFamily="49" charset="0"/>
+            </a:endParaRPr>
+          </a:p>
+          <a:p>
+            <a:r>
+              <a:rPr lang="de-DE" sz="1200" b="1" dirty="0" smtClean="0">
+                <a:latin typeface="Courier New" panose="02070309020205020404" pitchFamily="49" charset="0"/>
+                <a:cs typeface="Courier New" panose="02070309020205020404" pitchFamily="49" charset="0"/>
+              </a:rPr>
+              <a:t>Panel 2</a:t>
+            </a:r>
+          </a:p>
+          <a:p>
+            <a:endParaRPr lang="de-DE" sz="1400" b="1" dirty="0">
+              <a:latin typeface="Courier New" panose="02070309020205020404" pitchFamily="49" charset="0"/>
+              <a:cs typeface="Courier New" panose="02070309020205020404" pitchFamily="49" charset="0"/>
+            </a:endParaRPr>
+          </a:p>
+          <a:p>
+            <a:r>
+              <a:rPr lang="de-DE" sz="1400" b="1" dirty="0" smtClean="0">
+                <a:latin typeface="Courier New" panose="02070309020205020404" pitchFamily="49" charset="0"/>
+                <a:cs typeface="Courier New" panose="02070309020205020404" pitchFamily="49" charset="0"/>
+              </a:rPr>
+              <a:t>…</a:t>
+            </a:r>
+            <a:endParaRPr lang="de-DE" sz="1400" b="1" dirty="0">
+              <a:latin typeface="Courier New" panose="02070309020205020404" pitchFamily="49" charset="0"/>
+              <a:cs typeface="Courier New" panose="02070309020205020404" pitchFamily="49" charset="0"/>
+            </a:endParaRPr>
+          </a:p>
+        </p:txBody>
+      </p:sp>
+      <p:sp>
+        <p:nvSpPr>
+          <p:cNvPr id="21" name="Abgerundetes Rechteck 20"/>
+          <p:cNvSpPr/>
+          <p:nvPr/>
+        </p:nvSpPr>
+        <p:spPr>
+          <a:xfrm>
+            <a:off x="8038438" y="4147128"/>
+            <a:ext cx="3280726" cy="2369128"/>
+          </a:xfrm>
+          <a:prstGeom prst="roundRect">
+            <a:avLst>
+              <a:gd name="adj" fmla="val 1739"/>
+            </a:avLst>
+          </a:prstGeom>
+          <a:noFill/>
+          <a:ln w="25400">
+            <a:solidFill>
+              <a:schemeClr val="tx1"/>
+            </a:solidFill>
+          </a:ln>
+        </p:spPr>
+        <p:style>
+          <a:lnRef idx="2">
+            <a:schemeClr val="accent1">
+              <a:shade val="50000"/>
+            </a:schemeClr>
+          </a:lnRef>
+          <a:fillRef idx="1">
+            <a:schemeClr val="accent1"/>
+          </a:fillRef>
+          <a:effectRef idx="0">
+            <a:schemeClr val="accent1"/>
+          </a:effectRef>
+          <a:fontRef idx="minor">
+            <a:schemeClr val="lt1"/>
+          </a:fontRef>
+        </p:style>
+        <p:txBody>
+          <a:bodyPr rtlCol="0" anchor="ctr"/>
+          <a:lstStyle/>
+          <a:p>
+            <a:pPr algn="ctr"/>
+            <a:endParaRPr lang="de-DE"/>
+          </a:p>
+        </p:txBody>
+      </p:sp>
+      <p:sp>
+        <p:nvSpPr>
+          <p:cNvPr id="22" name="Textfeld 21"/>
+          <p:cNvSpPr txBox="1"/>
+          <p:nvPr/>
+        </p:nvSpPr>
+        <p:spPr>
+          <a:xfrm>
+            <a:off x="8130280" y="4365270"/>
+            <a:ext cx="835485" cy="1261884"/>
+          </a:xfrm>
+          <a:prstGeom prst="rect">
+            <a:avLst/>
+          </a:prstGeom>
+          <a:noFill/>
+        </p:spPr>
+        <p:txBody>
+          <a:bodyPr wrap="none" rtlCol="0">
+            <a:spAutoFit/>
+          </a:bodyPr>
+          <a:lstStyle/>
+          <a:p>
+            <a:endParaRPr lang="de-DE" sz="1200" b="1" dirty="0" smtClean="0">
+              <a:latin typeface="Courier New" panose="02070309020205020404" pitchFamily="49" charset="0"/>
+              <a:cs typeface="Courier New" panose="02070309020205020404" pitchFamily="49" charset="0"/>
+            </a:endParaRPr>
+          </a:p>
+          <a:p>
+            <a:r>
+              <a:rPr lang="de-DE" sz="1200" b="1" dirty="0" smtClean="0">
+                <a:solidFill>
+                  <a:srgbClr val="FF0000"/>
+                </a:solidFill>
+                <a:latin typeface="Courier New" panose="02070309020205020404" pitchFamily="49" charset="0"/>
+                <a:cs typeface="Courier New" panose="02070309020205020404" pitchFamily="49" charset="0"/>
+              </a:rPr>
+              <a:t>Panel 1</a:t>
+            </a:r>
+          </a:p>
+          <a:p>
+            <a:endParaRPr lang="de-DE" sz="1200" b="1" dirty="0" smtClean="0">
+              <a:latin typeface="Courier New" panose="02070309020205020404" pitchFamily="49" charset="0"/>
+              <a:cs typeface="Courier New" panose="02070309020205020404" pitchFamily="49" charset="0"/>
+            </a:endParaRPr>
+          </a:p>
+          <a:p>
+            <a:r>
+              <a:rPr lang="de-DE" sz="1200" b="1" dirty="0" smtClean="0">
+                <a:solidFill>
+                  <a:schemeClr val="bg1">
+                    <a:lumMod val="85000"/>
+                  </a:schemeClr>
+                </a:solidFill>
+                <a:latin typeface="Courier New" panose="02070309020205020404" pitchFamily="49" charset="0"/>
+                <a:cs typeface="Courier New" panose="02070309020205020404" pitchFamily="49" charset="0"/>
+              </a:rPr>
+              <a:t>Panel 2</a:t>
+            </a:r>
+          </a:p>
+          <a:p>
+            <a:endParaRPr lang="de-DE" sz="1400" b="1" dirty="0">
+              <a:latin typeface="Courier New" panose="02070309020205020404" pitchFamily="49" charset="0"/>
+              <a:cs typeface="Courier New" panose="02070309020205020404" pitchFamily="49" charset="0"/>
+            </a:endParaRPr>
+          </a:p>
+          <a:p>
+            <a:r>
+              <a:rPr lang="de-DE" sz="1400" b="1" dirty="0" smtClean="0">
+                <a:solidFill>
+                  <a:schemeClr val="bg1">
+                    <a:lumMod val="85000"/>
+                  </a:schemeClr>
+                </a:solidFill>
+                <a:latin typeface="Courier New" panose="02070309020205020404" pitchFamily="49" charset="0"/>
+                <a:cs typeface="Courier New" panose="02070309020205020404" pitchFamily="49" charset="0"/>
+              </a:rPr>
+              <a:t>…</a:t>
+            </a:r>
+            <a:endParaRPr lang="de-DE" sz="1400" b="1" dirty="0">
+              <a:solidFill>
+                <a:schemeClr val="bg1">
+                  <a:lumMod val="85000"/>
+                </a:schemeClr>
+              </a:solidFill>
+              <a:latin typeface="Courier New" panose="02070309020205020404" pitchFamily="49" charset="0"/>
+              <a:cs typeface="Courier New" panose="02070309020205020404" pitchFamily="49" charset="0"/>
+            </a:endParaRPr>
+          </a:p>
+        </p:txBody>
+      </p:sp>
+    </p:spTree>
+    <p:extLst>
+      <p:ext uri="{BB962C8B-B14F-4D97-AF65-F5344CB8AC3E}">
+        <p14:creationId xmlns:p14="http://schemas.microsoft.com/office/powerpoint/2010/main" val="2009823721"/>
+      </p:ext>
+    </p:extLst>
+  </p:cSld>
+  <p:clrMapOvr>
+    <a:masterClrMapping/>
+  </p:clrMapOvr>
+</p:sld>
+</file>
+
 <file path=ppt/theme/theme1.xml><?xml version="1.0" encoding="utf-8"?>
 <a:theme xmlns:a="http://schemas.openxmlformats.org/drawingml/2006/main" name="Office Theme">
   <a:themeElements>
